--- a/Introduction to Redux for Angular2.pptx
+++ b/Introduction to Redux for Angular2.pptx
@@ -5,13 +5,18 @@
     <p:sldMasterId id="2147483648" r:id="rId1"/>
   </p:sldMasterIdLst>
   <p:notesMasterIdLst>
-    <p:notesMasterId r:id="rId6"/>
+    <p:notesMasterId r:id="rId11"/>
   </p:notesMasterIdLst>
   <p:sldIdLst>
     <p:sldId id="256" r:id="rId2"/>
     <p:sldId id="257" r:id="rId3"/>
     <p:sldId id="259" r:id="rId4"/>
     <p:sldId id="260" r:id="rId5"/>
+    <p:sldId id="262" r:id="rId6"/>
+    <p:sldId id="264" r:id="rId7"/>
+    <p:sldId id="263" r:id="rId8"/>
+    <p:sldId id="265" r:id="rId9"/>
+    <p:sldId id="266" r:id="rId10"/>
   </p:sldIdLst>
   <p:sldSz cx="12192000" cy="6858000"/>
   <p:notesSz cx="6858000" cy="9144000"/>
@@ -223,7 +228,7 @@
           <a:p>
             <a:fld id="{35EB53D0-47FF-47D9-AE36-6B2952A5EE8A}" type="datetimeFigureOut">
               <a:rPr lang="zh-CN" altLang="en-US" smtClean="0"/>
-              <a:t>2017/9/11</a:t>
+              <a:t>2017/9/12</a:t>
             </a:fld>
             <a:endParaRPr lang="zh-CN" altLang="en-US"/>
           </a:p>
@@ -959,41 +964,78 @@
           <a:lstStyle/>
           <a:p>
             <a:r>
+              <a:rPr lang="en-US" altLang="zh-CN" dirty="0" smtClean="0"/>
+              <a:t>3</a:t>
+            </a:r>
+            <a:r>
               <a:rPr lang="zh-CN" altLang="en-US" dirty="0" smtClean="0"/>
-              <a:t>简单介绍一下什么是</a:t>
-            </a:r>
-            <a:r>
-              <a:rPr lang="en-US" altLang="zh-CN" dirty="0" err="1" smtClean="0"/>
-              <a:t>redux</a:t>
-            </a:r>
+              <a:t>个独立的组件，</a:t>
+            </a:r>
+            <a:endParaRPr lang="en-US" altLang="zh-CN" dirty="0" smtClean="0"/>
+          </a:p>
+          <a:p>
             <a:r>
               <a:rPr lang="zh-CN" altLang="en-US" dirty="0" smtClean="0"/>
-              <a:t>，使用场景</a:t>
-            </a:r>
-            <a:r>
-              <a:rPr lang="en-US" altLang="zh-CN" dirty="0" smtClean="0"/>
-              <a:t>(SPA </a:t>
-            </a:r>
-            <a:r>
-              <a:rPr lang="zh-CN" altLang="en-US" dirty="0" smtClean="0"/>
-              <a:t>具有复杂的数据流</a:t>
-            </a:r>
-            <a:r>
-              <a:rPr lang="en-US" altLang="zh-CN" dirty="0" smtClean="0"/>
-              <a:t>)</a:t>
-            </a:r>
-            <a:r>
-              <a:rPr lang="zh-CN" altLang="en-US" dirty="0" smtClean="0"/>
-              <a:t>。 如果简单应用就无需使用</a:t>
-            </a:r>
-            <a:r>
-              <a:rPr lang="en-US" altLang="zh-CN" dirty="0" err="1" smtClean="0"/>
-              <a:t>redux</a:t>
-            </a:r>
-            <a:r>
-              <a:rPr lang="zh-CN" altLang="en-US" dirty="0" smtClean="0"/>
-              <a:t>，反而会增加系统的复杂度</a:t>
-            </a:r>
+              <a:t>组件间是如何进行数据同步的，</a:t>
+            </a:r>
+            <a:endParaRPr lang="en-US" altLang="zh-CN" dirty="0" smtClean="0"/>
+          </a:p>
+          <a:p>
+            <a:pPr marL="228600" indent="-228600">
+              <a:buAutoNum type="arabicPeriod"/>
+            </a:pPr>
+            <a:r>
+              <a:rPr lang="zh-CN" altLang="en-US" baseline="0" dirty="0" smtClean="0"/>
+              <a:t>得到数据的拷贝，但如果会出现数据不同步的问题，  比如在组件</a:t>
+            </a:r>
+            <a:r>
+              <a:rPr lang="en-US" altLang="zh-CN" baseline="0" dirty="0" smtClean="0"/>
+              <a:t>A</a:t>
+            </a:r>
+            <a:r>
+              <a:rPr lang="zh-CN" altLang="en-US" baseline="0" dirty="0" smtClean="0"/>
+              <a:t>中修改，却没有及时同步到其他的组件中</a:t>
+            </a:r>
+            <a:endParaRPr lang="en-US" altLang="zh-CN" baseline="0" dirty="0" smtClean="0"/>
+          </a:p>
+          <a:p>
+            <a:pPr marL="228600" indent="-228600">
+              <a:buAutoNum type="arabicPeriod"/>
+            </a:pPr>
+            <a:r>
+              <a:rPr lang="zh-CN" altLang="en-US" baseline="0" dirty="0" smtClean="0"/>
+              <a:t>对于</a:t>
+            </a:r>
+            <a:r>
+              <a:rPr lang="en-US" altLang="zh-CN" baseline="0" dirty="0" smtClean="0"/>
+              <a:t>1</a:t>
+            </a:r>
+            <a:r>
+              <a:rPr lang="zh-CN" altLang="en-US" baseline="0" dirty="0" smtClean="0"/>
+              <a:t>的问题， </a:t>
+            </a:r>
+            <a:r>
+              <a:rPr lang="en-US" altLang="zh-CN" baseline="0" dirty="0" smtClean="0"/>
+              <a:t>angular2 </a:t>
+            </a:r>
+            <a:r>
+              <a:rPr lang="zh-CN" altLang="en-US" baseline="0" dirty="0" smtClean="0"/>
+              <a:t>中会使用自定义事件来 </a:t>
+            </a:r>
+            <a:r>
+              <a:rPr lang="en-US" altLang="zh-CN" baseline="0" dirty="0" err="1" smtClean="0"/>
+              <a:t>EventEmitter</a:t>
+            </a:r>
+            <a:r>
+              <a:rPr lang="zh-CN" altLang="en-US" baseline="0" dirty="0" smtClean="0"/>
+              <a:t>在实现自定义事件。 组件之前相互影响，</a:t>
+            </a:r>
+            <a:endParaRPr lang="en-US" altLang="zh-CN" baseline="0" dirty="0" smtClean="0"/>
+          </a:p>
+          <a:p>
+            <a:pPr marL="228600" indent="-228600">
+              <a:buAutoNum type="arabicPeriod"/>
+            </a:pPr>
             <a:endParaRPr lang="en-US" altLang="zh-CN" dirty="0" smtClean="0"/>
           </a:p>
         </p:txBody>
@@ -1025,6 +1067,1206 @@
     <p:extLst>
       <p:ext uri="{BB962C8B-B14F-4D97-AF65-F5344CB8AC3E}">
         <p14:creationId xmlns:p14="http://schemas.microsoft.com/office/powerpoint/2010/main" val="3343794363"/>
+      </p:ext>
+    </p:extLst>
+  </p:cSld>
+  <p:clrMapOvr>
+    <a:masterClrMapping/>
+  </p:clrMapOvr>
+</p:notes>
+</file>
+
+<file path=ppt/notesSlides/notesSlide5.xml><?xml version="1.0" encoding="utf-8"?>
+<p:notes xmlns:a="http://schemas.openxmlformats.org/drawingml/2006/main" xmlns:r="http://schemas.openxmlformats.org/officeDocument/2006/relationships" xmlns:p="http://schemas.openxmlformats.org/presentationml/2006/main">
+  <p:cSld>
+    <p:spTree>
+      <p:nvGrpSpPr>
+        <p:cNvPr id="1" name=""/>
+        <p:cNvGrpSpPr/>
+        <p:nvPr/>
+      </p:nvGrpSpPr>
+      <p:grpSpPr>
+        <a:xfrm>
+          <a:off x="0" y="0"/>
+          <a:ext cx="0" cy="0"/>
+          <a:chOff x="0" y="0"/>
+          <a:chExt cx="0" cy="0"/>
+        </a:xfrm>
+      </p:grpSpPr>
+      <p:sp>
+        <p:nvSpPr>
+          <p:cNvPr id="2" name="幻灯片图像占位符 1"/>
+          <p:cNvSpPr>
+            <a:spLocks noGrp="1" noRot="1" noChangeAspect="1"/>
+          </p:cNvSpPr>
+          <p:nvPr>
+            <p:ph type="sldImg"/>
+          </p:nvPr>
+        </p:nvSpPr>
+        <p:spPr/>
+      </p:sp>
+      <p:sp>
+        <p:nvSpPr>
+          <p:cNvPr id="3" name="备注占位符 2"/>
+          <p:cNvSpPr>
+            <a:spLocks noGrp="1"/>
+          </p:cNvSpPr>
+          <p:nvPr>
+            <p:ph type="body" idx="1"/>
+          </p:nvPr>
+        </p:nvSpPr>
+        <p:spPr/>
+        <p:txBody>
+          <a:bodyPr/>
+          <a:lstStyle/>
+          <a:p>
+            <a:pPr marL="0" marR="0" indent="0" algn="l" defTabSz="914400" rtl="0" eaLnBrk="1" fontAlgn="auto" latinLnBrk="0" hangingPunct="1">
+              <a:lnSpc>
+                <a:spcPct val="100000"/>
+              </a:lnSpc>
+              <a:spcBef>
+                <a:spcPts val="0"/>
+              </a:spcBef>
+              <a:spcAft>
+                <a:spcPts val="0"/>
+              </a:spcAft>
+              <a:buClrTx/>
+              <a:buSzTx/>
+              <a:buFontTx/>
+              <a:buNone/>
+              <a:tabLst/>
+              <a:defRPr/>
+            </a:pPr>
+            <a:r>
+              <a:rPr lang="zh-CN" altLang="en-US" dirty="0" smtClean="0"/>
+              <a:t>从组件的角度，</a:t>
+            </a:r>
+            <a:r>
+              <a:rPr lang="zh-CN" altLang="en-US" baseline="0" dirty="0" smtClean="0"/>
+              <a:t> 简单说一下</a:t>
+            </a:r>
+            <a:r>
+              <a:rPr lang="en-US" altLang="zh-CN" baseline="0" dirty="0" err="1" smtClean="0"/>
+              <a:t>Redux</a:t>
+            </a:r>
+            <a:r>
+              <a:rPr lang="zh-CN" altLang="en-US" baseline="0" dirty="0" smtClean="0"/>
+              <a:t>的使用场景</a:t>
+            </a:r>
+            <a:endParaRPr lang="en-US" altLang="zh-CN" dirty="0" smtClean="0"/>
+          </a:p>
+        </p:txBody>
+      </p:sp>
+      <p:sp>
+        <p:nvSpPr>
+          <p:cNvPr id="4" name="灯片编号占位符 3"/>
+          <p:cNvSpPr>
+            <a:spLocks noGrp="1"/>
+          </p:cNvSpPr>
+          <p:nvPr>
+            <p:ph type="sldNum" sz="quarter" idx="10"/>
+          </p:nvPr>
+        </p:nvSpPr>
+        <p:spPr/>
+        <p:txBody>
+          <a:bodyPr/>
+          <a:lstStyle/>
+          <a:p>
+            <a:fld id="{5C3E78F2-8F34-4ED3-BF67-D7921400C305}" type="slidenum">
+              <a:rPr lang="zh-CN" altLang="en-US" smtClean="0"/>
+              <a:t>5</a:t>
+            </a:fld>
+            <a:endParaRPr lang="zh-CN" altLang="en-US"/>
+          </a:p>
+        </p:txBody>
+      </p:sp>
+    </p:spTree>
+    <p:extLst>
+      <p:ext uri="{BB962C8B-B14F-4D97-AF65-F5344CB8AC3E}">
+        <p14:creationId xmlns:p14="http://schemas.microsoft.com/office/powerpoint/2010/main" val="3422937582"/>
+      </p:ext>
+    </p:extLst>
+  </p:cSld>
+  <p:clrMapOvr>
+    <a:masterClrMapping/>
+  </p:clrMapOvr>
+</p:notes>
+</file>
+
+<file path=ppt/notesSlides/notesSlide6.xml><?xml version="1.0" encoding="utf-8"?>
+<p:notes xmlns:a="http://schemas.openxmlformats.org/drawingml/2006/main" xmlns:r="http://schemas.openxmlformats.org/officeDocument/2006/relationships" xmlns:p="http://schemas.openxmlformats.org/presentationml/2006/main">
+  <p:cSld>
+    <p:spTree>
+      <p:nvGrpSpPr>
+        <p:cNvPr id="1" name=""/>
+        <p:cNvGrpSpPr/>
+        <p:nvPr/>
+      </p:nvGrpSpPr>
+      <p:grpSpPr>
+        <a:xfrm>
+          <a:off x="0" y="0"/>
+          <a:ext cx="0" cy="0"/>
+          <a:chOff x="0" y="0"/>
+          <a:chExt cx="0" cy="0"/>
+        </a:xfrm>
+      </p:grpSpPr>
+      <p:sp>
+        <p:nvSpPr>
+          <p:cNvPr id="2" name="幻灯片图像占位符 1"/>
+          <p:cNvSpPr>
+            <a:spLocks noGrp="1" noRot="1" noChangeAspect="1"/>
+          </p:cNvSpPr>
+          <p:nvPr>
+            <p:ph type="sldImg"/>
+          </p:nvPr>
+        </p:nvSpPr>
+        <p:spPr/>
+      </p:sp>
+      <p:sp>
+        <p:nvSpPr>
+          <p:cNvPr id="3" name="备注占位符 2"/>
+          <p:cNvSpPr>
+            <a:spLocks noGrp="1"/>
+          </p:cNvSpPr>
+          <p:nvPr>
+            <p:ph type="body" idx="1"/>
+          </p:nvPr>
+        </p:nvSpPr>
+        <p:spPr/>
+        <p:txBody>
+          <a:bodyPr/>
+          <a:lstStyle/>
+          <a:p>
+            <a:pPr marL="0" marR="0" indent="0" algn="l" defTabSz="914400" rtl="0" eaLnBrk="1" fontAlgn="auto" latinLnBrk="0" hangingPunct="1">
+              <a:lnSpc>
+                <a:spcPct val="100000"/>
+              </a:lnSpc>
+              <a:spcBef>
+                <a:spcPts val="0"/>
+              </a:spcBef>
+              <a:spcAft>
+                <a:spcPts val="0"/>
+              </a:spcAft>
+              <a:buClrTx/>
+              <a:buSzTx/>
+              <a:buFontTx/>
+              <a:buNone/>
+              <a:tabLst/>
+              <a:defRPr/>
+            </a:pPr>
+            <a:r>
+              <a:rPr lang="zh-CN" altLang="en-US" dirty="0" smtClean="0"/>
+              <a:t>从组件的角度，</a:t>
+            </a:r>
+            <a:r>
+              <a:rPr lang="zh-CN" altLang="en-US" baseline="0" dirty="0" smtClean="0"/>
+              <a:t> 简单说一下</a:t>
+            </a:r>
+            <a:r>
+              <a:rPr lang="en-US" altLang="zh-CN" baseline="0" dirty="0" err="1" smtClean="0"/>
+              <a:t>Redux</a:t>
+            </a:r>
+            <a:r>
+              <a:rPr lang="zh-CN" altLang="en-US" baseline="0" dirty="0" smtClean="0"/>
+              <a:t>的使用场景</a:t>
+            </a:r>
+            <a:endParaRPr lang="en-US" altLang="zh-CN" baseline="0" dirty="0" smtClean="0"/>
+          </a:p>
+          <a:p>
+            <a:pPr marL="0" marR="0" indent="0" algn="l" defTabSz="914400" rtl="0" eaLnBrk="1" fontAlgn="auto" latinLnBrk="0" hangingPunct="1">
+              <a:lnSpc>
+                <a:spcPct val="100000"/>
+              </a:lnSpc>
+              <a:spcBef>
+                <a:spcPts val="0"/>
+              </a:spcBef>
+              <a:spcAft>
+                <a:spcPts val="0"/>
+              </a:spcAft>
+              <a:buClrTx/>
+              <a:buSzTx/>
+              <a:buFontTx/>
+              <a:buNone/>
+              <a:tabLst/>
+              <a:defRPr/>
+            </a:pPr>
+            <a:endParaRPr lang="en-US" altLang="zh-CN" baseline="0" dirty="0" smtClean="0"/>
+          </a:p>
+          <a:p>
+            <a:pPr marL="0" marR="0" indent="0" algn="l" defTabSz="914400" rtl="0" eaLnBrk="1" fontAlgn="auto" latinLnBrk="0" hangingPunct="1">
+              <a:lnSpc>
+                <a:spcPct val="100000"/>
+              </a:lnSpc>
+              <a:spcBef>
+                <a:spcPts val="0"/>
+              </a:spcBef>
+              <a:spcAft>
+                <a:spcPts val="0"/>
+              </a:spcAft>
+              <a:buClrTx/>
+              <a:buSzTx/>
+              <a:buFontTx/>
+              <a:buNone/>
+              <a:tabLst/>
+              <a:defRPr/>
+            </a:pPr>
+            <a:r>
+              <a:rPr lang="zh-CN" altLang="en-US" baseline="0" dirty="0" smtClean="0"/>
+              <a:t>副作用 一般值改变传入的参数</a:t>
+            </a:r>
+            <a:endParaRPr lang="en-US" altLang="zh-CN" dirty="0" smtClean="0"/>
+          </a:p>
+        </p:txBody>
+      </p:sp>
+      <p:sp>
+        <p:nvSpPr>
+          <p:cNvPr id="4" name="灯片编号占位符 3"/>
+          <p:cNvSpPr>
+            <a:spLocks noGrp="1"/>
+          </p:cNvSpPr>
+          <p:nvPr>
+            <p:ph type="sldNum" sz="quarter" idx="10"/>
+          </p:nvPr>
+        </p:nvSpPr>
+        <p:spPr/>
+        <p:txBody>
+          <a:bodyPr/>
+          <a:lstStyle/>
+          <a:p>
+            <a:fld id="{5C3E78F2-8F34-4ED3-BF67-D7921400C305}" type="slidenum">
+              <a:rPr lang="zh-CN" altLang="en-US" smtClean="0"/>
+              <a:t>6</a:t>
+            </a:fld>
+            <a:endParaRPr lang="zh-CN" altLang="en-US"/>
+          </a:p>
+        </p:txBody>
+      </p:sp>
+    </p:spTree>
+    <p:extLst>
+      <p:ext uri="{BB962C8B-B14F-4D97-AF65-F5344CB8AC3E}">
+        <p14:creationId xmlns:p14="http://schemas.microsoft.com/office/powerpoint/2010/main" val="3490329303"/>
+      </p:ext>
+    </p:extLst>
+  </p:cSld>
+  <p:clrMapOvr>
+    <a:masterClrMapping/>
+  </p:clrMapOvr>
+</p:notes>
+</file>
+
+<file path=ppt/notesSlides/notesSlide7.xml><?xml version="1.0" encoding="utf-8"?>
+<p:notes xmlns:a="http://schemas.openxmlformats.org/drawingml/2006/main" xmlns:r="http://schemas.openxmlformats.org/officeDocument/2006/relationships" xmlns:p="http://schemas.openxmlformats.org/presentationml/2006/main">
+  <p:cSld>
+    <p:spTree>
+      <p:nvGrpSpPr>
+        <p:cNvPr id="1" name=""/>
+        <p:cNvGrpSpPr/>
+        <p:nvPr/>
+      </p:nvGrpSpPr>
+      <p:grpSpPr>
+        <a:xfrm>
+          <a:off x="0" y="0"/>
+          <a:ext cx="0" cy="0"/>
+          <a:chOff x="0" y="0"/>
+          <a:chExt cx="0" cy="0"/>
+        </a:xfrm>
+      </p:grpSpPr>
+      <p:sp>
+        <p:nvSpPr>
+          <p:cNvPr id="2" name="幻灯片图像占位符 1"/>
+          <p:cNvSpPr>
+            <a:spLocks noGrp="1" noRot="1" noChangeAspect="1"/>
+          </p:cNvSpPr>
+          <p:nvPr>
+            <p:ph type="sldImg"/>
+          </p:nvPr>
+        </p:nvSpPr>
+        <p:spPr/>
+      </p:sp>
+      <p:sp>
+        <p:nvSpPr>
+          <p:cNvPr id="3" name="备注占位符 2"/>
+          <p:cNvSpPr>
+            <a:spLocks noGrp="1"/>
+          </p:cNvSpPr>
+          <p:nvPr>
+            <p:ph type="body" idx="1"/>
+          </p:nvPr>
+        </p:nvSpPr>
+        <p:spPr/>
+        <p:txBody>
+          <a:bodyPr/>
+          <a:lstStyle/>
+          <a:p>
+            <a:pPr marL="0" indent="0">
+              <a:buNone/>
+            </a:pPr>
+            <a:r>
+              <a:rPr lang="en-US" sz="1200" dirty="0" smtClean="0"/>
+              <a:t>(</a:t>
+            </a:r>
+            <a:r>
+              <a:rPr lang="zh-CN" altLang="en-US" sz="1200" dirty="0" smtClean="0"/>
+              <a:t>可以认为是本地的数据库</a:t>
+            </a:r>
+            <a:r>
+              <a:rPr lang="en-US" altLang="zh-CN" sz="1200" dirty="0" smtClean="0"/>
+              <a:t>) </a:t>
+            </a:r>
+            <a:r>
+              <a:rPr lang="en-US" sz="1200" dirty="0" smtClean="0"/>
+              <a:t>Store </a:t>
+            </a:r>
+            <a:r>
+              <a:rPr lang="zh-CN" altLang="en-US" sz="1200" dirty="0" smtClean="0"/>
+              <a:t>就是保存数据的地方，你可以把它看成一个容器。</a:t>
+            </a:r>
+            <a:r>
+              <a:rPr lang="zh-CN" altLang="en-US" sz="1200" b="1" dirty="0" smtClean="0"/>
+              <a:t>整个应用只能有一个 </a:t>
+            </a:r>
+            <a:r>
+              <a:rPr lang="en-US" sz="1200" b="1" dirty="0" smtClean="0"/>
+              <a:t>Store。</a:t>
+            </a:r>
+          </a:p>
+          <a:p>
+            <a:pPr marL="0" indent="0">
+              <a:buNone/>
+            </a:pPr>
+            <a:endParaRPr lang="en-US" sz="1200" b="1" dirty="0" smtClean="0"/>
+          </a:p>
+          <a:p>
+            <a:pPr marL="0" indent="0">
+              <a:buNone/>
+            </a:pPr>
+            <a:r>
+              <a:rPr lang="en-US" altLang="zh-CN" sz="1200" b="1" dirty="0" smtClean="0"/>
+              <a:t>Action</a:t>
+            </a:r>
+            <a:r>
+              <a:rPr lang="zh-CN" altLang="en-US" sz="1200" b="1" dirty="0" smtClean="0"/>
+              <a:t>就是用来表示发生的事件。</a:t>
+            </a:r>
+            <a:r>
+              <a:rPr lang="zh-CN" altLang="en-US" sz="1200" b="1" baseline="0" dirty="0" smtClean="0"/>
+              <a:t>   一般在视图中触发事件， 比如页面加载完成，用户的一次点击事件等等。</a:t>
+            </a:r>
+            <a:endParaRPr lang="en-US" altLang="zh-CN" sz="1200" b="1" baseline="0" dirty="0" smtClean="0"/>
+          </a:p>
+          <a:p>
+            <a:pPr marL="0" indent="0">
+              <a:buNone/>
+            </a:pPr>
+            <a:endParaRPr lang="en-US" altLang="zh-CN" sz="1200" b="1" baseline="0" dirty="0" smtClean="0"/>
+          </a:p>
+          <a:p>
+            <a:pPr marL="0" indent="0">
+              <a:buNone/>
+            </a:pPr>
+            <a:r>
+              <a:rPr lang="en-US" altLang="zh-CN" sz="1200" b="1" baseline="0" dirty="0" smtClean="0"/>
+              <a:t>State</a:t>
+            </a:r>
+            <a:r>
+              <a:rPr lang="zh-CN" altLang="en-US" sz="1200" b="1" baseline="0" dirty="0" smtClean="0"/>
+              <a:t>就是状态实体，用来表示应用某一个时刻的状态，   通过触发不同的</a:t>
+            </a:r>
+            <a:r>
+              <a:rPr lang="en-US" altLang="zh-CN" sz="1200" b="1" baseline="0" dirty="0" smtClean="0"/>
+              <a:t>Action</a:t>
+            </a:r>
+            <a:r>
+              <a:rPr lang="zh-CN" altLang="en-US" sz="1200" b="1" baseline="0" dirty="0" smtClean="0"/>
+              <a:t>可以改变相应的</a:t>
+            </a:r>
+            <a:r>
+              <a:rPr lang="en-US" altLang="zh-CN" sz="1200" b="1" baseline="0" dirty="0" smtClean="0"/>
+              <a:t>state</a:t>
+            </a:r>
+          </a:p>
+          <a:p>
+            <a:pPr marL="0" indent="0">
+              <a:buNone/>
+            </a:pPr>
+            <a:endParaRPr lang="en-US" altLang="zh-CN" sz="1200" b="1" baseline="0" dirty="0" smtClean="0"/>
+          </a:p>
+          <a:p>
+            <a:pPr marL="0" indent="0">
+              <a:buNone/>
+            </a:pPr>
+            <a:endParaRPr lang="en-US" altLang="zh-CN" sz="1200" b="1" baseline="0" dirty="0" smtClean="0"/>
+          </a:p>
+          <a:p>
+            <a:pPr marL="0" indent="0">
+              <a:buNone/>
+            </a:pPr>
+            <a:r>
+              <a:rPr lang="en-US" altLang="zh-CN" sz="1200" b="1" baseline="0" dirty="0" smtClean="0"/>
+              <a:t>Reducer </a:t>
+            </a:r>
+            <a:r>
+              <a:rPr lang="zh-CN" altLang="en-US" sz="1200" b="1" baseline="0" dirty="0" smtClean="0"/>
+              <a:t>是一个纯函数。   在</a:t>
+            </a:r>
+            <a:r>
+              <a:rPr lang="en-US" altLang="zh-CN" sz="1200" b="1" baseline="0" dirty="0" smtClean="0"/>
+              <a:t>Store</a:t>
+            </a:r>
+            <a:r>
+              <a:rPr lang="zh-CN" altLang="en-US" sz="1200" b="1" baseline="0" dirty="0" smtClean="0"/>
+              <a:t>接受到新的</a:t>
+            </a:r>
+            <a:r>
+              <a:rPr lang="en-US" altLang="zh-CN" sz="1200" b="1" baseline="0" dirty="0" smtClean="0"/>
+              <a:t>Action</a:t>
+            </a:r>
+            <a:r>
+              <a:rPr lang="zh-CN" altLang="en-US" sz="1200" b="1" baseline="0" dirty="0" smtClean="0"/>
+              <a:t>后，</a:t>
+            </a:r>
+            <a:r>
+              <a:rPr lang="en-US" altLang="zh-CN" sz="1200" b="1" baseline="0" dirty="0" smtClean="0"/>
+              <a:t>store</a:t>
+            </a:r>
+            <a:r>
+              <a:rPr lang="zh-CN" altLang="en-US" sz="1200" b="1" baseline="0" dirty="0" smtClean="0"/>
+              <a:t>会根据</a:t>
+            </a:r>
+            <a:r>
+              <a:rPr lang="en-US" altLang="zh-CN" sz="1200" b="1" baseline="0" dirty="0" smtClean="0"/>
+              <a:t>Action</a:t>
+            </a:r>
+            <a:r>
+              <a:rPr lang="zh-CN" altLang="en-US" sz="1200" b="1" baseline="0" dirty="0" smtClean="0"/>
+              <a:t>的事件类型 调用对应的</a:t>
+            </a:r>
+            <a:r>
+              <a:rPr lang="en-US" altLang="zh-CN" sz="1200" b="1" baseline="0" dirty="0" smtClean="0"/>
+              <a:t>reducer</a:t>
+            </a:r>
+            <a:r>
+              <a:rPr lang="zh-CN" altLang="en-US" sz="1200" b="1" baseline="0" dirty="0" smtClean="0"/>
+              <a:t>函数，对</a:t>
+            </a:r>
+            <a:r>
+              <a:rPr lang="en-US" altLang="zh-CN" sz="1200" b="1" baseline="0" dirty="0" smtClean="0"/>
+              <a:t>state</a:t>
+            </a:r>
+            <a:r>
+              <a:rPr lang="zh-CN" altLang="en-US" sz="1200" b="1" baseline="0" dirty="0" smtClean="0"/>
+              <a:t>做出修改。 </a:t>
+            </a:r>
+            <a:endParaRPr lang="en-US" altLang="zh-CN" sz="1200" b="1" baseline="0" dirty="0" smtClean="0"/>
+          </a:p>
+          <a:p>
+            <a:pPr marL="0" indent="0">
+              <a:buNone/>
+            </a:pPr>
+            <a:r>
+              <a:rPr lang="en-US" sz="1200" dirty="0" smtClean="0"/>
+              <a:t>Reducer</a:t>
+            </a:r>
+            <a:r>
+              <a:rPr lang="zh-CN" altLang="en-US" sz="1200" dirty="0" smtClean="0"/>
+              <a:t>函数，总是接受</a:t>
+            </a:r>
+            <a:r>
+              <a:rPr lang="en-US" altLang="zh-CN" sz="1200" dirty="0" smtClean="0"/>
+              <a:t>2</a:t>
+            </a:r>
+            <a:r>
+              <a:rPr lang="zh-CN" altLang="en-US" sz="1200" dirty="0" smtClean="0"/>
+              <a:t>个参数，  第一个是当前某个</a:t>
+            </a:r>
+            <a:r>
+              <a:rPr lang="en-US" altLang="zh-CN" sz="1200" dirty="0" smtClean="0"/>
+              <a:t>Action</a:t>
+            </a:r>
+            <a:r>
+              <a:rPr lang="zh-CN" altLang="en-US" sz="1200" dirty="0" smtClean="0"/>
+              <a:t>触发之前对应的状态。第二个是当前触发</a:t>
+            </a:r>
+            <a:r>
+              <a:rPr lang="en-US" altLang="zh-CN" sz="1200" dirty="0" smtClean="0"/>
+              <a:t>Action</a:t>
+            </a:r>
+            <a:r>
+              <a:rPr lang="zh-CN" altLang="en-US" sz="1200" dirty="0" smtClean="0"/>
+              <a:t>。</a:t>
+            </a:r>
+            <a:endParaRPr lang="en-US" sz="1200" dirty="0" smtClean="0"/>
+          </a:p>
+          <a:p>
+            <a:pPr marL="0" indent="0">
+              <a:buNone/>
+            </a:pPr>
+            <a:endParaRPr lang="en-US" altLang="zh-CN" sz="1200" b="1" baseline="0" dirty="0" smtClean="0"/>
+          </a:p>
+          <a:p>
+            <a:pPr marL="0" indent="0">
+              <a:buNone/>
+            </a:pPr>
+            <a:endParaRPr lang="en-US" sz="1200" b="1" baseline="0" dirty="0" smtClean="0"/>
+          </a:p>
+          <a:p>
+            <a:pPr marL="0" indent="0">
+              <a:buNone/>
+            </a:pPr>
+            <a:endParaRPr lang="en-US" sz="1200" b="1" dirty="0" smtClean="0"/>
+          </a:p>
+          <a:p>
+            <a:pPr marL="0" indent="0">
+              <a:buNone/>
+            </a:pPr>
+            <a:endParaRPr lang="en-US" sz="1200" dirty="0"/>
+          </a:p>
+        </p:txBody>
+      </p:sp>
+      <p:sp>
+        <p:nvSpPr>
+          <p:cNvPr id="4" name="灯片编号占位符 3"/>
+          <p:cNvSpPr>
+            <a:spLocks noGrp="1"/>
+          </p:cNvSpPr>
+          <p:nvPr>
+            <p:ph type="sldNum" sz="quarter" idx="10"/>
+          </p:nvPr>
+        </p:nvSpPr>
+        <p:spPr/>
+        <p:txBody>
+          <a:bodyPr/>
+          <a:lstStyle/>
+          <a:p>
+            <a:fld id="{5C3E78F2-8F34-4ED3-BF67-D7921400C305}" type="slidenum">
+              <a:rPr lang="zh-CN" altLang="en-US" smtClean="0"/>
+              <a:t>7</a:t>
+            </a:fld>
+            <a:endParaRPr lang="zh-CN" altLang="en-US"/>
+          </a:p>
+        </p:txBody>
+      </p:sp>
+    </p:spTree>
+    <p:extLst>
+      <p:ext uri="{BB962C8B-B14F-4D97-AF65-F5344CB8AC3E}">
+        <p14:creationId xmlns:p14="http://schemas.microsoft.com/office/powerpoint/2010/main" val="3699853105"/>
+      </p:ext>
+    </p:extLst>
+  </p:cSld>
+  <p:clrMapOvr>
+    <a:masterClrMapping/>
+  </p:clrMapOvr>
+</p:notes>
+</file>
+
+<file path=ppt/notesSlides/notesSlide8.xml><?xml version="1.0" encoding="utf-8"?>
+<p:notes xmlns:a="http://schemas.openxmlformats.org/drawingml/2006/main" xmlns:r="http://schemas.openxmlformats.org/officeDocument/2006/relationships" xmlns:p="http://schemas.openxmlformats.org/presentationml/2006/main">
+  <p:cSld>
+    <p:spTree>
+      <p:nvGrpSpPr>
+        <p:cNvPr id="1" name=""/>
+        <p:cNvGrpSpPr/>
+        <p:nvPr/>
+      </p:nvGrpSpPr>
+      <p:grpSpPr>
+        <a:xfrm>
+          <a:off x="0" y="0"/>
+          <a:ext cx="0" cy="0"/>
+          <a:chOff x="0" y="0"/>
+          <a:chExt cx="0" cy="0"/>
+        </a:xfrm>
+      </p:grpSpPr>
+      <p:sp>
+        <p:nvSpPr>
+          <p:cNvPr id="2" name="幻灯片图像占位符 1"/>
+          <p:cNvSpPr>
+            <a:spLocks noGrp="1" noRot="1" noChangeAspect="1"/>
+          </p:cNvSpPr>
+          <p:nvPr>
+            <p:ph type="sldImg"/>
+          </p:nvPr>
+        </p:nvSpPr>
+        <p:spPr/>
+      </p:sp>
+      <p:sp>
+        <p:nvSpPr>
+          <p:cNvPr id="3" name="备注占位符 2"/>
+          <p:cNvSpPr>
+            <a:spLocks noGrp="1"/>
+          </p:cNvSpPr>
+          <p:nvPr>
+            <p:ph type="body" idx="1"/>
+          </p:nvPr>
+        </p:nvSpPr>
+        <p:spPr/>
+        <p:txBody>
+          <a:bodyPr/>
+          <a:lstStyle/>
+          <a:p>
+            <a:pPr marL="0" indent="0">
+              <a:buNone/>
+            </a:pPr>
+            <a:r>
+              <a:rPr lang="zh-CN" altLang="en-US" sz="1200" b="0" i="0" kern="1200" dirty="0" smtClean="0">
+                <a:solidFill>
+                  <a:schemeClr val="tx1"/>
+                </a:solidFill>
+                <a:effectLst/>
+                <a:latin typeface="+mn-lt"/>
+                <a:ea typeface="+mn-ea"/>
+                <a:cs typeface="+mn-cs"/>
+              </a:rPr>
+              <a:t>首先，用户发出 </a:t>
+            </a:r>
+            <a:r>
+              <a:rPr lang="en-US" sz="1200" b="0" i="0" kern="1200" dirty="0" err="1" smtClean="0">
+                <a:solidFill>
+                  <a:schemeClr val="tx1"/>
+                </a:solidFill>
+                <a:effectLst/>
+                <a:latin typeface="+mn-lt"/>
+                <a:ea typeface="+mn-ea"/>
+                <a:cs typeface="+mn-cs"/>
+              </a:rPr>
+              <a:t>Action。Store</a:t>
+            </a:r>
+            <a:r>
+              <a:rPr lang="zh-CN" altLang="en-US" sz="1200" b="0" i="0" kern="1200" dirty="0" smtClean="0">
+                <a:solidFill>
+                  <a:schemeClr val="tx1"/>
+                </a:solidFill>
+                <a:effectLst/>
+                <a:latin typeface="+mn-lt"/>
+                <a:ea typeface="+mn-ea"/>
+                <a:cs typeface="+mn-cs"/>
+              </a:rPr>
+              <a:t>在接收到</a:t>
+            </a:r>
+            <a:r>
+              <a:rPr lang="en-US" altLang="zh-CN" sz="1200" b="0" i="0" kern="1200" dirty="0" smtClean="0">
+                <a:solidFill>
+                  <a:schemeClr val="tx1"/>
+                </a:solidFill>
+                <a:effectLst/>
+                <a:latin typeface="+mn-lt"/>
+                <a:ea typeface="+mn-ea"/>
+                <a:cs typeface="+mn-cs"/>
+              </a:rPr>
+              <a:t>Action</a:t>
+            </a:r>
+            <a:r>
+              <a:rPr lang="zh-CN" altLang="en-US" sz="1200" b="0" i="0" kern="1200" dirty="0" smtClean="0">
+                <a:solidFill>
+                  <a:schemeClr val="tx1"/>
+                </a:solidFill>
+                <a:effectLst/>
+                <a:latin typeface="+mn-lt"/>
+                <a:ea typeface="+mn-ea"/>
+                <a:cs typeface="+mn-cs"/>
+              </a:rPr>
+              <a:t>后，</a:t>
+            </a:r>
+            <a:r>
+              <a:rPr lang="en-US" sz="1200" b="0" i="0" kern="1200" dirty="0" smtClean="0">
+                <a:solidFill>
+                  <a:schemeClr val="tx1"/>
+                </a:solidFill>
+                <a:effectLst/>
+                <a:latin typeface="+mn-lt"/>
+                <a:ea typeface="+mn-ea"/>
+                <a:cs typeface="+mn-cs"/>
+              </a:rPr>
+              <a:t>Store </a:t>
+            </a:r>
+            <a:r>
+              <a:rPr lang="zh-CN" altLang="en-US" sz="1200" b="0" i="0" kern="1200" dirty="0" smtClean="0">
+                <a:solidFill>
+                  <a:schemeClr val="tx1"/>
+                </a:solidFill>
+                <a:effectLst/>
+                <a:latin typeface="+mn-lt"/>
+                <a:ea typeface="+mn-ea"/>
+                <a:cs typeface="+mn-cs"/>
+              </a:rPr>
+              <a:t>自动调用 </a:t>
+            </a:r>
+            <a:r>
+              <a:rPr lang="en-US" sz="1200" b="0" i="0" kern="1200" dirty="0" smtClean="0">
+                <a:solidFill>
+                  <a:schemeClr val="tx1"/>
+                </a:solidFill>
+                <a:effectLst/>
+                <a:latin typeface="+mn-lt"/>
+                <a:ea typeface="+mn-ea"/>
+                <a:cs typeface="+mn-cs"/>
+              </a:rPr>
+              <a:t>Reducer，</a:t>
+            </a:r>
+            <a:r>
+              <a:rPr lang="zh-CN" altLang="en-US" sz="1200" b="0" i="0" kern="1200" dirty="0" smtClean="0">
+                <a:solidFill>
+                  <a:schemeClr val="tx1"/>
+                </a:solidFill>
+                <a:effectLst/>
+                <a:latin typeface="+mn-lt"/>
+                <a:ea typeface="+mn-ea"/>
+                <a:cs typeface="+mn-cs"/>
+              </a:rPr>
+              <a:t>并且传入两个参数：当前 </a:t>
+            </a:r>
+            <a:r>
+              <a:rPr lang="en-US" sz="1200" b="0" i="0" kern="1200" dirty="0" smtClean="0">
+                <a:solidFill>
+                  <a:schemeClr val="tx1"/>
+                </a:solidFill>
+                <a:effectLst/>
+                <a:latin typeface="+mn-lt"/>
+                <a:ea typeface="+mn-ea"/>
+                <a:cs typeface="+mn-cs"/>
+              </a:rPr>
+              <a:t>State </a:t>
+            </a:r>
+            <a:r>
+              <a:rPr lang="zh-CN" altLang="en-US" sz="1200" b="0" i="0" kern="1200" dirty="0" smtClean="0">
+                <a:solidFill>
+                  <a:schemeClr val="tx1"/>
+                </a:solidFill>
+                <a:effectLst/>
+                <a:latin typeface="+mn-lt"/>
+                <a:ea typeface="+mn-ea"/>
+                <a:cs typeface="+mn-cs"/>
+              </a:rPr>
+              <a:t>和收到的 </a:t>
+            </a:r>
+            <a:r>
+              <a:rPr lang="en-US" sz="1200" b="0" i="0" kern="1200" dirty="0" smtClean="0">
+                <a:solidFill>
+                  <a:schemeClr val="tx1"/>
+                </a:solidFill>
+                <a:effectLst/>
+                <a:latin typeface="+mn-lt"/>
+                <a:ea typeface="+mn-ea"/>
+                <a:cs typeface="+mn-cs"/>
+              </a:rPr>
+              <a:t>Action。 Reducer </a:t>
+            </a:r>
+            <a:r>
+              <a:rPr lang="zh-CN" altLang="en-US" sz="1200" b="0" i="0" kern="1200" dirty="0" smtClean="0">
+                <a:solidFill>
+                  <a:schemeClr val="tx1"/>
+                </a:solidFill>
+                <a:effectLst/>
+                <a:latin typeface="+mn-lt"/>
+                <a:ea typeface="+mn-ea"/>
+                <a:cs typeface="+mn-cs"/>
+              </a:rPr>
+              <a:t>会返回新的 </a:t>
+            </a:r>
+            <a:r>
+              <a:rPr lang="en-US" sz="1200" b="0" i="0" kern="1200" dirty="0" smtClean="0">
+                <a:solidFill>
+                  <a:schemeClr val="tx1"/>
+                </a:solidFill>
+                <a:effectLst/>
+                <a:latin typeface="+mn-lt"/>
+                <a:ea typeface="+mn-ea"/>
+                <a:cs typeface="+mn-cs"/>
+              </a:rPr>
+              <a:t>State 。</a:t>
+            </a:r>
+          </a:p>
+          <a:p>
+            <a:pPr marL="0" indent="0">
+              <a:buNone/>
+            </a:pPr>
+            <a:endParaRPr lang="en-US" sz="1200" dirty="0"/>
+          </a:p>
+        </p:txBody>
+      </p:sp>
+      <p:sp>
+        <p:nvSpPr>
+          <p:cNvPr id="4" name="灯片编号占位符 3"/>
+          <p:cNvSpPr>
+            <a:spLocks noGrp="1"/>
+          </p:cNvSpPr>
+          <p:nvPr>
+            <p:ph type="sldNum" sz="quarter" idx="10"/>
+          </p:nvPr>
+        </p:nvSpPr>
+        <p:spPr/>
+        <p:txBody>
+          <a:bodyPr/>
+          <a:lstStyle/>
+          <a:p>
+            <a:fld id="{5C3E78F2-8F34-4ED3-BF67-D7921400C305}" type="slidenum">
+              <a:rPr lang="zh-CN" altLang="en-US" smtClean="0"/>
+              <a:t>8</a:t>
+            </a:fld>
+            <a:endParaRPr lang="zh-CN" altLang="en-US"/>
+          </a:p>
+        </p:txBody>
+      </p:sp>
+    </p:spTree>
+    <p:extLst>
+      <p:ext uri="{BB962C8B-B14F-4D97-AF65-F5344CB8AC3E}">
+        <p14:creationId xmlns:p14="http://schemas.microsoft.com/office/powerpoint/2010/main" val="1955320143"/>
+      </p:ext>
+    </p:extLst>
+  </p:cSld>
+  <p:clrMapOvr>
+    <a:masterClrMapping/>
+  </p:clrMapOvr>
+</p:notes>
+</file>
+
+<file path=ppt/notesSlides/notesSlide9.xml><?xml version="1.0" encoding="utf-8"?>
+<p:notes xmlns:a="http://schemas.openxmlformats.org/drawingml/2006/main" xmlns:r="http://schemas.openxmlformats.org/officeDocument/2006/relationships" xmlns:p="http://schemas.openxmlformats.org/presentationml/2006/main">
+  <p:cSld>
+    <p:spTree>
+      <p:nvGrpSpPr>
+        <p:cNvPr id="1" name=""/>
+        <p:cNvGrpSpPr/>
+        <p:nvPr/>
+      </p:nvGrpSpPr>
+      <p:grpSpPr>
+        <a:xfrm>
+          <a:off x="0" y="0"/>
+          <a:ext cx="0" cy="0"/>
+          <a:chOff x="0" y="0"/>
+          <a:chExt cx="0" cy="0"/>
+        </a:xfrm>
+      </p:grpSpPr>
+      <p:sp>
+        <p:nvSpPr>
+          <p:cNvPr id="2" name="幻灯片图像占位符 1"/>
+          <p:cNvSpPr>
+            <a:spLocks noGrp="1" noRot="1" noChangeAspect="1"/>
+          </p:cNvSpPr>
+          <p:nvPr>
+            <p:ph type="sldImg"/>
+          </p:nvPr>
+        </p:nvSpPr>
+        <p:spPr/>
+      </p:sp>
+      <p:sp>
+        <p:nvSpPr>
+          <p:cNvPr id="3" name="备注占位符 2"/>
+          <p:cNvSpPr>
+            <a:spLocks noGrp="1"/>
+          </p:cNvSpPr>
+          <p:nvPr>
+            <p:ph type="body" idx="1"/>
+          </p:nvPr>
+        </p:nvSpPr>
+        <p:spPr/>
+        <p:txBody>
+          <a:bodyPr/>
+          <a:lstStyle/>
+          <a:p>
+            <a:r>
+              <a:rPr lang="en-US" sz="1200" b="0" i="0" kern="1200" dirty="0" err="1" smtClean="0">
+                <a:solidFill>
+                  <a:schemeClr val="tx1"/>
+                </a:solidFill>
+                <a:effectLst/>
+                <a:latin typeface="+mn-lt"/>
+                <a:ea typeface="+mn-ea"/>
+                <a:cs typeface="+mn-cs"/>
+              </a:rPr>
+              <a:t>ngrx</a:t>
+            </a:r>
+            <a:r>
+              <a:rPr lang="en-US" sz="1200" b="0" i="0" kern="1200" dirty="0" smtClean="0">
+                <a:solidFill>
+                  <a:schemeClr val="tx1"/>
+                </a:solidFill>
+                <a:effectLst/>
+                <a:latin typeface="+mn-lt"/>
+                <a:ea typeface="+mn-ea"/>
+                <a:cs typeface="+mn-cs"/>
+              </a:rPr>
+              <a:t>/store (This has done the routes of </a:t>
+            </a:r>
+            <a:r>
+              <a:rPr lang="en-US" sz="1200" b="0" i="0" kern="1200" dirty="0" err="1" smtClean="0">
+                <a:solidFill>
+                  <a:schemeClr val="tx1"/>
+                </a:solidFill>
+                <a:effectLst/>
+                <a:latin typeface="+mn-lt"/>
+                <a:ea typeface="+mn-ea"/>
+                <a:cs typeface="+mn-cs"/>
+              </a:rPr>
+              <a:t>reimplemented</a:t>
+            </a:r>
+            <a:r>
+              <a:rPr lang="en-US" sz="1200" b="0" i="0" kern="1200" dirty="0" smtClean="0">
+                <a:solidFill>
+                  <a:schemeClr val="tx1"/>
+                </a:solidFill>
+                <a:effectLst/>
+                <a:latin typeface="+mn-lt"/>
+                <a:ea typeface="+mn-ea"/>
+                <a:cs typeface="+mn-cs"/>
+              </a:rPr>
+              <a:t> the </a:t>
+            </a:r>
+            <a:r>
+              <a:rPr lang="en-US" sz="1200" b="0" i="0" kern="1200" dirty="0" err="1" smtClean="0">
+                <a:solidFill>
+                  <a:schemeClr val="tx1"/>
+                </a:solidFill>
+                <a:effectLst/>
+                <a:latin typeface="+mn-lt"/>
+                <a:ea typeface="+mn-ea"/>
+                <a:cs typeface="+mn-cs"/>
+              </a:rPr>
+              <a:t>Redux</a:t>
+            </a:r>
+            <a:r>
+              <a:rPr lang="en-US" sz="1200" b="0" i="0" kern="1200" dirty="0" smtClean="0">
+                <a:solidFill>
+                  <a:schemeClr val="tx1"/>
+                </a:solidFill>
+                <a:effectLst/>
+                <a:latin typeface="+mn-lt"/>
+                <a:ea typeface="+mn-ea"/>
+                <a:cs typeface="+mn-cs"/>
+              </a:rPr>
+              <a:t> pattern in an angualr2 and </a:t>
+            </a:r>
+            <a:r>
+              <a:rPr lang="en-US" sz="1200" b="0" i="0" kern="1200" dirty="0" err="1" smtClean="0">
+                <a:solidFill>
+                  <a:schemeClr val="tx1"/>
+                </a:solidFill>
+                <a:effectLst/>
+                <a:latin typeface="+mn-lt"/>
+                <a:ea typeface="+mn-ea"/>
+                <a:cs typeface="+mn-cs"/>
+              </a:rPr>
+              <a:t>rxjs</a:t>
+            </a:r>
+            <a:r>
+              <a:rPr lang="en-US" sz="1200" b="0" i="0" kern="1200" dirty="0" smtClean="0">
+                <a:solidFill>
+                  <a:schemeClr val="tx1"/>
+                </a:solidFill>
+                <a:effectLst/>
+                <a:latin typeface="+mn-lt"/>
+                <a:ea typeface="+mn-ea"/>
+                <a:cs typeface="+mn-cs"/>
+              </a:rPr>
+              <a:t> friendly way. This means </a:t>
+            </a:r>
+            <a:r>
+              <a:rPr lang="en-US" sz="1200" b="0" i="0" kern="1200" dirty="0" err="1" smtClean="0">
+                <a:solidFill>
+                  <a:schemeClr val="tx1"/>
+                </a:solidFill>
+                <a:effectLst/>
+                <a:latin typeface="+mn-lt"/>
+                <a:ea typeface="+mn-ea"/>
+                <a:cs typeface="+mn-cs"/>
+              </a:rPr>
+              <a:t>it't</a:t>
+            </a:r>
+            <a:r>
+              <a:rPr lang="en-US" sz="1200" b="0" i="0" kern="1200" dirty="0" smtClean="0">
+                <a:solidFill>
+                  <a:schemeClr val="tx1"/>
+                </a:solidFill>
+                <a:effectLst/>
+                <a:latin typeface="+mn-lt"/>
+                <a:ea typeface="+mn-ea"/>
+                <a:cs typeface="+mn-cs"/>
+              </a:rPr>
+              <a:t> not compatible with other libraries build for </a:t>
+            </a:r>
+            <a:r>
+              <a:rPr lang="en-US" sz="1200" b="0" i="0" kern="1200" dirty="0" err="1" smtClean="0">
+                <a:solidFill>
+                  <a:schemeClr val="tx1"/>
+                </a:solidFill>
+                <a:effectLst/>
+                <a:latin typeface="+mn-lt"/>
+                <a:ea typeface="+mn-ea"/>
+                <a:cs typeface="+mn-cs"/>
+              </a:rPr>
+              <a:t>redux</a:t>
+            </a:r>
+            <a:r>
+              <a:rPr lang="en-US" sz="1200" b="0" i="0" kern="1200" dirty="0" smtClean="0">
+                <a:solidFill>
+                  <a:schemeClr val="tx1"/>
+                </a:solidFill>
+                <a:effectLst/>
+                <a:latin typeface="+mn-lt"/>
+                <a:ea typeface="+mn-ea"/>
+                <a:cs typeface="+mn-cs"/>
+              </a:rPr>
+              <a:t>.)</a:t>
+            </a:r>
+          </a:p>
+          <a:p>
+            <a:endParaRPr lang="en-US" sz="1200" b="0" i="0" kern="1200" dirty="0" smtClean="0">
+              <a:solidFill>
+                <a:schemeClr val="tx1"/>
+              </a:solidFill>
+              <a:effectLst/>
+              <a:latin typeface="+mn-lt"/>
+              <a:ea typeface="+mn-ea"/>
+              <a:cs typeface="+mn-cs"/>
+            </a:endParaRPr>
+          </a:p>
+          <a:p>
+            <a:r>
+              <a:rPr lang="en-US" sz="1200" b="0" i="0" kern="1200" dirty="0" smtClean="0">
+                <a:solidFill>
+                  <a:schemeClr val="tx1"/>
+                </a:solidFill>
+                <a:effectLst/>
+                <a:latin typeface="+mn-lt"/>
+                <a:ea typeface="+mn-ea"/>
+                <a:cs typeface="+mn-cs"/>
+              </a:rPr>
+              <a:t>angular-</a:t>
+            </a:r>
+            <a:r>
+              <a:rPr lang="en-US" sz="1200" b="0" i="0" kern="1200" dirty="0" err="1" smtClean="0">
+                <a:solidFill>
+                  <a:schemeClr val="tx1"/>
+                </a:solidFill>
+                <a:effectLst/>
+                <a:latin typeface="+mn-lt"/>
+                <a:ea typeface="+mn-ea"/>
+                <a:cs typeface="+mn-cs"/>
+              </a:rPr>
+              <a:t>redux</a:t>
+            </a:r>
+            <a:r>
+              <a:rPr lang="en-US" sz="1200" b="0" i="0" kern="1200" dirty="0" smtClean="0">
+                <a:solidFill>
+                  <a:schemeClr val="tx1"/>
+                </a:solidFill>
+                <a:effectLst/>
+                <a:latin typeface="+mn-lt"/>
+                <a:ea typeface="+mn-ea"/>
+                <a:cs typeface="+mn-cs"/>
+              </a:rPr>
+              <a:t>/store (This is built on top of the real </a:t>
+            </a:r>
+            <a:r>
+              <a:rPr lang="en-US" sz="1200" b="0" i="0" kern="1200" dirty="0" err="1" smtClean="0">
+                <a:solidFill>
+                  <a:schemeClr val="tx1"/>
+                </a:solidFill>
+                <a:effectLst/>
+                <a:latin typeface="+mn-lt"/>
+                <a:ea typeface="+mn-ea"/>
+                <a:cs typeface="+mn-cs"/>
+              </a:rPr>
+              <a:t>Redux</a:t>
+            </a:r>
+            <a:r>
+              <a:rPr lang="en-US" sz="1200" b="0" i="0" kern="1200" dirty="0" smtClean="0">
+                <a:solidFill>
+                  <a:schemeClr val="tx1"/>
+                </a:solidFill>
+                <a:effectLst/>
+                <a:latin typeface="+mn-lt"/>
+                <a:ea typeface="+mn-ea"/>
+                <a:cs typeface="+mn-cs"/>
+              </a:rPr>
+              <a:t> library and it's compatible with most of the </a:t>
+            </a:r>
+            <a:r>
+              <a:rPr lang="en-US" sz="1200" b="0" i="0" kern="1200" dirty="0" err="1" smtClean="0">
+                <a:solidFill>
+                  <a:schemeClr val="tx1"/>
+                </a:solidFill>
+                <a:effectLst/>
+                <a:latin typeface="+mn-lt"/>
+                <a:ea typeface="+mn-ea"/>
+                <a:cs typeface="+mn-cs"/>
+              </a:rPr>
+              <a:t>redux</a:t>
+            </a:r>
+            <a:r>
+              <a:rPr lang="en-US" sz="1200" b="0" i="0" kern="1200" dirty="0" smtClean="0">
+                <a:solidFill>
+                  <a:schemeClr val="tx1"/>
+                </a:solidFill>
+                <a:effectLst/>
+                <a:latin typeface="+mn-lt"/>
+                <a:ea typeface="+mn-ea"/>
+                <a:cs typeface="+mn-cs"/>
+              </a:rPr>
+              <a:t> ecosystem. It adds bindings for angular2, so you can easily connect your angular components with </a:t>
+            </a:r>
+            <a:r>
+              <a:rPr lang="en-US" sz="1200" b="0" i="0" kern="1200" dirty="0" err="1" smtClean="0">
+                <a:solidFill>
+                  <a:schemeClr val="tx1"/>
+                </a:solidFill>
+                <a:effectLst/>
+                <a:latin typeface="+mn-lt"/>
+                <a:ea typeface="+mn-ea"/>
+                <a:cs typeface="+mn-cs"/>
+              </a:rPr>
+              <a:t>redux</a:t>
+            </a:r>
+            <a:r>
+              <a:rPr lang="en-US" sz="1200" b="0" i="0" kern="1200" dirty="0" smtClean="0">
+                <a:solidFill>
+                  <a:schemeClr val="tx1"/>
+                </a:solidFill>
+                <a:effectLst/>
+                <a:latin typeface="+mn-lt"/>
+                <a:ea typeface="+mn-ea"/>
+                <a:cs typeface="+mn-cs"/>
+              </a:rPr>
+              <a:t>)</a:t>
+            </a:r>
+            <a:endParaRPr lang="en-US" sz="1200" b="0" i="0" kern="1200" dirty="0">
+              <a:solidFill>
+                <a:schemeClr val="tx1"/>
+              </a:solidFill>
+              <a:effectLst/>
+              <a:latin typeface="+mn-lt"/>
+              <a:ea typeface="+mn-ea"/>
+              <a:cs typeface="+mn-cs"/>
+            </a:endParaRPr>
+          </a:p>
+        </p:txBody>
+      </p:sp>
+      <p:sp>
+        <p:nvSpPr>
+          <p:cNvPr id="4" name="灯片编号占位符 3"/>
+          <p:cNvSpPr>
+            <a:spLocks noGrp="1"/>
+          </p:cNvSpPr>
+          <p:nvPr>
+            <p:ph type="sldNum" sz="quarter" idx="10"/>
+          </p:nvPr>
+        </p:nvSpPr>
+        <p:spPr/>
+        <p:txBody>
+          <a:bodyPr/>
+          <a:lstStyle/>
+          <a:p>
+            <a:fld id="{5C3E78F2-8F34-4ED3-BF67-D7921400C305}" type="slidenum">
+              <a:rPr lang="zh-CN" altLang="en-US" smtClean="0"/>
+              <a:t>9</a:t>
+            </a:fld>
+            <a:endParaRPr lang="zh-CN" altLang="en-US"/>
+          </a:p>
+        </p:txBody>
+      </p:sp>
+    </p:spTree>
+    <p:extLst>
+      <p:ext uri="{BB962C8B-B14F-4D97-AF65-F5344CB8AC3E}">
+        <p14:creationId xmlns:p14="http://schemas.microsoft.com/office/powerpoint/2010/main" val="2392600838"/>
       </p:ext>
     </p:extLst>
   </p:cSld>
@@ -1221,7 +2463,7 @@
             <a:fld id="{4AAD347D-5ACD-4C99-B74B-A9C85AD731AF}" type="datetimeFigureOut">
               <a:rPr lang="en-US" dirty="0"/>
               <a:pPr/>
-              <a:t>9/11/2017</a:t>
+              <a:t>9/12/2017</a:t>
             </a:fld>
             <a:endParaRPr lang="en-US" dirty="0"/>
           </a:p>
@@ -1493,7 +2735,7 @@
             <a:fld id="{4509A250-FF31-4206-8172-F9D3106AACB1}" type="datetimeFigureOut">
               <a:rPr lang="en-US" dirty="0"/>
               <a:pPr/>
-              <a:t>9/11/2017</a:t>
+              <a:t>9/12/2017</a:t>
             </a:fld>
             <a:endParaRPr lang="en-US" dirty="0"/>
           </a:p>
@@ -1684,7 +2926,7 @@
             <a:fld id="{4509A250-FF31-4206-8172-F9D3106AACB1}" type="datetimeFigureOut">
               <a:rPr lang="en-US" dirty="0"/>
               <a:pPr/>
-              <a:t>9/11/2017</a:t>
+              <a:t>9/12/2017</a:t>
             </a:fld>
             <a:endParaRPr lang="en-US" dirty="0"/>
           </a:p>
@@ -1954,7 +3196,7 @@
             <a:fld id="{4509A250-FF31-4206-8172-F9D3106AACB1}" type="datetimeFigureOut">
               <a:rPr lang="en-US" dirty="0"/>
               <a:pPr/>
-              <a:t>9/11/2017</a:t>
+              <a:t>9/12/2017</a:t>
             </a:fld>
             <a:endParaRPr lang="en-US" dirty="0"/>
           </a:p>
@@ -2292,7 +3534,7 @@
             <a:fld id="{4509A250-FF31-4206-8172-F9D3106AACB1}" type="datetimeFigureOut">
               <a:rPr lang="en-US" dirty="0"/>
               <a:pPr/>
-              <a:t>9/11/2017</a:t>
+              <a:t>9/12/2017</a:t>
             </a:fld>
             <a:endParaRPr lang="en-US" dirty="0"/>
           </a:p>
@@ -2912,7 +4154,7 @@
             <a:fld id="{4509A250-FF31-4206-8172-F9D3106AACB1}" type="datetimeFigureOut">
               <a:rPr lang="en-US" dirty="0"/>
               <a:pPr/>
-              <a:t>9/11/2017</a:t>
+              <a:t>9/12/2017</a:t>
             </a:fld>
             <a:endParaRPr lang="en-US" dirty="0"/>
           </a:p>
@@ -3769,7 +5011,7 @@
             <a:fld id="{4509A250-FF31-4206-8172-F9D3106AACB1}" type="datetimeFigureOut">
               <a:rPr lang="en-US" dirty="0"/>
               <a:pPr/>
-              <a:t>9/11/2017</a:t>
+              <a:t>9/12/2017</a:t>
             </a:fld>
             <a:endParaRPr lang="en-US" dirty="0"/>
           </a:p>
@@ -3936,7 +5178,7 @@
             <a:fld id="{4509A250-FF31-4206-8172-F9D3106AACB1}" type="datetimeFigureOut">
               <a:rPr lang="en-US" dirty="0"/>
               <a:pPr/>
-              <a:t>9/11/2017</a:t>
+              <a:t>9/12/2017</a:t>
             </a:fld>
             <a:endParaRPr lang="en-US" dirty="0"/>
           </a:p>
@@ -4113,7 +5355,7 @@
             <a:fld id="{4509A250-FF31-4206-8172-F9D3106AACB1}" type="datetimeFigureOut">
               <a:rPr lang="en-US" dirty="0"/>
               <a:pPr/>
-              <a:t>9/11/2017</a:t>
+              <a:t>9/12/2017</a:t>
             </a:fld>
             <a:endParaRPr lang="en-US" dirty="0"/>
           </a:p>
@@ -4280,7 +5522,7 @@
             <a:fld id="{4509A250-FF31-4206-8172-F9D3106AACB1}" type="datetimeFigureOut">
               <a:rPr lang="en-US" dirty="0"/>
               <a:pPr/>
-              <a:t>9/11/2017</a:t>
+              <a:t>9/12/2017</a:t>
             </a:fld>
             <a:endParaRPr lang="en-US" dirty="0"/>
           </a:p>
@@ -4524,7 +5766,7 @@
             <a:fld id="{9796027F-7875-4030-9381-8BD8C4F21935}" type="datetimeFigureOut">
               <a:rPr lang="en-US" dirty="0"/>
               <a:pPr/>
-              <a:t>9/11/2017</a:t>
+              <a:t>9/12/2017</a:t>
             </a:fld>
             <a:endParaRPr lang="en-US" dirty="0"/>
           </a:p>
@@ -4813,7 +6055,7 @@
             <a:fld id="{9796027F-7875-4030-9381-8BD8C4F21935}" type="datetimeFigureOut">
               <a:rPr lang="en-US" dirty="0"/>
               <a:pPr/>
-              <a:t>9/11/2017</a:t>
+              <a:t>9/12/2017</a:t>
             </a:fld>
             <a:endParaRPr lang="en-US" dirty="0"/>
           </a:p>
@@ -5254,7 +6496,7 @@
             <a:fld id="{9796027F-7875-4030-9381-8BD8C4F21935}" type="datetimeFigureOut">
               <a:rPr lang="en-US" dirty="0"/>
               <a:pPr/>
-              <a:t>9/11/2017</a:t>
+              <a:t>9/12/2017</a:t>
             </a:fld>
             <a:endParaRPr lang="en-US" dirty="0"/>
           </a:p>
@@ -5369,7 +6611,7 @@
             <a:fld id="{4509A250-FF31-4206-8172-F9D3106AACB1}" type="datetimeFigureOut">
               <a:rPr lang="en-US" dirty="0"/>
               <a:pPr/>
-              <a:t>9/11/2017</a:t>
+              <a:t>9/12/2017</a:t>
             </a:fld>
             <a:endParaRPr lang="en-US" dirty="0"/>
           </a:p>
@@ -5461,7 +6703,7 @@
             <a:fld id="{4509A250-FF31-4206-8172-F9D3106AACB1}" type="datetimeFigureOut">
               <a:rPr lang="en-US" dirty="0"/>
               <a:pPr/>
-              <a:t>9/11/2017</a:t>
+              <a:t>9/12/2017</a:t>
             </a:fld>
             <a:endParaRPr lang="en-US" dirty="0"/>
           </a:p>
@@ -5737,7 +6979,7 @@
             <a:fld id="{4509A250-FF31-4206-8172-F9D3106AACB1}" type="datetimeFigureOut">
               <a:rPr lang="en-US" dirty="0"/>
               <a:pPr/>
-              <a:t>9/11/2017</a:t>
+              <a:t>9/12/2017</a:t>
             </a:fld>
             <a:endParaRPr lang="en-US" dirty="0"/>
           </a:p>
@@ -6009,7 +7251,7 @@
             <a:fld id="{4509A250-FF31-4206-8172-F9D3106AACB1}" type="datetimeFigureOut">
               <a:rPr lang="en-US" dirty="0"/>
               <a:pPr/>
-              <a:t>9/11/2017</a:t>
+              <a:t>9/12/2017</a:t>
             </a:fld>
             <a:endParaRPr lang="en-US" dirty="0"/>
           </a:p>
@@ -6435,7 +7677,7 @@
             <a:fld id="{4AAD347D-5ACD-4C99-B74B-A9C85AD731AF}" type="datetimeFigureOut">
               <a:rPr lang="en-US" dirty="0"/>
               <a:pPr/>
-              <a:t>9/11/2017</a:t>
+              <a:t>9/12/2017</a:t>
             </a:fld>
             <a:endParaRPr lang="en-US" dirty="0"/>
           </a:p>
@@ -7096,15 +8338,7 @@
             </a:pPr>
             <a:r>
               <a:rPr lang="en-US" altLang="zh-CN" sz="2400" dirty="0" smtClean="0"/>
-              <a:t>A library that helps us manage the </a:t>
-            </a:r>
-            <a:r>
-              <a:rPr lang="en-US" altLang="zh-CN" sz="2400" dirty="0" smtClean="0"/>
-              <a:t>state </a:t>
-            </a:r>
-            <a:r>
-              <a:rPr lang="en-US" altLang="zh-CN" sz="2400" dirty="0" smtClean="0"/>
-              <a:t>of our application.</a:t>
+              <a:t>A library that helps us manage the state of our application.</a:t>
             </a:r>
             <a:endParaRPr lang="zh-CN" altLang="en-US" sz="2400" dirty="0"/>
           </a:p>
@@ -7463,22 +8697,222 @@
           </a:p>
         </p:txBody>
       </p:sp>
-      <p:sp>
-        <p:nvSpPr>
-          <p:cNvPr id="4" name="内容占位符 3"/>
-          <p:cNvSpPr>
-            <a:spLocks noGrp="1"/>
-          </p:cNvSpPr>
+      <p:pic>
+        <p:nvPicPr>
+          <p:cNvPr id="3" name="Content Placeholder 2"/>
+          <p:cNvPicPr>
+            <a:picLocks noGrp="1" noChangeAspect="1"/>
+          </p:cNvPicPr>
           <p:nvPr>
             <p:ph idx="1"/>
           </p:nvPr>
-        </p:nvSpPr>
-        <p:spPr/>
-        <p:txBody>
-          <a:bodyPr/>
+        </p:nvPicPr>
+        <p:blipFill>
+          <a:blip r:embed="rId3"/>
+          <a:stretch>
+            <a:fillRect/>
+          </a:stretch>
+        </p:blipFill>
+        <p:spPr>
+          <a:xfrm>
+            <a:off x="1103310" y="2045110"/>
+            <a:ext cx="10173499" cy="4080387"/>
+          </a:xfrm>
+          <a:prstGeom prst="rect">
+            <a:avLst/>
+          </a:prstGeom>
+        </p:spPr>
+      </p:pic>
+      <p:sp>
+        <p:nvSpPr>
+          <p:cNvPr id="5" name="Rectangle 4"/>
+          <p:cNvSpPr/>
+          <p:nvPr/>
+        </p:nvSpPr>
+        <p:spPr>
+          <a:xfrm>
+            <a:off x="1103309" y="2477730"/>
+            <a:ext cx="10173500" cy="442452"/>
+          </a:xfrm>
+          <a:prstGeom prst="rect">
+            <a:avLst/>
+          </a:prstGeom>
+          <a:noFill/>
+        </p:spPr>
+        <p:style>
+          <a:lnRef idx="2">
+            <a:schemeClr val="accent1">
+              <a:shade val="50000"/>
+            </a:schemeClr>
+          </a:lnRef>
+          <a:fillRef idx="1">
+            <a:schemeClr val="accent1"/>
+          </a:fillRef>
+          <a:effectRef idx="0">
+            <a:schemeClr val="accent1"/>
+          </a:effectRef>
+          <a:fontRef idx="minor">
+            <a:schemeClr val="lt1"/>
+          </a:fontRef>
+        </p:style>
+        <p:txBody>
+          <a:bodyPr rtlCol="0" anchor="ctr"/>
           <a:lstStyle/>
           <a:p>
-            <a:endParaRPr lang="zh-CN" altLang="en-US" dirty="0"/>
+            <a:pPr algn="ctr"/>
+            <a:r>
+              <a:rPr lang="en-US" dirty="0" err="1" smtClean="0">
+                <a:solidFill>
+                  <a:schemeClr val="accent1"/>
+                </a:solidFill>
+              </a:rPr>
+              <a:t>Todo</a:t>
+            </a:r>
+            <a:r>
+              <a:rPr lang="en-US" dirty="0" smtClean="0">
+                <a:solidFill>
+                  <a:schemeClr val="accent1"/>
+                </a:solidFill>
+              </a:rPr>
+              <a:t> Header</a:t>
+            </a:r>
+            <a:endParaRPr lang="en-US" dirty="0">
+              <a:solidFill>
+                <a:schemeClr val="accent1"/>
+              </a:solidFill>
+            </a:endParaRPr>
+          </a:p>
+        </p:txBody>
+      </p:sp>
+      <p:sp>
+        <p:nvSpPr>
+          <p:cNvPr id="7" name="Rectangle 6"/>
+          <p:cNvSpPr/>
+          <p:nvPr/>
+        </p:nvSpPr>
+        <p:spPr>
+          <a:xfrm>
+            <a:off x="1103309" y="2998838"/>
+            <a:ext cx="10173500" cy="1956619"/>
+          </a:xfrm>
+          <a:prstGeom prst="rect">
+            <a:avLst/>
+          </a:prstGeom>
+          <a:noFill/>
+          <a:ln>
+            <a:solidFill>
+              <a:srgbClr val="FFFF00"/>
+            </a:solidFill>
+          </a:ln>
+        </p:spPr>
+        <p:style>
+          <a:lnRef idx="2">
+            <a:schemeClr val="accent1">
+              <a:shade val="50000"/>
+            </a:schemeClr>
+          </a:lnRef>
+          <a:fillRef idx="1">
+            <a:schemeClr val="accent1"/>
+          </a:fillRef>
+          <a:effectRef idx="0">
+            <a:schemeClr val="accent1"/>
+          </a:effectRef>
+          <a:fontRef idx="minor">
+            <a:schemeClr val="lt1"/>
+          </a:fontRef>
+        </p:style>
+        <p:txBody>
+          <a:bodyPr rtlCol="0" anchor="ctr"/>
+          <a:lstStyle/>
+          <a:p>
+            <a:pPr algn="ctr"/>
+            <a:r>
+              <a:rPr lang="en-US" dirty="0" err="1" smtClean="0">
+                <a:solidFill>
+                  <a:schemeClr val="accent1"/>
+                </a:solidFill>
+              </a:rPr>
+              <a:t>Todo</a:t>
+            </a:r>
+            <a:r>
+              <a:rPr lang="en-US" dirty="0" smtClean="0">
+                <a:solidFill>
+                  <a:schemeClr val="accent1"/>
+                </a:solidFill>
+              </a:rPr>
+              <a:t> List</a:t>
+            </a:r>
+            <a:endParaRPr lang="en-US" dirty="0">
+              <a:solidFill>
+                <a:schemeClr val="accent1"/>
+              </a:solidFill>
+            </a:endParaRPr>
+          </a:p>
+        </p:txBody>
+      </p:sp>
+      <p:sp>
+        <p:nvSpPr>
+          <p:cNvPr id="8" name="Rectangle 7"/>
+          <p:cNvSpPr/>
+          <p:nvPr/>
+        </p:nvSpPr>
+        <p:spPr>
+          <a:xfrm>
+            <a:off x="1103309" y="5024284"/>
+            <a:ext cx="10173499" cy="609600"/>
+          </a:xfrm>
+          <a:prstGeom prst="rect">
+            <a:avLst/>
+          </a:prstGeom>
+          <a:noFill/>
+          <a:ln>
+            <a:solidFill>
+              <a:srgbClr val="00B050"/>
+            </a:solidFill>
+          </a:ln>
+        </p:spPr>
+        <p:style>
+          <a:lnRef idx="2">
+            <a:schemeClr val="accent1">
+              <a:shade val="50000"/>
+            </a:schemeClr>
+          </a:lnRef>
+          <a:fillRef idx="1">
+            <a:schemeClr val="accent1"/>
+          </a:fillRef>
+          <a:effectRef idx="0">
+            <a:schemeClr val="accent1"/>
+          </a:effectRef>
+          <a:fontRef idx="minor">
+            <a:schemeClr val="lt1"/>
+          </a:fontRef>
+        </p:style>
+        <p:txBody>
+          <a:bodyPr rtlCol="0" anchor="ctr"/>
+          <a:lstStyle/>
+          <a:p>
+            <a:pPr algn="ctr"/>
+            <a:r>
+              <a:rPr lang="en-US" dirty="0" err="1" smtClean="0">
+                <a:solidFill>
+                  <a:srgbClr val="00B050"/>
+                </a:solidFill>
+              </a:rPr>
+              <a:t>Todo</a:t>
+            </a:r>
+            <a:r>
+              <a:rPr lang="en-US" dirty="0" smtClean="0">
+                <a:solidFill>
+                  <a:srgbClr val="00B050"/>
+                </a:solidFill>
+              </a:rPr>
+              <a:t> Footer</a:t>
+            </a:r>
+            <a:endParaRPr lang="en-US" dirty="0">
+              <a:solidFill>
+                <a:srgbClr val="00B050"/>
+              </a:solidFill>
+            </a:endParaRPr>
           </a:p>
         </p:txBody>
       </p:sp>
@@ -7495,9 +8929,310 @@
   <p:timing>
     <p:tnLst>
       <p:par>
-        <p:cTn id="1" dur="indefinite" restart="never" nodeType="tmRoot"/>
+        <p:cTn id="1" dur="indefinite" restart="never" nodeType="tmRoot">
+          <p:childTnLst>
+            <p:seq concurrent="1" nextAc="seek">
+              <p:cTn id="2" dur="indefinite" nodeType="mainSeq">
+                <p:childTnLst>
+                  <p:par>
+                    <p:cTn id="3" fill="hold">
+                      <p:stCondLst>
+                        <p:cond delay="indefinite"/>
+                      </p:stCondLst>
+                      <p:childTnLst>
+                        <p:par>
+                          <p:cTn id="4" fill="hold">
+                            <p:stCondLst>
+                              <p:cond delay="0"/>
+                            </p:stCondLst>
+                            <p:childTnLst>
+                              <p:par>
+                                <p:cTn id="5" presetID="2" presetClass="entr" presetSubtype="4" fill="hold" grpId="0" nodeType="clickEffect">
+                                  <p:stCondLst>
+                                    <p:cond delay="0"/>
+                                  </p:stCondLst>
+                                  <p:childTnLst>
+                                    <p:set>
+                                      <p:cBhvr>
+                                        <p:cTn id="6" dur="1" fill="hold">
+                                          <p:stCondLst>
+                                            <p:cond delay="0"/>
+                                          </p:stCondLst>
+                                        </p:cTn>
+                                        <p:tgtEl>
+                                          <p:spTgt spid="5"/>
+                                        </p:tgtEl>
+                                        <p:attrNameLst>
+                                          <p:attrName>style.visibility</p:attrName>
+                                        </p:attrNameLst>
+                                      </p:cBhvr>
+                                      <p:to>
+                                        <p:strVal val="visible"/>
+                                      </p:to>
+                                    </p:set>
+                                    <p:anim calcmode="lin" valueType="num">
+                                      <p:cBhvr additive="base">
+                                        <p:cTn id="7" dur="500" fill="hold"/>
+                                        <p:tgtEl>
+                                          <p:spTgt spid="5"/>
+                                        </p:tgtEl>
+                                        <p:attrNameLst>
+                                          <p:attrName>ppt_x</p:attrName>
+                                        </p:attrNameLst>
+                                      </p:cBhvr>
+                                      <p:tavLst>
+                                        <p:tav tm="0">
+                                          <p:val>
+                                            <p:strVal val="#ppt_x"/>
+                                          </p:val>
+                                        </p:tav>
+                                        <p:tav tm="100000">
+                                          <p:val>
+                                            <p:strVal val="#ppt_x"/>
+                                          </p:val>
+                                        </p:tav>
+                                      </p:tavLst>
+                                    </p:anim>
+                                    <p:anim calcmode="lin" valueType="num">
+                                      <p:cBhvr additive="base">
+                                        <p:cTn id="8" dur="500" fill="hold"/>
+                                        <p:tgtEl>
+                                          <p:spTgt spid="5"/>
+                                        </p:tgtEl>
+                                        <p:attrNameLst>
+                                          <p:attrName>ppt_y</p:attrName>
+                                        </p:attrNameLst>
+                                      </p:cBhvr>
+                                      <p:tavLst>
+                                        <p:tav tm="0">
+                                          <p:val>
+                                            <p:strVal val="1+#ppt_h/2"/>
+                                          </p:val>
+                                        </p:tav>
+                                        <p:tav tm="100000">
+                                          <p:val>
+                                            <p:strVal val="#ppt_y"/>
+                                          </p:val>
+                                        </p:tav>
+                                      </p:tavLst>
+                                    </p:anim>
+                                  </p:childTnLst>
+                                </p:cTn>
+                              </p:par>
+                            </p:childTnLst>
+                          </p:cTn>
+                        </p:par>
+                      </p:childTnLst>
+                    </p:cTn>
+                  </p:par>
+                  <p:par>
+                    <p:cTn id="9" fill="hold">
+                      <p:stCondLst>
+                        <p:cond delay="indefinite"/>
+                      </p:stCondLst>
+                      <p:childTnLst>
+                        <p:par>
+                          <p:cTn id="10" fill="hold">
+                            <p:stCondLst>
+                              <p:cond delay="0"/>
+                            </p:stCondLst>
+                            <p:childTnLst>
+                              <p:par>
+                                <p:cTn id="11" presetID="2" presetClass="entr" presetSubtype="4" fill="hold" grpId="0" nodeType="clickEffect">
+                                  <p:stCondLst>
+                                    <p:cond delay="0"/>
+                                  </p:stCondLst>
+                                  <p:childTnLst>
+                                    <p:set>
+                                      <p:cBhvr>
+                                        <p:cTn id="12" dur="1" fill="hold">
+                                          <p:stCondLst>
+                                            <p:cond delay="0"/>
+                                          </p:stCondLst>
+                                        </p:cTn>
+                                        <p:tgtEl>
+                                          <p:spTgt spid="7"/>
+                                        </p:tgtEl>
+                                        <p:attrNameLst>
+                                          <p:attrName>style.visibility</p:attrName>
+                                        </p:attrNameLst>
+                                      </p:cBhvr>
+                                      <p:to>
+                                        <p:strVal val="visible"/>
+                                      </p:to>
+                                    </p:set>
+                                    <p:anim calcmode="lin" valueType="num">
+                                      <p:cBhvr additive="base">
+                                        <p:cTn id="13" dur="500" fill="hold"/>
+                                        <p:tgtEl>
+                                          <p:spTgt spid="7"/>
+                                        </p:tgtEl>
+                                        <p:attrNameLst>
+                                          <p:attrName>ppt_x</p:attrName>
+                                        </p:attrNameLst>
+                                      </p:cBhvr>
+                                      <p:tavLst>
+                                        <p:tav tm="0">
+                                          <p:val>
+                                            <p:strVal val="#ppt_x"/>
+                                          </p:val>
+                                        </p:tav>
+                                        <p:tav tm="100000">
+                                          <p:val>
+                                            <p:strVal val="#ppt_x"/>
+                                          </p:val>
+                                        </p:tav>
+                                      </p:tavLst>
+                                    </p:anim>
+                                    <p:anim calcmode="lin" valueType="num">
+                                      <p:cBhvr additive="base">
+                                        <p:cTn id="14" dur="500" fill="hold"/>
+                                        <p:tgtEl>
+                                          <p:spTgt spid="7"/>
+                                        </p:tgtEl>
+                                        <p:attrNameLst>
+                                          <p:attrName>ppt_y</p:attrName>
+                                        </p:attrNameLst>
+                                      </p:cBhvr>
+                                      <p:tavLst>
+                                        <p:tav tm="0">
+                                          <p:val>
+                                            <p:strVal val="1+#ppt_h/2"/>
+                                          </p:val>
+                                        </p:tav>
+                                        <p:tav tm="100000">
+                                          <p:val>
+                                            <p:strVal val="#ppt_y"/>
+                                          </p:val>
+                                        </p:tav>
+                                      </p:tavLst>
+                                    </p:anim>
+                                  </p:childTnLst>
+                                </p:cTn>
+                              </p:par>
+                            </p:childTnLst>
+                          </p:cTn>
+                        </p:par>
+                      </p:childTnLst>
+                    </p:cTn>
+                  </p:par>
+                  <p:par>
+                    <p:cTn id="15" fill="hold">
+                      <p:stCondLst>
+                        <p:cond delay="indefinite"/>
+                      </p:stCondLst>
+                      <p:childTnLst>
+                        <p:par>
+                          <p:cTn id="16" fill="hold">
+                            <p:stCondLst>
+                              <p:cond delay="0"/>
+                            </p:stCondLst>
+                            <p:childTnLst>
+                              <p:par>
+                                <p:cTn id="17" presetID="2" presetClass="entr" presetSubtype="4" fill="hold" grpId="0" nodeType="clickEffect">
+                                  <p:stCondLst>
+                                    <p:cond delay="0"/>
+                                  </p:stCondLst>
+                                  <p:childTnLst>
+                                    <p:set>
+                                      <p:cBhvr>
+                                        <p:cTn id="18" dur="1" fill="hold">
+                                          <p:stCondLst>
+                                            <p:cond delay="0"/>
+                                          </p:stCondLst>
+                                        </p:cTn>
+                                        <p:tgtEl>
+                                          <p:spTgt spid="8"/>
+                                        </p:tgtEl>
+                                        <p:attrNameLst>
+                                          <p:attrName>style.visibility</p:attrName>
+                                        </p:attrNameLst>
+                                      </p:cBhvr>
+                                      <p:to>
+                                        <p:strVal val="visible"/>
+                                      </p:to>
+                                    </p:set>
+                                    <p:anim calcmode="lin" valueType="num">
+                                      <p:cBhvr additive="base">
+                                        <p:cTn id="19" dur="500" fill="hold"/>
+                                        <p:tgtEl>
+                                          <p:spTgt spid="8"/>
+                                        </p:tgtEl>
+                                        <p:attrNameLst>
+                                          <p:attrName>ppt_x</p:attrName>
+                                        </p:attrNameLst>
+                                      </p:cBhvr>
+                                      <p:tavLst>
+                                        <p:tav tm="0">
+                                          <p:val>
+                                            <p:strVal val="#ppt_x"/>
+                                          </p:val>
+                                        </p:tav>
+                                        <p:tav tm="100000">
+                                          <p:val>
+                                            <p:strVal val="#ppt_x"/>
+                                          </p:val>
+                                        </p:tav>
+                                      </p:tavLst>
+                                    </p:anim>
+                                    <p:anim calcmode="lin" valueType="num">
+                                      <p:cBhvr additive="base">
+                                        <p:cTn id="20" dur="500" fill="hold"/>
+                                        <p:tgtEl>
+                                          <p:spTgt spid="8"/>
+                                        </p:tgtEl>
+                                        <p:attrNameLst>
+                                          <p:attrName>ppt_y</p:attrName>
+                                        </p:attrNameLst>
+                                      </p:cBhvr>
+                                      <p:tavLst>
+                                        <p:tav tm="0">
+                                          <p:val>
+                                            <p:strVal val="1+#ppt_h/2"/>
+                                          </p:val>
+                                        </p:tav>
+                                        <p:tav tm="100000">
+                                          <p:val>
+                                            <p:strVal val="#ppt_y"/>
+                                          </p:val>
+                                        </p:tav>
+                                      </p:tavLst>
+                                    </p:anim>
+                                  </p:childTnLst>
+                                </p:cTn>
+                              </p:par>
+                            </p:childTnLst>
+                          </p:cTn>
+                        </p:par>
+                      </p:childTnLst>
+                    </p:cTn>
+                  </p:par>
+                </p:childTnLst>
+              </p:cTn>
+              <p:prevCondLst>
+                <p:cond evt="onPrev" delay="0">
+                  <p:tgtEl>
+                    <p:sldTgt/>
+                  </p:tgtEl>
+                </p:cond>
+              </p:prevCondLst>
+              <p:nextCondLst>
+                <p:cond evt="onNext" delay="0">
+                  <p:tgtEl>
+                    <p:sldTgt/>
+                  </p:tgtEl>
+                </p:cond>
+              </p:nextCondLst>
+            </p:seq>
+          </p:childTnLst>
+        </p:cTn>
       </p:par>
     </p:tnLst>
+    <p:bldLst>
+      <p:bldP spid="5" grpId="0" animBg="1"/>
+      <p:bldP spid="7" grpId="0" animBg="1"/>
+      <p:bldP spid="8" grpId="0" animBg="1"/>
+    </p:bldLst>
   </p:timing>
 </p:sld>
 </file>
@@ -7521,78 +9256,415 @@
       </p:grpSpPr>
       <p:sp>
         <p:nvSpPr>
-          <p:cNvPr id="2" name="标题 1"/>
-          <p:cNvSpPr>
-            <a:spLocks noGrp="1"/>
-          </p:cNvSpPr>
-          <p:nvPr>
-            <p:ph type="title"/>
-          </p:nvPr>
+          <p:cNvPr id="5" name="Rounded Rectangle 4"/>
+          <p:cNvSpPr/>
+          <p:nvPr/>
         </p:nvSpPr>
         <p:spPr>
           <a:xfrm>
-            <a:off x="1057275" y="700088"/>
-            <a:ext cx="8993559" cy="1153160"/>
+            <a:off x="1288023" y="2182767"/>
+            <a:ext cx="1740309" cy="1268362"/>
           </a:xfrm>
+          <a:prstGeom prst="roundRect">
+            <a:avLst/>
+          </a:prstGeom>
         </p:spPr>
-        <p:txBody>
-          <a:bodyPr/>
+        <p:style>
+          <a:lnRef idx="2">
+            <a:schemeClr val="accent2">
+              <a:shade val="50000"/>
+            </a:schemeClr>
+          </a:lnRef>
+          <a:fillRef idx="1">
+            <a:schemeClr val="accent2"/>
+          </a:fillRef>
+          <a:effectRef idx="0">
+            <a:schemeClr val="accent2"/>
+          </a:effectRef>
+          <a:fontRef idx="minor">
+            <a:schemeClr val="lt1"/>
+          </a:fontRef>
+        </p:style>
+        <p:txBody>
+          <a:bodyPr rtlCol="0" anchor="ctr"/>
           <a:lstStyle/>
           <a:p>
-            <a:r>
-              <a:rPr lang="en-US" altLang="zh-CN" dirty="0" err="1" smtClean="0">
-                <a:solidFill>
-                  <a:srgbClr val="FF0000"/>
-                </a:solidFill>
-              </a:rPr>
-              <a:t>Redux</a:t>
-            </a:r>
-            <a:endParaRPr lang="zh-CN" altLang="en-US" dirty="0">
-              <a:solidFill>
-                <a:srgbClr val="FF0000"/>
-              </a:solidFill>
-            </a:endParaRPr>
-          </a:p>
-        </p:txBody>
-      </p:sp>
-      <p:sp>
-        <p:nvSpPr>
-          <p:cNvPr id="3" name="内容占位符 2"/>
-          <p:cNvSpPr>
-            <a:spLocks noGrp="1"/>
-          </p:cNvSpPr>
-          <p:nvPr>
-            <p:ph idx="1"/>
-          </p:nvPr>
+            <a:pPr algn="ctr"/>
+            <a:r>
+              <a:rPr lang="en-US" dirty="0" err="1" smtClean="0"/>
+              <a:t>TodoHeader</a:t>
+            </a:r>
+            <a:endParaRPr lang="en-US" dirty="0"/>
+          </a:p>
+        </p:txBody>
+      </p:sp>
+      <p:sp>
+        <p:nvSpPr>
+          <p:cNvPr id="6" name="Rounded Rectangle 5"/>
+          <p:cNvSpPr/>
+          <p:nvPr/>
         </p:nvSpPr>
         <p:spPr>
           <a:xfrm>
-            <a:off x="1103312" y="2052919"/>
-            <a:ext cx="9769476" cy="1318932"/>
+            <a:off x="4773563" y="2182767"/>
+            <a:ext cx="1582994" cy="1268362"/>
           </a:xfrm>
+          <a:prstGeom prst="roundRect">
+            <a:avLst/>
+          </a:prstGeom>
         </p:spPr>
-        <p:txBody>
-          <a:bodyPr>
-            <a:normAutofit/>
-          </a:bodyPr>
+        <p:style>
+          <a:lnRef idx="2">
+            <a:schemeClr val="accent5">
+              <a:shade val="50000"/>
+            </a:schemeClr>
+          </a:lnRef>
+          <a:fillRef idx="1">
+            <a:schemeClr val="accent5"/>
+          </a:fillRef>
+          <a:effectRef idx="0">
+            <a:schemeClr val="accent5"/>
+          </a:effectRef>
+          <a:fontRef idx="minor">
+            <a:schemeClr val="lt1"/>
+          </a:fontRef>
+        </p:style>
+        <p:txBody>
+          <a:bodyPr rtlCol="0" anchor="ctr"/>
           <a:lstStyle/>
           <a:p>
-            <a:pPr>
-              <a:buNone/>
-            </a:pPr>
-            <a:r>
-              <a:rPr lang="en-US" altLang="zh-CN" sz="2400" dirty="0" smtClean="0"/>
-              <a:t>A library that helps us manage the sate </a:t>
-            </a:r>
-            <a:r>
-              <a:rPr lang="en-US" altLang="zh-CN" sz="2400" smtClean="0"/>
-              <a:t>of our application</a:t>
-            </a:r>
-            <a:r>
-              <a:rPr lang="en-US" altLang="zh-CN" sz="2400" dirty="0" smtClean="0"/>
-              <a:t>.</a:t>
-            </a:r>
-            <a:endParaRPr lang="zh-CN" altLang="en-US" sz="2400" dirty="0"/>
+            <a:pPr algn="ctr"/>
+            <a:r>
+              <a:rPr lang="en-US" altLang="zh-CN" dirty="0" smtClean="0"/>
+              <a:t>Container</a:t>
+            </a:r>
+            <a:endParaRPr lang="en-US" dirty="0"/>
+          </a:p>
+        </p:txBody>
+      </p:sp>
+      <p:sp>
+        <p:nvSpPr>
+          <p:cNvPr id="10" name="Rounded Rectangle 9"/>
+          <p:cNvSpPr/>
+          <p:nvPr/>
+        </p:nvSpPr>
+        <p:spPr>
+          <a:xfrm>
+            <a:off x="7924802" y="2182767"/>
+            <a:ext cx="1582994" cy="1268362"/>
+          </a:xfrm>
+          <a:prstGeom prst="roundRect">
+            <a:avLst/>
+          </a:prstGeom>
+        </p:spPr>
+        <p:style>
+          <a:lnRef idx="2">
+            <a:schemeClr val="accent4">
+              <a:shade val="50000"/>
+            </a:schemeClr>
+          </a:lnRef>
+          <a:fillRef idx="1">
+            <a:schemeClr val="accent4"/>
+          </a:fillRef>
+          <a:effectRef idx="0">
+            <a:schemeClr val="accent4"/>
+          </a:effectRef>
+          <a:fontRef idx="minor">
+            <a:schemeClr val="lt1"/>
+          </a:fontRef>
+        </p:style>
+        <p:txBody>
+          <a:bodyPr rtlCol="0" anchor="ctr"/>
+          <a:lstStyle/>
+          <a:p>
+            <a:pPr algn="ctr"/>
+            <a:r>
+              <a:rPr lang="en-US" dirty="0" err="1" smtClean="0"/>
+              <a:t>TodoFooter</a:t>
+            </a:r>
+            <a:endParaRPr lang="en-US" dirty="0"/>
+          </a:p>
+        </p:txBody>
+      </p:sp>
+      <p:sp>
+        <p:nvSpPr>
+          <p:cNvPr id="11" name="Rounded Rectangle 10"/>
+          <p:cNvSpPr/>
+          <p:nvPr/>
+        </p:nvSpPr>
+        <p:spPr>
+          <a:xfrm>
+            <a:off x="4773563" y="4606419"/>
+            <a:ext cx="1582994" cy="1268362"/>
+          </a:xfrm>
+          <a:prstGeom prst="roundRect">
+            <a:avLst/>
+          </a:prstGeom>
+        </p:spPr>
+        <p:style>
+          <a:lnRef idx="2">
+            <a:schemeClr val="accent1">
+              <a:shade val="50000"/>
+            </a:schemeClr>
+          </a:lnRef>
+          <a:fillRef idx="1">
+            <a:schemeClr val="accent1"/>
+          </a:fillRef>
+          <a:effectRef idx="0">
+            <a:schemeClr val="accent1"/>
+          </a:effectRef>
+          <a:fontRef idx="minor">
+            <a:schemeClr val="lt1"/>
+          </a:fontRef>
+        </p:style>
+        <p:txBody>
+          <a:bodyPr rtlCol="0" anchor="ctr"/>
+          <a:lstStyle/>
+          <a:p>
+            <a:pPr algn="ctr"/>
+            <a:r>
+              <a:rPr lang="en-US" dirty="0" err="1" smtClean="0"/>
+              <a:t>TodoList</a:t>
+            </a:r>
+            <a:endParaRPr lang="en-US" dirty="0"/>
+          </a:p>
+        </p:txBody>
+      </p:sp>
+      <p:cxnSp>
+        <p:nvCxnSpPr>
+          <p:cNvPr id="18" name="Straight Arrow Connector 17"/>
+          <p:cNvCxnSpPr/>
+          <p:nvPr/>
+        </p:nvCxnSpPr>
+        <p:spPr>
+          <a:xfrm>
+            <a:off x="3175812" y="2816948"/>
+            <a:ext cx="1420763" cy="0"/>
+          </a:xfrm>
+          <a:prstGeom prst="straightConnector1">
+            <a:avLst/>
+          </a:prstGeom>
+          <a:ln w="15875">
+            <a:tailEnd type="triangle"/>
+          </a:ln>
+        </p:spPr>
+        <p:style>
+          <a:lnRef idx="1">
+            <a:schemeClr val="dk1"/>
+          </a:lnRef>
+          <a:fillRef idx="0">
+            <a:schemeClr val="dk1"/>
+          </a:fillRef>
+          <a:effectRef idx="0">
+            <a:schemeClr val="dk1"/>
+          </a:effectRef>
+          <a:fontRef idx="minor">
+            <a:schemeClr val="tx1"/>
+          </a:fontRef>
+        </p:style>
+      </p:cxnSp>
+      <p:sp>
+        <p:nvSpPr>
+          <p:cNvPr id="19" name="Rectangle 18"/>
+          <p:cNvSpPr/>
+          <p:nvPr/>
+        </p:nvSpPr>
+        <p:spPr>
+          <a:xfrm>
+            <a:off x="3215141" y="2276173"/>
+            <a:ext cx="1516628" cy="540775"/>
+          </a:xfrm>
+          <a:prstGeom prst="rect">
+            <a:avLst/>
+          </a:prstGeom>
+          <a:noFill/>
+          <a:ln>
+            <a:noFill/>
+          </a:ln>
+        </p:spPr>
+        <p:style>
+          <a:lnRef idx="2">
+            <a:schemeClr val="dk1"/>
+          </a:lnRef>
+          <a:fillRef idx="1">
+            <a:schemeClr val="lt1"/>
+          </a:fillRef>
+          <a:effectRef idx="0">
+            <a:schemeClr val="dk1"/>
+          </a:effectRef>
+          <a:fontRef idx="minor">
+            <a:schemeClr val="dk1"/>
+          </a:fontRef>
+        </p:style>
+        <p:txBody>
+          <a:bodyPr rtlCol="0" anchor="ctr"/>
+          <a:lstStyle/>
+          <a:p>
+            <a:r>
+              <a:rPr lang="en-US" altLang="zh-CN" sz="1600" dirty="0" smtClean="0"/>
+              <a:t>Add Event</a:t>
+            </a:r>
+            <a:endParaRPr lang="en-US" sz="1600" dirty="0"/>
+          </a:p>
+        </p:txBody>
+      </p:sp>
+      <p:cxnSp>
+        <p:nvCxnSpPr>
+          <p:cNvPr id="20" name="Straight Arrow Connector 19"/>
+          <p:cNvCxnSpPr/>
+          <p:nvPr/>
+        </p:nvCxnSpPr>
+        <p:spPr>
+          <a:xfrm flipV="1">
+            <a:off x="5565060" y="3500289"/>
+            <a:ext cx="0" cy="1012716"/>
+          </a:xfrm>
+          <a:prstGeom prst="straightConnector1">
+            <a:avLst/>
+          </a:prstGeom>
+          <a:ln w="15875">
+            <a:tailEnd type="triangle"/>
+          </a:ln>
+        </p:spPr>
+        <p:style>
+          <a:lnRef idx="1">
+            <a:schemeClr val="dk1"/>
+          </a:lnRef>
+          <a:fillRef idx="0">
+            <a:schemeClr val="dk1"/>
+          </a:fillRef>
+          <a:effectRef idx="0">
+            <a:schemeClr val="dk1"/>
+          </a:effectRef>
+          <a:fontRef idx="minor">
+            <a:schemeClr val="tx1"/>
+          </a:fontRef>
+        </p:style>
+      </p:cxnSp>
+      <p:sp>
+        <p:nvSpPr>
+          <p:cNvPr id="24" name="Rectangle 23"/>
+          <p:cNvSpPr/>
+          <p:nvPr/>
+        </p:nvSpPr>
+        <p:spPr>
+          <a:xfrm>
+            <a:off x="5687954" y="3758386"/>
+            <a:ext cx="1516628" cy="540775"/>
+          </a:xfrm>
+          <a:prstGeom prst="rect">
+            <a:avLst/>
+          </a:prstGeom>
+          <a:noFill/>
+          <a:ln>
+            <a:noFill/>
+          </a:ln>
+        </p:spPr>
+        <p:style>
+          <a:lnRef idx="2">
+            <a:schemeClr val="dk1"/>
+          </a:lnRef>
+          <a:fillRef idx="1">
+            <a:schemeClr val="lt1"/>
+          </a:fillRef>
+          <a:effectRef idx="0">
+            <a:schemeClr val="dk1"/>
+          </a:effectRef>
+          <a:fontRef idx="minor">
+            <a:schemeClr val="dk1"/>
+          </a:fontRef>
+        </p:style>
+        <p:txBody>
+          <a:bodyPr rtlCol="0" anchor="ctr"/>
+          <a:lstStyle/>
+          <a:p>
+            <a:r>
+              <a:rPr lang="en-US" altLang="zh-CN" sz="1600" dirty="0"/>
+              <a:t>T</a:t>
+            </a:r>
+            <a:r>
+              <a:rPr lang="en-US" altLang="zh-CN" sz="1600" dirty="0" smtClean="0"/>
+              <a:t>oggle Event</a:t>
+            </a:r>
+            <a:endParaRPr lang="en-US" sz="1600" dirty="0"/>
+          </a:p>
+        </p:txBody>
+      </p:sp>
+      <p:cxnSp>
+        <p:nvCxnSpPr>
+          <p:cNvPr id="25" name="Straight Arrow Connector 24"/>
+          <p:cNvCxnSpPr/>
+          <p:nvPr/>
+        </p:nvCxnSpPr>
+        <p:spPr>
+          <a:xfrm flipH="1">
+            <a:off x="6446268" y="2816948"/>
+            <a:ext cx="1281887" cy="0"/>
+          </a:xfrm>
+          <a:prstGeom prst="straightConnector1">
+            <a:avLst/>
+          </a:prstGeom>
+          <a:ln w="15875">
+            <a:tailEnd type="triangle"/>
+          </a:ln>
+        </p:spPr>
+        <p:style>
+          <a:lnRef idx="1">
+            <a:schemeClr val="dk1"/>
+          </a:lnRef>
+          <a:fillRef idx="0">
+            <a:schemeClr val="dk1"/>
+          </a:fillRef>
+          <a:effectRef idx="0">
+            <a:schemeClr val="dk1"/>
+          </a:effectRef>
+          <a:fontRef idx="minor">
+            <a:schemeClr val="tx1"/>
+          </a:fontRef>
+        </p:style>
+      </p:cxnSp>
+      <p:sp>
+        <p:nvSpPr>
+          <p:cNvPr id="30" name="Rectangle 29"/>
+          <p:cNvSpPr/>
+          <p:nvPr/>
+        </p:nvSpPr>
+        <p:spPr>
+          <a:xfrm>
+            <a:off x="6533545" y="2276172"/>
+            <a:ext cx="1516628" cy="540775"/>
+          </a:xfrm>
+          <a:prstGeom prst="rect">
+            <a:avLst/>
+          </a:prstGeom>
+          <a:noFill/>
+          <a:ln>
+            <a:noFill/>
+          </a:ln>
+        </p:spPr>
+        <p:style>
+          <a:lnRef idx="2">
+            <a:schemeClr val="dk1"/>
+          </a:lnRef>
+          <a:fillRef idx="1">
+            <a:schemeClr val="lt1"/>
+          </a:fillRef>
+          <a:effectRef idx="0">
+            <a:schemeClr val="dk1"/>
+          </a:effectRef>
+          <a:fontRef idx="minor">
+            <a:schemeClr val="dk1"/>
+          </a:fontRef>
+        </p:style>
+        <p:txBody>
+          <a:bodyPr rtlCol="0" anchor="ctr"/>
+          <a:lstStyle/>
+          <a:p>
+            <a:r>
+              <a:rPr lang="en-US" altLang="zh-CN" sz="1600" dirty="0" smtClean="0"/>
+              <a:t>clear Event</a:t>
+            </a:r>
+            <a:endParaRPr lang="en-US" sz="1600" dirty="0"/>
           </a:p>
         </p:txBody>
       </p:sp>
@@ -7606,6 +9678,3699 @@
   <p:clrMapOvr>
     <a:masterClrMapping/>
   </p:clrMapOvr>
+  <p:timing>
+    <p:tnLst>
+      <p:par>
+        <p:cTn id="1" dur="indefinite" restart="never" nodeType="tmRoot"/>
+      </p:par>
+    </p:tnLst>
+  </p:timing>
+</p:sld>
+</file>
+
+<file path=ppt/slides/slide5.xml><?xml version="1.0" encoding="utf-8"?>
+<p:sld xmlns:a="http://schemas.openxmlformats.org/drawingml/2006/main" xmlns:r="http://schemas.openxmlformats.org/officeDocument/2006/relationships" xmlns:p="http://schemas.openxmlformats.org/presentationml/2006/main">
+  <p:cSld>
+    <p:spTree>
+      <p:nvGrpSpPr>
+        <p:cNvPr id="1" name=""/>
+        <p:cNvGrpSpPr/>
+        <p:nvPr/>
+      </p:nvGrpSpPr>
+      <p:grpSpPr>
+        <a:xfrm>
+          <a:off x="0" y="0"/>
+          <a:ext cx="0" cy="0"/>
+          <a:chOff x="0" y="0"/>
+          <a:chExt cx="0" cy="0"/>
+        </a:xfrm>
+      </p:grpSpPr>
+      <p:sp>
+        <p:nvSpPr>
+          <p:cNvPr id="2" name="标题 1"/>
+          <p:cNvSpPr>
+            <a:spLocks noGrp="1"/>
+          </p:cNvSpPr>
+          <p:nvPr>
+            <p:ph type="title"/>
+          </p:nvPr>
+        </p:nvSpPr>
+        <p:spPr>
+          <a:xfrm>
+            <a:off x="1057275" y="700088"/>
+            <a:ext cx="8993559" cy="1153160"/>
+          </a:xfrm>
+        </p:spPr>
+        <p:txBody>
+          <a:bodyPr/>
+          <a:lstStyle/>
+          <a:p>
+            <a:r>
+              <a:rPr lang="en-US" altLang="zh-CN" dirty="0" smtClean="0">
+                <a:solidFill>
+                  <a:srgbClr val="FF0000"/>
+                </a:solidFill>
+              </a:rPr>
+              <a:t>When to Use </a:t>
+            </a:r>
+            <a:r>
+              <a:rPr lang="en-US" altLang="zh-CN" dirty="0" err="1" smtClean="0">
+                <a:solidFill>
+                  <a:srgbClr val="FF0000"/>
+                </a:solidFill>
+              </a:rPr>
+              <a:t>Redux</a:t>
+            </a:r>
+            <a:endParaRPr lang="zh-CN" altLang="en-US" dirty="0">
+              <a:solidFill>
+                <a:srgbClr val="FF0000"/>
+              </a:solidFill>
+            </a:endParaRPr>
+          </a:p>
+        </p:txBody>
+      </p:sp>
+      <p:sp>
+        <p:nvSpPr>
+          <p:cNvPr id="4" name="内容占位符 2"/>
+          <p:cNvSpPr txBox="1">
+            <a:spLocks/>
+          </p:cNvSpPr>
+          <p:nvPr/>
+        </p:nvSpPr>
+        <p:spPr>
+          <a:xfrm>
+            <a:off x="1209675" y="2066768"/>
+            <a:ext cx="9769476" cy="4019399"/>
+          </a:xfrm>
+          <a:prstGeom prst="rect">
+            <a:avLst/>
+          </a:prstGeom>
+        </p:spPr>
+        <p:txBody>
+          <a:bodyPr vert="horz" lIns="91440" tIns="45720" rIns="91440" bIns="45720" rtlCol="0">
+            <a:normAutofit/>
+          </a:bodyPr>
+          <a:lstStyle>
+            <a:lvl1pPr marL="342900" indent="-342900" algn="l" defTabSz="457200" rtl="0" eaLnBrk="1" latinLnBrk="0" hangingPunct="1">
+              <a:spcBef>
+                <a:spcPts val="1000"/>
+              </a:spcBef>
+              <a:spcAft>
+                <a:spcPts val="0"/>
+              </a:spcAft>
+              <a:buClr>
+                <a:schemeClr val="bg2">
+                  <a:lumMod val="40000"/>
+                  <a:lumOff val="60000"/>
+                </a:schemeClr>
+              </a:buClr>
+              <a:buSzPct val="80000"/>
+              <a:buFont typeface="Wingdings 3" charset="2"/>
+              <a:buChar char=""/>
+              <a:defRPr sz="2000" b="0" i="0" kern="1200">
+                <a:solidFill>
+                  <a:schemeClr val="tx1"/>
+                </a:solidFill>
+                <a:latin typeface="+mj-lt"/>
+                <a:ea typeface="+mj-ea"/>
+                <a:cs typeface="+mj-cs"/>
+              </a:defRPr>
+            </a:lvl1pPr>
+            <a:lvl2pPr marL="742950" indent="-285750" algn="l" defTabSz="457200" rtl="0" eaLnBrk="1" latinLnBrk="0" hangingPunct="1">
+              <a:spcBef>
+                <a:spcPts val="1000"/>
+              </a:spcBef>
+              <a:spcAft>
+                <a:spcPts val="0"/>
+              </a:spcAft>
+              <a:buClr>
+                <a:schemeClr val="bg2">
+                  <a:lumMod val="40000"/>
+                  <a:lumOff val="60000"/>
+                </a:schemeClr>
+              </a:buClr>
+              <a:buSzPct val="80000"/>
+              <a:buFont typeface="Wingdings 3" charset="2"/>
+              <a:buChar char=""/>
+              <a:defRPr sz="1800" b="0" i="0" kern="1200">
+                <a:solidFill>
+                  <a:schemeClr val="tx1"/>
+                </a:solidFill>
+                <a:latin typeface="+mj-lt"/>
+                <a:ea typeface="+mj-ea"/>
+                <a:cs typeface="+mj-cs"/>
+              </a:defRPr>
+            </a:lvl2pPr>
+            <a:lvl3pPr marL="1143000" indent="-228600" algn="l" defTabSz="457200" rtl="0" eaLnBrk="1" latinLnBrk="0" hangingPunct="1">
+              <a:spcBef>
+                <a:spcPts val="1000"/>
+              </a:spcBef>
+              <a:spcAft>
+                <a:spcPts val="0"/>
+              </a:spcAft>
+              <a:buClr>
+                <a:schemeClr val="bg2">
+                  <a:lumMod val="40000"/>
+                  <a:lumOff val="60000"/>
+                </a:schemeClr>
+              </a:buClr>
+              <a:buSzPct val="80000"/>
+              <a:buFont typeface="Wingdings 3" charset="2"/>
+              <a:buChar char=""/>
+              <a:defRPr sz="1600" b="0" i="0" kern="1200">
+                <a:solidFill>
+                  <a:schemeClr val="tx1"/>
+                </a:solidFill>
+                <a:latin typeface="+mj-lt"/>
+                <a:ea typeface="+mj-ea"/>
+                <a:cs typeface="+mj-cs"/>
+              </a:defRPr>
+            </a:lvl3pPr>
+            <a:lvl4pPr marL="1600200" indent="-228600" algn="l" defTabSz="457200" rtl="0" eaLnBrk="1" latinLnBrk="0" hangingPunct="1">
+              <a:spcBef>
+                <a:spcPts val="1000"/>
+              </a:spcBef>
+              <a:spcAft>
+                <a:spcPts val="0"/>
+              </a:spcAft>
+              <a:buClr>
+                <a:schemeClr val="bg2">
+                  <a:lumMod val="40000"/>
+                  <a:lumOff val="60000"/>
+                </a:schemeClr>
+              </a:buClr>
+              <a:buSzPct val="80000"/>
+              <a:buFont typeface="Wingdings 3" charset="2"/>
+              <a:buChar char=""/>
+              <a:defRPr sz="1400" b="0" i="0" kern="1200">
+                <a:solidFill>
+                  <a:schemeClr val="tx1"/>
+                </a:solidFill>
+                <a:latin typeface="+mj-lt"/>
+                <a:ea typeface="+mj-ea"/>
+                <a:cs typeface="+mj-cs"/>
+              </a:defRPr>
+            </a:lvl4pPr>
+            <a:lvl5pPr marL="2057400" indent="-228600" algn="l" defTabSz="457200" rtl="0" eaLnBrk="1" latinLnBrk="0" hangingPunct="1">
+              <a:spcBef>
+                <a:spcPts val="1000"/>
+              </a:spcBef>
+              <a:spcAft>
+                <a:spcPts val="0"/>
+              </a:spcAft>
+              <a:buClr>
+                <a:schemeClr val="bg2">
+                  <a:lumMod val="40000"/>
+                  <a:lumOff val="60000"/>
+                </a:schemeClr>
+              </a:buClr>
+              <a:buSzPct val="80000"/>
+              <a:buFont typeface="Wingdings 3" charset="2"/>
+              <a:buChar char=""/>
+              <a:defRPr sz="1400" b="0" i="0" kern="1200">
+                <a:solidFill>
+                  <a:schemeClr val="tx1"/>
+                </a:solidFill>
+                <a:latin typeface="+mj-lt"/>
+                <a:ea typeface="+mj-ea"/>
+                <a:cs typeface="+mj-cs"/>
+              </a:defRPr>
+            </a:lvl5pPr>
+            <a:lvl6pPr marL="2506000" indent="-228600" algn="l" defTabSz="457200" rtl="0" eaLnBrk="1" latinLnBrk="0" hangingPunct="1">
+              <a:spcBef>
+                <a:spcPts val="1000"/>
+              </a:spcBef>
+              <a:spcAft>
+                <a:spcPts val="0"/>
+              </a:spcAft>
+              <a:buClr>
+                <a:schemeClr val="bg2">
+                  <a:lumMod val="40000"/>
+                  <a:lumOff val="60000"/>
+                </a:schemeClr>
+              </a:buClr>
+              <a:buSzPct val="80000"/>
+              <a:buFont typeface="Wingdings 3" charset="2"/>
+              <a:buChar char=""/>
+              <a:defRPr sz="1400" b="0" i="0" kern="1200">
+                <a:solidFill>
+                  <a:schemeClr val="tx1"/>
+                </a:solidFill>
+                <a:latin typeface="+mj-lt"/>
+                <a:ea typeface="+mj-ea"/>
+                <a:cs typeface="+mj-cs"/>
+              </a:defRPr>
+            </a:lvl6pPr>
+            <a:lvl7pPr marL="2971800" indent="-228600" algn="l" defTabSz="457200" rtl="0" eaLnBrk="1" latinLnBrk="0" hangingPunct="1">
+              <a:spcBef>
+                <a:spcPts val="1000"/>
+              </a:spcBef>
+              <a:spcAft>
+                <a:spcPts val="0"/>
+              </a:spcAft>
+              <a:buClr>
+                <a:schemeClr val="bg2">
+                  <a:lumMod val="40000"/>
+                  <a:lumOff val="60000"/>
+                </a:schemeClr>
+              </a:buClr>
+              <a:buSzPct val="80000"/>
+              <a:buFont typeface="Wingdings 3" charset="2"/>
+              <a:buChar char=""/>
+              <a:defRPr sz="1400" b="0" i="0" kern="1200">
+                <a:solidFill>
+                  <a:schemeClr val="tx1"/>
+                </a:solidFill>
+                <a:latin typeface="+mj-lt"/>
+                <a:ea typeface="+mj-ea"/>
+                <a:cs typeface="+mj-cs"/>
+              </a:defRPr>
+            </a:lvl7pPr>
+            <a:lvl8pPr marL="3429000" indent="-228600" algn="l" defTabSz="457200" rtl="0" eaLnBrk="1" latinLnBrk="0" hangingPunct="1">
+              <a:spcBef>
+                <a:spcPts val="1000"/>
+              </a:spcBef>
+              <a:spcAft>
+                <a:spcPts val="0"/>
+              </a:spcAft>
+              <a:buClr>
+                <a:schemeClr val="bg2">
+                  <a:lumMod val="40000"/>
+                  <a:lumOff val="60000"/>
+                </a:schemeClr>
+              </a:buClr>
+              <a:buSzPct val="80000"/>
+              <a:buFont typeface="Wingdings 3" charset="2"/>
+              <a:buChar char=""/>
+              <a:defRPr sz="1400" b="0" i="0" kern="1200">
+                <a:solidFill>
+                  <a:schemeClr val="tx1"/>
+                </a:solidFill>
+                <a:latin typeface="+mj-lt"/>
+                <a:ea typeface="+mj-ea"/>
+                <a:cs typeface="+mj-cs"/>
+              </a:defRPr>
+            </a:lvl8pPr>
+            <a:lvl9pPr marL="3886200" indent="-228600" algn="l" defTabSz="457200" rtl="0" eaLnBrk="1" latinLnBrk="0" hangingPunct="1">
+              <a:spcBef>
+                <a:spcPts val="1000"/>
+              </a:spcBef>
+              <a:spcAft>
+                <a:spcPts val="0"/>
+              </a:spcAft>
+              <a:buClr>
+                <a:schemeClr val="bg2">
+                  <a:lumMod val="40000"/>
+                  <a:lumOff val="60000"/>
+                </a:schemeClr>
+              </a:buClr>
+              <a:buSzPct val="80000"/>
+              <a:buFont typeface="Wingdings 3" charset="2"/>
+              <a:buChar char=""/>
+              <a:defRPr sz="1400" b="0" i="0" kern="1200">
+                <a:solidFill>
+                  <a:schemeClr val="tx1"/>
+                </a:solidFill>
+                <a:latin typeface="+mj-lt"/>
+                <a:ea typeface="+mj-ea"/>
+                <a:cs typeface="+mj-cs"/>
+              </a:defRPr>
+            </a:lvl9pPr>
+          </a:lstStyle>
+          <a:p>
+            <a:r>
+              <a:rPr lang="zh-CN" altLang="en-US" sz="2400" dirty="0"/>
+              <a:t>某个组件的状态，需要共享</a:t>
+            </a:r>
+          </a:p>
+          <a:p>
+            <a:r>
+              <a:rPr lang="zh-CN" altLang="en-US" sz="2400" dirty="0"/>
+              <a:t>某个状态需要在任何地方都可以拿</a:t>
+            </a:r>
+            <a:r>
+              <a:rPr lang="zh-CN" altLang="en-US" sz="2400" dirty="0" smtClean="0"/>
+              <a:t>到</a:t>
+            </a:r>
+            <a:endParaRPr lang="en-US" altLang="zh-CN" sz="2400" dirty="0" smtClean="0"/>
+          </a:p>
+          <a:p>
+            <a:r>
+              <a:rPr lang="zh-CN" altLang="en-US" sz="2400" dirty="0"/>
+              <a:t>一</a:t>
+            </a:r>
+            <a:r>
+              <a:rPr lang="zh-CN" altLang="en-US" sz="2400" dirty="0" smtClean="0"/>
+              <a:t>个组件需要改变全局状态</a:t>
+            </a:r>
+            <a:endParaRPr lang="en-US" altLang="zh-CN" sz="2400" dirty="0" smtClean="0"/>
+          </a:p>
+          <a:p>
+            <a:r>
+              <a:rPr lang="zh-CN" altLang="en-US" sz="2400" dirty="0"/>
+              <a:t>一</a:t>
+            </a:r>
+            <a:r>
+              <a:rPr lang="zh-CN" altLang="en-US" sz="2400" dirty="0" smtClean="0"/>
+              <a:t>个组件需要改变另一个组件的状态</a:t>
+            </a:r>
+            <a:endParaRPr lang="zh-CN" altLang="en-US" sz="2400" dirty="0"/>
+          </a:p>
+          <a:p>
+            <a:pPr marL="0" indent="0">
+              <a:buNone/>
+            </a:pPr>
+            <a:endParaRPr lang="zh-CN" altLang="en-US" sz="2400" dirty="0"/>
+          </a:p>
+        </p:txBody>
+      </p:sp>
+    </p:spTree>
+    <p:extLst>
+      <p:ext uri="{BB962C8B-B14F-4D97-AF65-F5344CB8AC3E}">
+        <p14:creationId xmlns:p14="http://schemas.microsoft.com/office/powerpoint/2010/main" val="3799833630"/>
+      </p:ext>
+    </p:extLst>
+  </p:cSld>
+  <p:clrMapOvr>
+    <a:masterClrMapping/>
+  </p:clrMapOvr>
+  <p:timing>
+    <p:tnLst>
+      <p:par>
+        <p:cTn id="1" dur="indefinite" restart="never" nodeType="tmRoot"/>
+      </p:par>
+    </p:tnLst>
+  </p:timing>
+</p:sld>
+</file>
+
+<file path=ppt/slides/slide6.xml><?xml version="1.0" encoding="utf-8"?>
+<p:sld xmlns:a="http://schemas.openxmlformats.org/drawingml/2006/main" xmlns:r="http://schemas.openxmlformats.org/officeDocument/2006/relationships" xmlns:p="http://schemas.openxmlformats.org/presentationml/2006/main">
+  <p:cSld>
+    <p:spTree>
+      <p:nvGrpSpPr>
+        <p:cNvPr id="1" name=""/>
+        <p:cNvGrpSpPr/>
+        <p:nvPr/>
+      </p:nvGrpSpPr>
+      <p:grpSpPr>
+        <a:xfrm>
+          <a:off x="0" y="0"/>
+          <a:ext cx="0" cy="0"/>
+          <a:chOff x="0" y="0"/>
+          <a:chExt cx="0" cy="0"/>
+        </a:xfrm>
+      </p:grpSpPr>
+      <p:sp>
+        <p:nvSpPr>
+          <p:cNvPr id="2" name="标题 1"/>
+          <p:cNvSpPr>
+            <a:spLocks noGrp="1"/>
+          </p:cNvSpPr>
+          <p:nvPr>
+            <p:ph type="title"/>
+          </p:nvPr>
+        </p:nvSpPr>
+        <p:spPr>
+          <a:xfrm>
+            <a:off x="1057275" y="700088"/>
+            <a:ext cx="8993559" cy="1153160"/>
+          </a:xfrm>
+        </p:spPr>
+        <p:txBody>
+          <a:bodyPr/>
+          <a:lstStyle/>
+          <a:p>
+            <a:r>
+              <a:rPr lang="en-US" altLang="zh-CN" dirty="0" smtClean="0">
+                <a:solidFill>
+                  <a:srgbClr val="FF0000"/>
+                </a:solidFill>
+              </a:rPr>
+              <a:t>Benefits</a:t>
+            </a:r>
+            <a:endParaRPr lang="zh-CN" altLang="en-US" dirty="0">
+              <a:solidFill>
+                <a:srgbClr val="FF0000"/>
+              </a:solidFill>
+            </a:endParaRPr>
+          </a:p>
+        </p:txBody>
+      </p:sp>
+      <p:sp>
+        <p:nvSpPr>
+          <p:cNvPr id="4" name="内容占位符 2"/>
+          <p:cNvSpPr txBox="1">
+            <a:spLocks/>
+          </p:cNvSpPr>
+          <p:nvPr/>
+        </p:nvSpPr>
+        <p:spPr>
+          <a:xfrm>
+            <a:off x="1209675" y="2066768"/>
+            <a:ext cx="5161628" cy="2318419"/>
+          </a:xfrm>
+          <a:prstGeom prst="rect">
+            <a:avLst/>
+          </a:prstGeom>
+        </p:spPr>
+        <p:txBody>
+          <a:bodyPr vert="horz" lIns="91440" tIns="45720" rIns="91440" bIns="45720" rtlCol="0">
+            <a:normAutofit/>
+          </a:bodyPr>
+          <a:lstStyle>
+            <a:lvl1pPr marL="342900" indent="-342900" algn="l" defTabSz="457200" rtl="0" eaLnBrk="1" latinLnBrk="0" hangingPunct="1">
+              <a:spcBef>
+                <a:spcPts val="1000"/>
+              </a:spcBef>
+              <a:spcAft>
+                <a:spcPts val="0"/>
+              </a:spcAft>
+              <a:buClr>
+                <a:schemeClr val="bg2">
+                  <a:lumMod val="40000"/>
+                  <a:lumOff val="60000"/>
+                </a:schemeClr>
+              </a:buClr>
+              <a:buSzPct val="80000"/>
+              <a:buFont typeface="Wingdings 3" charset="2"/>
+              <a:buChar char=""/>
+              <a:defRPr sz="2000" b="0" i="0" kern="1200">
+                <a:solidFill>
+                  <a:schemeClr val="tx1"/>
+                </a:solidFill>
+                <a:latin typeface="+mj-lt"/>
+                <a:ea typeface="+mj-ea"/>
+                <a:cs typeface="+mj-cs"/>
+              </a:defRPr>
+            </a:lvl1pPr>
+            <a:lvl2pPr marL="742950" indent="-285750" algn="l" defTabSz="457200" rtl="0" eaLnBrk="1" latinLnBrk="0" hangingPunct="1">
+              <a:spcBef>
+                <a:spcPts val="1000"/>
+              </a:spcBef>
+              <a:spcAft>
+                <a:spcPts val="0"/>
+              </a:spcAft>
+              <a:buClr>
+                <a:schemeClr val="bg2">
+                  <a:lumMod val="40000"/>
+                  <a:lumOff val="60000"/>
+                </a:schemeClr>
+              </a:buClr>
+              <a:buSzPct val="80000"/>
+              <a:buFont typeface="Wingdings 3" charset="2"/>
+              <a:buChar char=""/>
+              <a:defRPr sz="1800" b="0" i="0" kern="1200">
+                <a:solidFill>
+                  <a:schemeClr val="tx1"/>
+                </a:solidFill>
+                <a:latin typeface="+mj-lt"/>
+                <a:ea typeface="+mj-ea"/>
+                <a:cs typeface="+mj-cs"/>
+              </a:defRPr>
+            </a:lvl2pPr>
+            <a:lvl3pPr marL="1143000" indent="-228600" algn="l" defTabSz="457200" rtl="0" eaLnBrk="1" latinLnBrk="0" hangingPunct="1">
+              <a:spcBef>
+                <a:spcPts val="1000"/>
+              </a:spcBef>
+              <a:spcAft>
+                <a:spcPts val="0"/>
+              </a:spcAft>
+              <a:buClr>
+                <a:schemeClr val="bg2">
+                  <a:lumMod val="40000"/>
+                  <a:lumOff val="60000"/>
+                </a:schemeClr>
+              </a:buClr>
+              <a:buSzPct val="80000"/>
+              <a:buFont typeface="Wingdings 3" charset="2"/>
+              <a:buChar char=""/>
+              <a:defRPr sz="1600" b="0" i="0" kern="1200">
+                <a:solidFill>
+                  <a:schemeClr val="tx1"/>
+                </a:solidFill>
+                <a:latin typeface="+mj-lt"/>
+                <a:ea typeface="+mj-ea"/>
+                <a:cs typeface="+mj-cs"/>
+              </a:defRPr>
+            </a:lvl3pPr>
+            <a:lvl4pPr marL="1600200" indent="-228600" algn="l" defTabSz="457200" rtl="0" eaLnBrk="1" latinLnBrk="0" hangingPunct="1">
+              <a:spcBef>
+                <a:spcPts val="1000"/>
+              </a:spcBef>
+              <a:spcAft>
+                <a:spcPts val="0"/>
+              </a:spcAft>
+              <a:buClr>
+                <a:schemeClr val="bg2">
+                  <a:lumMod val="40000"/>
+                  <a:lumOff val="60000"/>
+                </a:schemeClr>
+              </a:buClr>
+              <a:buSzPct val="80000"/>
+              <a:buFont typeface="Wingdings 3" charset="2"/>
+              <a:buChar char=""/>
+              <a:defRPr sz="1400" b="0" i="0" kern="1200">
+                <a:solidFill>
+                  <a:schemeClr val="tx1"/>
+                </a:solidFill>
+                <a:latin typeface="+mj-lt"/>
+                <a:ea typeface="+mj-ea"/>
+                <a:cs typeface="+mj-cs"/>
+              </a:defRPr>
+            </a:lvl4pPr>
+            <a:lvl5pPr marL="2057400" indent="-228600" algn="l" defTabSz="457200" rtl="0" eaLnBrk="1" latinLnBrk="0" hangingPunct="1">
+              <a:spcBef>
+                <a:spcPts val="1000"/>
+              </a:spcBef>
+              <a:spcAft>
+                <a:spcPts val="0"/>
+              </a:spcAft>
+              <a:buClr>
+                <a:schemeClr val="bg2">
+                  <a:lumMod val="40000"/>
+                  <a:lumOff val="60000"/>
+                </a:schemeClr>
+              </a:buClr>
+              <a:buSzPct val="80000"/>
+              <a:buFont typeface="Wingdings 3" charset="2"/>
+              <a:buChar char=""/>
+              <a:defRPr sz="1400" b="0" i="0" kern="1200">
+                <a:solidFill>
+                  <a:schemeClr val="tx1"/>
+                </a:solidFill>
+                <a:latin typeface="+mj-lt"/>
+                <a:ea typeface="+mj-ea"/>
+                <a:cs typeface="+mj-cs"/>
+              </a:defRPr>
+            </a:lvl5pPr>
+            <a:lvl6pPr marL="2506000" indent="-228600" algn="l" defTabSz="457200" rtl="0" eaLnBrk="1" latinLnBrk="0" hangingPunct="1">
+              <a:spcBef>
+                <a:spcPts val="1000"/>
+              </a:spcBef>
+              <a:spcAft>
+                <a:spcPts val="0"/>
+              </a:spcAft>
+              <a:buClr>
+                <a:schemeClr val="bg2">
+                  <a:lumMod val="40000"/>
+                  <a:lumOff val="60000"/>
+                </a:schemeClr>
+              </a:buClr>
+              <a:buSzPct val="80000"/>
+              <a:buFont typeface="Wingdings 3" charset="2"/>
+              <a:buChar char=""/>
+              <a:defRPr sz="1400" b="0" i="0" kern="1200">
+                <a:solidFill>
+                  <a:schemeClr val="tx1"/>
+                </a:solidFill>
+                <a:latin typeface="+mj-lt"/>
+                <a:ea typeface="+mj-ea"/>
+                <a:cs typeface="+mj-cs"/>
+              </a:defRPr>
+            </a:lvl6pPr>
+            <a:lvl7pPr marL="2971800" indent="-228600" algn="l" defTabSz="457200" rtl="0" eaLnBrk="1" latinLnBrk="0" hangingPunct="1">
+              <a:spcBef>
+                <a:spcPts val="1000"/>
+              </a:spcBef>
+              <a:spcAft>
+                <a:spcPts val="0"/>
+              </a:spcAft>
+              <a:buClr>
+                <a:schemeClr val="bg2">
+                  <a:lumMod val="40000"/>
+                  <a:lumOff val="60000"/>
+                </a:schemeClr>
+              </a:buClr>
+              <a:buSzPct val="80000"/>
+              <a:buFont typeface="Wingdings 3" charset="2"/>
+              <a:buChar char=""/>
+              <a:defRPr sz="1400" b="0" i="0" kern="1200">
+                <a:solidFill>
+                  <a:schemeClr val="tx1"/>
+                </a:solidFill>
+                <a:latin typeface="+mj-lt"/>
+                <a:ea typeface="+mj-ea"/>
+                <a:cs typeface="+mj-cs"/>
+              </a:defRPr>
+            </a:lvl7pPr>
+            <a:lvl8pPr marL="3429000" indent="-228600" algn="l" defTabSz="457200" rtl="0" eaLnBrk="1" latinLnBrk="0" hangingPunct="1">
+              <a:spcBef>
+                <a:spcPts val="1000"/>
+              </a:spcBef>
+              <a:spcAft>
+                <a:spcPts val="0"/>
+              </a:spcAft>
+              <a:buClr>
+                <a:schemeClr val="bg2">
+                  <a:lumMod val="40000"/>
+                  <a:lumOff val="60000"/>
+                </a:schemeClr>
+              </a:buClr>
+              <a:buSzPct val="80000"/>
+              <a:buFont typeface="Wingdings 3" charset="2"/>
+              <a:buChar char=""/>
+              <a:defRPr sz="1400" b="0" i="0" kern="1200">
+                <a:solidFill>
+                  <a:schemeClr val="tx1"/>
+                </a:solidFill>
+                <a:latin typeface="+mj-lt"/>
+                <a:ea typeface="+mj-ea"/>
+                <a:cs typeface="+mj-cs"/>
+              </a:defRPr>
+            </a:lvl8pPr>
+            <a:lvl9pPr marL="3886200" indent="-228600" algn="l" defTabSz="457200" rtl="0" eaLnBrk="1" latinLnBrk="0" hangingPunct="1">
+              <a:spcBef>
+                <a:spcPts val="1000"/>
+              </a:spcBef>
+              <a:spcAft>
+                <a:spcPts val="0"/>
+              </a:spcAft>
+              <a:buClr>
+                <a:schemeClr val="bg2">
+                  <a:lumMod val="40000"/>
+                  <a:lumOff val="60000"/>
+                </a:schemeClr>
+              </a:buClr>
+              <a:buSzPct val="80000"/>
+              <a:buFont typeface="Wingdings 3" charset="2"/>
+              <a:buChar char=""/>
+              <a:defRPr sz="1400" b="0" i="0" kern="1200">
+                <a:solidFill>
+                  <a:schemeClr val="tx1"/>
+                </a:solidFill>
+                <a:latin typeface="+mj-lt"/>
+                <a:ea typeface="+mj-ea"/>
+                <a:cs typeface="+mj-cs"/>
+              </a:defRPr>
+            </a:lvl9pPr>
+          </a:lstStyle>
+          <a:p>
+            <a:r>
+              <a:rPr lang="zh-CN" altLang="en-US" sz="2400" dirty="0"/>
+              <a:t>可预测化的应用状</a:t>
+            </a:r>
+            <a:r>
+              <a:rPr lang="zh-CN" altLang="en-US" sz="2400" dirty="0" smtClean="0"/>
+              <a:t>态</a:t>
+            </a:r>
+            <a:endParaRPr lang="en-US" altLang="zh-CN" sz="2400" dirty="0" smtClean="0"/>
+          </a:p>
+          <a:p>
+            <a:r>
+              <a:rPr lang="zh-CN" altLang="en-US" sz="2400" dirty="0"/>
+              <a:t>便</a:t>
+            </a:r>
+            <a:r>
+              <a:rPr lang="zh-CN" altLang="en-US" sz="2400" dirty="0" smtClean="0"/>
+              <a:t>于集成，解耦的架构设计</a:t>
+            </a:r>
+            <a:endParaRPr lang="en-US" altLang="zh-CN" sz="2400" dirty="0" smtClean="0"/>
+          </a:p>
+          <a:p>
+            <a:r>
+              <a:rPr lang="zh-CN" altLang="en-US" sz="2400" dirty="0"/>
+              <a:t>纯函</a:t>
+            </a:r>
+            <a:r>
+              <a:rPr lang="zh-CN" altLang="en-US" sz="2400" dirty="0" smtClean="0"/>
+              <a:t>数，易于测试</a:t>
+            </a:r>
+            <a:endParaRPr lang="en-US" altLang="zh-CN" sz="2400" dirty="0" smtClean="0"/>
+          </a:p>
+          <a:p>
+            <a:r>
+              <a:rPr lang="zh-CN" altLang="en-US" sz="2400" dirty="0"/>
+              <a:t>实</a:t>
+            </a:r>
+            <a:r>
+              <a:rPr lang="zh-CN" altLang="en-US" sz="2400" dirty="0" smtClean="0"/>
+              <a:t>现</a:t>
+            </a:r>
+            <a:r>
+              <a:rPr lang="en-US" altLang="zh-CN" sz="2400" dirty="0" smtClean="0"/>
+              <a:t>undo/redo</a:t>
+            </a:r>
+            <a:r>
+              <a:rPr lang="zh-CN" altLang="en-US" sz="2400" dirty="0" smtClean="0"/>
+              <a:t>的功能</a:t>
+            </a:r>
+          </a:p>
+          <a:p>
+            <a:pPr marL="0" indent="0">
+              <a:buNone/>
+            </a:pPr>
+            <a:endParaRPr lang="zh-CN" altLang="en-US" sz="2400" dirty="0"/>
+          </a:p>
+        </p:txBody>
+      </p:sp>
+      <p:sp>
+        <p:nvSpPr>
+          <p:cNvPr id="5" name="内容占位符 2"/>
+          <p:cNvSpPr txBox="1">
+            <a:spLocks/>
+          </p:cNvSpPr>
+          <p:nvPr/>
+        </p:nvSpPr>
+        <p:spPr>
+          <a:xfrm>
+            <a:off x="6002915" y="2066768"/>
+            <a:ext cx="5161628" cy="2318419"/>
+          </a:xfrm>
+          <a:prstGeom prst="rect">
+            <a:avLst/>
+          </a:prstGeom>
+        </p:spPr>
+        <p:txBody>
+          <a:bodyPr vert="horz" lIns="91440" tIns="45720" rIns="91440" bIns="45720" rtlCol="0">
+            <a:normAutofit/>
+          </a:bodyPr>
+          <a:lstStyle>
+            <a:lvl1pPr marL="342900" indent="-342900" algn="l" defTabSz="457200" rtl="0" eaLnBrk="1" latinLnBrk="0" hangingPunct="1">
+              <a:spcBef>
+                <a:spcPts val="1000"/>
+              </a:spcBef>
+              <a:spcAft>
+                <a:spcPts val="0"/>
+              </a:spcAft>
+              <a:buClr>
+                <a:schemeClr val="bg2">
+                  <a:lumMod val="40000"/>
+                  <a:lumOff val="60000"/>
+                </a:schemeClr>
+              </a:buClr>
+              <a:buSzPct val="80000"/>
+              <a:buFont typeface="Wingdings 3" charset="2"/>
+              <a:buChar char=""/>
+              <a:defRPr sz="2000" b="0" i="0" kern="1200">
+                <a:solidFill>
+                  <a:schemeClr val="tx1"/>
+                </a:solidFill>
+                <a:latin typeface="+mj-lt"/>
+                <a:ea typeface="+mj-ea"/>
+                <a:cs typeface="+mj-cs"/>
+              </a:defRPr>
+            </a:lvl1pPr>
+            <a:lvl2pPr marL="742950" indent="-285750" algn="l" defTabSz="457200" rtl="0" eaLnBrk="1" latinLnBrk="0" hangingPunct="1">
+              <a:spcBef>
+                <a:spcPts val="1000"/>
+              </a:spcBef>
+              <a:spcAft>
+                <a:spcPts val="0"/>
+              </a:spcAft>
+              <a:buClr>
+                <a:schemeClr val="bg2">
+                  <a:lumMod val="40000"/>
+                  <a:lumOff val="60000"/>
+                </a:schemeClr>
+              </a:buClr>
+              <a:buSzPct val="80000"/>
+              <a:buFont typeface="Wingdings 3" charset="2"/>
+              <a:buChar char=""/>
+              <a:defRPr sz="1800" b="0" i="0" kern="1200">
+                <a:solidFill>
+                  <a:schemeClr val="tx1"/>
+                </a:solidFill>
+                <a:latin typeface="+mj-lt"/>
+                <a:ea typeface="+mj-ea"/>
+                <a:cs typeface="+mj-cs"/>
+              </a:defRPr>
+            </a:lvl2pPr>
+            <a:lvl3pPr marL="1143000" indent="-228600" algn="l" defTabSz="457200" rtl="0" eaLnBrk="1" latinLnBrk="0" hangingPunct="1">
+              <a:spcBef>
+                <a:spcPts val="1000"/>
+              </a:spcBef>
+              <a:spcAft>
+                <a:spcPts val="0"/>
+              </a:spcAft>
+              <a:buClr>
+                <a:schemeClr val="bg2">
+                  <a:lumMod val="40000"/>
+                  <a:lumOff val="60000"/>
+                </a:schemeClr>
+              </a:buClr>
+              <a:buSzPct val="80000"/>
+              <a:buFont typeface="Wingdings 3" charset="2"/>
+              <a:buChar char=""/>
+              <a:defRPr sz="1600" b="0" i="0" kern="1200">
+                <a:solidFill>
+                  <a:schemeClr val="tx1"/>
+                </a:solidFill>
+                <a:latin typeface="+mj-lt"/>
+                <a:ea typeface="+mj-ea"/>
+                <a:cs typeface="+mj-cs"/>
+              </a:defRPr>
+            </a:lvl3pPr>
+            <a:lvl4pPr marL="1600200" indent="-228600" algn="l" defTabSz="457200" rtl="0" eaLnBrk="1" latinLnBrk="0" hangingPunct="1">
+              <a:spcBef>
+                <a:spcPts val="1000"/>
+              </a:spcBef>
+              <a:spcAft>
+                <a:spcPts val="0"/>
+              </a:spcAft>
+              <a:buClr>
+                <a:schemeClr val="bg2">
+                  <a:lumMod val="40000"/>
+                  <a:lumOff val="60000"/>
+                </a:schemeClr>
+              </a:buClr>
+              <a:buSzPct val="80000"/>
+              <a:buFont typeface="Wingdings 3" charset="2"/>
+              <a:buChar char=""/>
+              <a:defRPr sz="1400" b="0" i="0" kern="1200">
+                <a:solidFill>
+                  <a:schemeClr val="tx1"/>
+                </a:solidFill>
+                <a:latin typeface="+mj-lt"/>
+                <a:ea typeface="+mj-ea"/>
+                <a:cs typeface="+mj-cs"/>
+              </a:defRPr>
+            </a:lvl4pPr>
+            <a:lvl5pPr marL="2057400" indent="-228600" algn="l" defTabSz="457200" rtl="0" eaLnBrk="1" latinLnBrk="0" hangingPunct="1">
+              <a:spcBef>
+                <a:spcPts val="1000"/>
+              </a:spcBef>
+              <a:spcAft>
+                <a:spcPts val="0"/>
+              </a:spcAft>
+              <a:buClr>
+                <a:schemeClr val="bg2">
+                  <a:lumMod val="40000"/>
+                  <a:lumOff val="60000"/>
+                </a:schemeClr>
+              </a:buClr>
+              <a:buSzPct val="80000"/>
+              <a:buFont typeface="Wingdings 3" charset="2"/>
+              <a:buChar char=""/>
+              <a:defRPr sz="1400" b="0" i="0" kern="1200">
+                <a:solidFill>
+                  <a:schemeClr val="tx1"/>
+                </a:solidFill>
+                <a:latin typeface="+mj-lt"/>
+                <a:ea typeface="+mj-ea"/>
+                <a:cs typeface="+mj-cs"/>
+              </a:defRPr>
+            </a:lvl5pPr>
+            <a:lvl6pPr marL="2506000" indent="-228600" algn="l" defTabSz="457200" rtl="0" eaLnBrk="1" latinLnBrk="0" hangingPunct="1">
+              <a:spcBef>
+                <a:spcPts val="1000"/>
+              </a:spcBef>
+              <a:spcAft>
+                <a:spcPts val="0"/>
+              </a:spcAft>
+              <a:buClr>
+                <a:schemeClr val="bg2">
+                  <a:lumMod val="40000"/>
+                  <a:lumOff val="60000"/>
+                </a:schemeClr>
+              </a:buClr>
+              <a:buSzPct val="80000"/>
+              <a:buFont typeface="Wingdings 3" charset="2"/>
+              <a:buChar char=""/>
+              <a:defRPr sz="1400" b="0" i="0" kern="1200">
+                <a:solidFill>
+                  <a:schemeClr val="tx1"/>
+                </a:solidFill>
+                <a:latin typeface="+mj-lt"/>
+                <a:ea typeface="+mj-ea"/>
+                <a:cs typeface="+mj-cs"/>
+              </a:defRPr>
+            </a:lvl6pPr>
+            <a:lvl7pPr marL="2971800" indent="-228600" algn="l" defTabSz="457200" rtl="0" eaLnBrk="1" latinLnBrk="0" hangingPunct="1">
+              <a:spcBef>
+                <a:spcPts val="1000"/>
+              </a:spcBef>
+              <a:spcAft>
+                <a:spcPts val="0"/>
+              </a:spcAft>
+              <a:buClr>
+                <a:schemeClr val="bg2">
+                  <a:lumMod val="40000"/>
+                  <a:lumOff val="60000"/>
+                </a:schemeClr>
+              </a:buClr>
+              <a:buSzPct val="80000"/>
+              <a:buFont typeface="Wingdings 3" charset="2"/>
+              <a:buChar char=""/>
+              <a:defRPr sz="1400" b="0" i="0" kern="1200">
+                <a:solidFill>
+                  <a:schemeClr val="tx1"/>
+                </a:solidFill>
+                <a:latin typeface="+mj-lt"/>
+                <a:ea typeface="+mj-ea"/>
+                <a:cs typeface="+mj-cs"/>
+              </a:defRPr>
+            </a:lvl7pPr>
+            <a:lvl8pPr marL="3429000" indent="-228600" algn="l" defTabSz="457200" rtl="0" eaLnBrk="1" latinLnBrk="0" hangingPunct="1">
+              <a:spcBef>
+                <a:spcPts val="1000"/>
+              </a:spcBef>
+              <a:spcAft>
+                <a:spcPts val="0"/>
+              </a:spcAft>
+              <a:buClr>
+                <a:schemeClr val="bg2">
+                  <a:lumMod val="40000"/>
+                  <a:lumOff val="60000"/>
+                </a:schemeClr>
+              </a:buClr>
+              <a:buSzPct val="80000"/>
+              <a:buFont typeface="Wingdings 3" charset="2"/>
+              <a:buChar char=""/>
+              <a:defRPr sz="1400" b="0" i="0" kern="1200">
+                <a:solidFill>
+                  <a:schemeClr val="tx1"/>
+                </a:solidFill>
+                <a:latin typeface="+mj-lt"/>
+                <a:ea typeface="+mj-ea"/>
+                <a:cs typeface="+mj-cs"/>
+              </a:defRPr>
+            </a:lvl8pPr>
+            <a:lvl9pPr marL="3886200" indent="-228600" algn="l" defTabSz="457200" rtl="0" eaLnBrk="1" latinLnBrk="0" hangingPunct="1">
+              <a:spcBef>
+                <a:spcPts val="1000"/>
+              </a:spcBef>
+              <a:spcAft>
+                <a:spcPts val="0"/>
+              </a:spcAft>
+              <a:buClr>
+                <a:schemeClr val="bg2">
+                  <a:lumMod val="40000"/>
+                  <a:lumOff val="60000"/>
+                </a:schemeClr>
+              </a:buClr>
+              <a:buSzPct val="80000"/>
+              <a:buFont typeface="Wingdings 3" charset="2"/>
+              <a:buChar char=""/>
+              <a:defRPr sz="1400" b="0" i="0" kern="1200">
+                <a:solidFill>
+                  <a:schemeClr val="tx1"/>
+                </a:solidFill>
+                <a:latin typeface="+mj-lt"/>
+                <a:ea typeface="+mj-ea"/>
+                <a:cs typeface="+mj-cs"/>
+              </a:defRPr>
+            </a:lvl9pPr>
+          </a:lstStyle>
+          <a:p>
+            <a:pPr marL="0" indent="0">
+              <a:buNone/>
+            </a:pPr>
+            <a:r>
+              <a:rPr lang="en-US" altLang="zh-CN" sz="2400" dirty="0" smtClean="0"/>
+              <a:t>Pure Function</a:t>
+            </a:r>
+          </a:p>
+          <a:p>
+            <a:pPr marL="0" indent="0">
+              <a:buNone/>
+            </a:pPr>
+            <a:r>
+              <a:rPr lang="en-US" altLang="zh-CN" dirty="0" smtClean="0"/>
+              <a:t>1. </a:t>
+            </a:r>
+            <a:r>
+              <a:rPr lang="zh-CN" altLang="en-US" dirty="0" smtClean="0"/>
+              <a:t>相同的输入总能得到相同的输出</a:t>
+            </a:r>
+            <a:endParaRPr lang="en-US" altLang="zh-CN" dirty="0" smtClean="0"/>
+          </a:p>
+          <a:p>
+            <a:pPr marL="0" indent="0">
+              <a:buNone/>
+            </a:pPr>
+            <a:r>
+              <a:rPr lang="en-US" altLang="zh-CN" dirty="0" smtClean="0"/>
+              <a:t>2. </a:t>
+            </a:r>
+            <a:r>
+              <a:rPr lang="zh-CN" altLang="en-US" dirty="0" smtClean="0"/>
+              <a:t>没有任何副作用</a:t>
+            </a:r>
+            <a:endParaRPr lang="en-US" altLang="zh-CN" dirty="0"/>
+          </a:p>
+        </p:txBody>
+      </p:sp>
+    </p:spTree>
+    <p:extLst>
+      <p:ext uri="{BB962C8B-B14F-4D97-AF65-F5344CB8AC3E}">
+        <p14:creationId xmlns:p14="http://schemas.microsoft.com/office/powerpoint/2010/main" val="342832266"/>
+      </p:ext>
+    </p:extLst>
+  </p:cSld>
+  <p:clrMapOvr>
+    <a:masterClrMapping/>
+  </p:clrMapOvr>
+  <p:timing>
+    <p:tnLst>
+      <p:par>
+        <p:cTn id="1" dur="indefinite" restart="never" nodeType="tmRoot"/>
+      </p:par>
+    </p:tnLst>
+  </p:timing>
+</p:sld>
+</file>
+
+<file path=ppt/slides/slide7.xml><?xml version="1.0" encoding="utf-8"?>
+<p:sld xmlns:a="http://schemas.openxmlformats.org/drawingml/2006/main" xmlns:r="http://schemas.openxmlformats.org/officeDocument/2006/relationships" xmlns:p="http://schemas.openxmlformats.org/presentationml/2006/main">
+  <p:cSld>
+    <p:spTree>
+      <p:nvGrpSpPr>
+        <p:cNvPr id="1" name=""/>
+        <p:cNvGrpSpPr/>
+        <p:nvPr/>
+      </p:nvGrpSpPr>
+      <p:grpSpPr>
+        <a:xfrm>
+          <a:off x="0" y="0"/>
+          <a:ext cx="0" cy="0"/>
+          <a:chOff x="0" y="0"/>
+          <a:chExt cx="0" cy="0"/>
+        </a:xfrm>
+      </p:grpSpPr>
+      <p:sp>
+        <p:nvSpPr>
+          <p:cNvPr id="2" name="标题 1"/>
+          <p:cNvSpPr>
+            <a:spLocks noGrp="1"/>
+          </p:cNvSpPr>
+          <p:nvPr>
+            <p:ph type="title"/>
+          </p:nvPr>
+        </p:nvSpPr>
+        <p:spPr>
+          <a:xfrm>
+            <a:off x="1057275" y="700088"/>
+            <a:ext cx="8993559" cy="971396"/>
+          </a:xfrm>
+        </p:spPr>
+        <p:txBody>
+          <a:bodyPr/>
+          <a:lstStyle/>
+          <a:p>
+            <a:r>
+              <a:rPr lang="en-US" altLang="zh-CN" dirty="0" smtClean="0">
+                <a:solidFill>
+                  <a:srgbClr val="FF0000"/>
+                </a:solidFill>
+              </a:rPr>
+              <a:t>Core Concepts</a:t>
+            </a:r>
+            <a:endParaRPr lang="zh-CN" altLang="en-US" dirty="0">
+              <a:solidFill>
+                <a:srgbClr val="FF0000"/>
+              </a:solidFill>
+            </a:endParaRPr>
+          </a:p>
+        </p:txBody>
+      </p:sp>
+      <p:sp>
+        <p:nvSpPr>
+          <p:cNvPr id="4" name="内容占位符 2"/>
+          <p:cNvSpPr txBox="1">
+            <a:spLocks/>
+          </p:cNvSpPr>
+          <p:nvPr/>
+        </p:nvSpPr>
+        <p:spPr>
+          <a:xfrm>
+            <a:off x="1140851" y="1830795"/>
+            <a:ext cx="10579202" cy="1197540"/>
+          </a:xfrm>
+          <a:prstGeom prst="rect">
+            <a:avLst/>
+          </a:prstGeom>
+        </p:spPr>
+        <p:txBody>
+          <a:bodyPr vert="horz" lIns="91440" tIns="45720" rIns="91440" bIns="45720" rtlCol="0">
+            <a:normAutofit/>
+          </a:bodyPr>
+          <a:lstStyle>
+            <a:lvl1pPr marL="342900" indent="-342900" algn="l" defTabSz="457200" rtl="0" eaLnBrk="1" latinLnBrk="0" hangingPunct="1">
+              <a:spcBef>
+                <a:spcPts val="1000"/>
+              </a:spcBef>
+              <a:spcAft>
+                <a:spcPts val="0"/>
+              </a:spcAft>
+              <a:buClr>
+                <a:schemeClr val="bg2">
+                  <a:lumMod val="40000"/>
+                  <a:lumOff val="60000"/>
+                </a:schemeClr>
+              </a:buClr>
+              <a:buSzPct val="80000"/>
+              <a:buFont typeface="Wingdings 3" charset="2"/>
+              <a:buChar char=""/>
+              <a:defRPr sz="2000" b="0" i="0" kern="1200">
+                <a:solidFill>
+                  <a:schemeClr val="tx1"/>
+                </a:solidFill>
+                <a:latin typeface="+mj-lt"/>
+                <a:ea typeface="+mj-ea"/>
+                <a:cs typeface="+mj-cs"/>
+              </a:defRPr>
+            </a:lvl1pPr>
+            <a:lvl2pPr marL="742950" indent="-285750" algn="l" defTabSz="457200" rtl="0" eaLnBrk="1" latinLnBrk="0" hangingPunct="1">
+              <a:spcBef>
+                <a:spcPts val="1000"/>
+              </a:spcBef>
+              <a:spcAft>
+                <a:spcPts val="0"/>
+              </a:spcAft>
+              <a:buClr>
+                <a:schemeClr val="bg2">
+                  <a:lumMod val="40000"/>
+                  <a:lumOff val="60000"/>
+                </a:schemeClr>
+              </a:buClr>
+              <a:buSzPct val="80000"/>
+              <a:buFont typeface="Wingdings 3" charset="2"/>
+              <a:buChar char=""/>
+              <a:defRPr sz="1800" b="0" i="0" kern="1200">
+                <a:solidFill>
+                  <a:schemeClr val="tx1"/>
+                </a:solidFill>
+                <a:latin typeface="+mj-lt"/>
+                <a:ea typeface="+mj-ea"/>
+                <a:cs typeface="+mj-cs"/>
+              </a:defRPr>
+            </a:lvl2pPr>
+            <a:lvl3pPr marL="1143000" indent="-228600" algn="l" defTabSz="457200" rtl="0" eaLnBrk="1" latinLnBrk="0" hangingPunct="1">
+              <a:spcBef>
+                <a:spcPts val="1000"/>
+              </a:spcBef>
+              <a:spcAft>
+                <a:spcPts val="0"/>
+              </a:spcAft>
+              <a:buClr>
+                <a:schemeClr val="bg2">
+                  <a:lumMod val="40000"/>
+                  <a:lumOff val="60000"/>
+                </a:schemeClr>
+              </a:buClr>
+              <a:buSzPct val="80000"/>
+              <a:buFont typeface="Wingdings 3" charset="2"/>
+              <a:buChar char=""/>
+              <a:defRPr sz="1600" b="0" i="0" kern="1200">
+                <a:solidFill>
+                  <a:schemeClr val="tx1"/>
+                </a:solidFill>
+                <a:latin typeface="+mj-lt"/>
+                <a:ea typeface="+mj-ea"/>
+                <a:cs typeface="+mj-cs"/>
+              </a:defRPr>
+            </a:lvl3pPr>
+            <a:lvl4pPr marL="1600200" indent="-228600" algn="l" defTabSz="457200" rtl="0" eaLnBrk="1" latinLnBrk="0" hangingPunct="1">
+              <a:spcBef>
+                <a:spcPts val="1000"/>
+              </a:spcBef>
+              <a:spcAft>
+                <a:spcPts val="0"/>
+              </a:spcAft>
+              <a:buClr>
+                <a:schemeClr val="bg2">
+                  <a:lumMod val="40000"/>
+                  <a:lumOff val="60000"/>
+                </a:schemeClr>
+              </a:buClr>
+              <a:buSzPct val="80000"/>
+              <a:buFont typeface="Wingdings 3" charset="2"/>
+              <a:buChar char=""/>
+              <a:defRPr sz="1400" b="0" i="0" kern="1200">
+                <a:solidFill>
+                  <a:schemeClr val="tx1"/>
+                </a:solidFill>
+                <a:latin typeface="+mj-lt"/>
+                <a:ea typeface="+mj-ea"/>
+                <a:cs typeface="+mj-cs"/>
+              </a:defRPr>
+            </a:lvl4pPr>
+            <a:lvl5pPr marL="2057400" indent="-228600" algn="l" defTabSz="457200" rtl="0" eaLnBrk="1" latinLnBrk="0" hangingPunct="1">
+              <a:spcBef>
+                <a:spcPts val="1000"/>
+              </a:spcBef>
+              <a:spcAft>
+                <a:spcPts val="0"/>
+              </a:spcAft>
+              <a:buClr>
+                <a:schemeClr val="bg2">
+                  <a:lumMod val="40000"/>
+                  <a:lumOff val="60000"/>
+                </a:schemeClr>
+              </a:buClr>
+              <a:buSzPct val="80000"/>
+              <a:buFont typeface="Wingdings 3" charset="2"/>
+              <a:buChar char=""/>
+              <a:defRPr sz="1400" b="0" i="0" kern="1200">
+                <a:solidFill>
+                  <a:schemeClr val="tx1"/>
+                </a:solidFill>
+                <a:latin typeface="+mj-lt"/>
+                <a:ea typeface="+mj-ea"/>
+                <a:cs typeface="+mj-cs"/>
+              </a:defRPr>
+            </a:lvl5pPr>
+            <a:lvl6pPr marL="2506000" indent="-228600" algn="l" defTabSz="457200" rtl="0" eaLnBrk="1" latinLnBrk="0" hangingPunct="1">
+              <a:spcBef>
+                <a:spcPts val="1000"/>
+              </a:spcBef>
+              <a:spcAft>
+                <a:spcPts val="0"/>
+              </a:spcAft>
+              <a:buClr>
+                <a:schemeClr val="bg2">
+                  <a:lumMod val="40000"/>
+                  <a:lumOff val="60000"/>
+                </a:schemeClr>
+              </a:buClr>
+              <a:buSzPct val="80000"/>
+              <a:buFont typeface="Wingdings 3" charset="2"/>
+              <a:buChar char=""/>
+              <a:defRPr sz="1400" b="0" i="0" kern="1200">
+                <a:solidFill>
+                  <a:schemeClr val="tx1"/>
+                </a:solidFill>
+                <a:latin typeface="+mj-lt"/>
+                <a:ea typeface="+mj-ea"/>
+                <a:cs typeface="+mj-cs"/>
+              </a:defRPr>
+            </a:lvl6pPr>
+            <a:lvl7pPr marL="2971800" indent="-228600" algn="l" defTabSz="457200" rtl="0" eaLnBrk="1" latinLnBrk="0" hangingPunct="1">
+              <a:spcBef>
+                <a:spcPts val="1000"/>
+              </a:spcBef>
+              <a:spcAft>
+                <a:spcPts val="0"/>
+              </a:spcAft>
+              <a:buClr>
+                <a:schemeClr val="bg2">
+                  <a:lumMod val="40000"/>
+                  <a:lumOff val="60000"/>
+                </a:schemeClr>
+              </a:buClr>
+              <a:buSzPct val="80000"/>
+              <a:buFont typeface="Wingdings 3" charset="2"/>
+              <a:buChar char=""/>
+              <a:defRPr sz="1400" b="0" i="0" kern="1200">
+                <a:solidFill>
+                  <a:schemeClr val="tx1"/>
+                </a:solidFill>
+                <a:latin typeface="+mj-lt"/>
+                <a:ea typeface="+mj-ea"/>
+                <a:cs typeface="+mj-cs"/>
+              </a:defRPr>
+            </a:lvl7pPr>
+            <a:lvl8pPr marL="3429000" indent="-228600" algn="l" defTabSz="457200" rtl="0" eaLnBrk="1" latinLnBrk="0" hangingPunct="1">
+              <a:spcBef>
+                <a:spcPts val="1000"/>
+              </a:spcBef>
+              <a:spcAft>
+                <a:spcPts val="0"/>
+              </a:spcAft>
+              <a:buClr>
+                <a:schemeClr val="bg2">
+                  <a:lumMod val="40000"/>
+                  <a:lumOff val="60000"/>
+                </a:schemeClr>
+              </a:buClr>
+              <a:buSzPct val="80000"/>
+              <a:buFont typeface="Wingdings 3" charset="2"/>
+              <a:buChar char=""/>
+              <a:defRPr sz="1400" b="0" i="0" kern="1200">
+                <a:solidFill>
+                  <a:schemeClr val="tx1"/>
+                </a:solidFill>
+                <a:latin typeface="+mj-lt"/>
+                <a:ea typeface="+mj-ea"/>
+                <a:cs typeface="+mj-cs"/>
+              </a:defRPr>
+            </a:lvl8pPr>
+            <a:lvl9pPr marL="3886200" indent="-228600" algn="l" defTabSz="457200" rtl="0" eaLnBrk="1" latinLnBrk="0" hangingPunct="1">
+              <a:spcBef>
+                <a:spcPts val="1000"/>
+              </a:spcBef>
+              <a:spcAft>
+                <a:spcPts val="0"/>
+              </a:spcAft>
+              <a:buClr>
+                <a:schemeClr val="bg2">
+                  <a:lumMod val="40000"/>
+                  <a:lumOff val="60000"/>
+                </a:schemeClr>
+              </a:buClr>
+              <a:buSzPct val="80000"/>
+              <a:buFont typeface="Wingdings 3" charset="2"/>
+              <a:buChar char=""/>
+              <a:defRPr sz="1400" b="0" i="0" kern="1200">
+                <a:solidFill>
+                  <a:schemeClr val="tx1"/>
+                </a:solidFill>
+                <a:latin typeface="+mj-lt"/>
+                <a:ea typeface="+mj-ea"/>
+                <a:cs typeface="+mj-cs"/>
+              </a:defRPr>
+            </a:lvl9pPr>
+          </a:lstStyle>
+          <a:p>
+            <a:pPr marL="0" indent="0">
+              <a:buNone/>
+            </a:pPr>
+            <a:r>
+              <a:rPr lang="en-US" sz="2400" dirty="0" smtClean="0"/>
+              <a:t>Store</a:t>
+            </a:r>
+          </a:p>
+          <a:p>
+            <a:pPr marL="0" indent="0">
+              <a:buNone/>
+            </a:pPr>
+            <a:r>
+              <a:rPr lang="en-US" dirty="0"/>
+              <a:t>Store </a:t>
+            </a:r>
+            <a:r>
+              <a:rPr lang="zh-CN" altLang="en-US" dirty="0"/>
+              <a:t>就是保</a:t>
+            </a:r>
+            <a:r>
+              <a:rPr lang="zh-CN" altLang="en-US" dirty="0" smtClean="0"/>
+              <a:t>存状态的</a:t>
+            </a:r>
+            <a:r>
+              <a:rPr lang="zh-CN" altLang="en-US" dirty="0"/>
+              <a:t>地方，你可以把它看成一个容器。</a:t>
+            </a:r>
+            <a:r>
+              <a:rPr lang="zh-CN" altLang="en-US" b="1" dirty="0"/>
+              <a:t>整个应用只能有一个 </a:t>
+            </a:r>
+            <a:r>
+              <a:rPr lang="en-US" b="1" dirty="0"/>
+              <a:t>Store。</a:t>
+            </a:r>
+            <a:endParaRPr lang="en-US" dirty="0"/>
+          </a:p>
+        </p:txBody>
+      </p:sp>
+      <p:sp>
+        <p:nvSpPr>
+          <p:cNvPr id="7" name="内容占位符 2"/>
+          <p:cNvSpPr txBox="1">
+            <a:spLocks/>
+          </p:cNvSpPr>
+          <p:nvPr/>
+        </p:nvSpPr>
+        <p:spPr>
+          <a:xfrm>
+            <a:off x="1140851" y="2983955"/>
+            <a:ext cx="10579202" cy="1175087"/>
+          </a:xfrm>
+          <a:prstGeom prst="rect">
+            <a:avLst/>
+          </a:prstGeom>
+        </p:spPr>
+        <p:txBody>
+          <a:bodyPr vert="horz" lIns="91440" tIns="45720" rIns="91440" bIns="45720" rtlCol="0">
+            <a:normAutofit lnSpcReduction="10000"/>
+          </a:bodyPr>
+          <a:lstStyle>
+            <a:lvl1pPr marL="342900" indent="-342900" algn="l" defTabSz="457200" rtl="0" eaLnBrk="1" latinLnBrk="0" hangingPunct="1">
+              <a:spcBef>
+                <a:spcPts val="1000"/>
+              </a:spcBef>
+              <a:spcAft>
+                <a:spcPts val="0"/>
+              </a:spcAft>
+              <a:buClr>
+                <a:schemeClr val="bg2">
+                  <a:lumMod val="40000"/>
+                  <a:lumOff val="60000"/>
+                </a:schemeClr>
+              </a:buClr>
+              <a:buSzPct val="80000"/>
+              <a:buFont typeface="Wingdings 3" charset="2"/>
+              <a:buChar char=""/>
+              <a:defRPr sz="2000" b="0" i="0" kern="1200">
+                <a:solidFill>
+                  <a:schemeClr val="tx1"/>
+                </a:solidFill>
+                <a:latin typeface="+mj-lt"/>
+                <a:ea typeface="+mj-ea"/>
+                <a:cs typeface="+mj-cs"/>
+              </a:defRPr>
+            </a:lvl1pPr>
+            <a:lvl2pPr marL="742950" indent="-285750" algn="l" defTabSz="457200" rtl="0" eaLnBrk="1" latinLnBrk="0" hangingPunct="1">
+              <a:spcBef>
+                <a:spcPts val="1000"/>
+              </a:spcBef>
+              <a:spcAft>
+                <a:spcPts val="0"/>
+              </a:spcAft>
+              <a:buClr>
+                <a:schemeClr val="bg2">
+                  <a:lumMod val="40000"/>
+                  <a:lumOff val="60000"/>
+                </a:schemeClr>
+              </a:buClr>
+              <a:buSzPct val="80000"/>
+              <a:buFont typeface="Wingdings 3" charset="2"/>
+              <a:buChar char=""/>
+              <a:defRPr sz="1800" b="0" i="0" kern="1200">
+                <a:solidFill>
+                  <a:schemeClr val="tx1"/>
+                </a:solidFill>
+                <a:latin typeface="+mj-lt"/>
+                <a:ea typeface="+mj-ea"/>
+                <a:cs typeface="+mj-cs"/>
+              </a:defRPr>
+            </a:lvl2pPr>
+            <a:lvl3pPr marL="1143000" indent="-228600" algn="l" defTabSz="457200" rtl="0" eaLnBrk="1" latinLnBrk="0" hangingPunct="1">
+              <a:spcBef>
+                <a:spcPts val="1000"/>
+              </a:spcBef>
+              <a:spcAft>
+                <a:spcPts val="0"/>
+              </a:spcAft>
+              <a:buClr>
+                <a:schemeClr val="bg2">
+                  <a:lumMod val="40000"/>
+                  <a:lumOff val="60000"/>
+                </a:schemeClr>
+              </a:buClr>
+              <a:buSzPct val="80000"/>
+              <a:buFont typeface="Wingdings 3" charset="2"/>
+              <a:buChar char=""/>
+              <a:defRPr sz="1600" b="0" i="0" kern="1200">
+                <a:solidFill>
+                  <a:schemeClr val="tx1"/>
+                </a:solidFill>
+                <a:latin typeface="+mj-lt"/>
+                <a:ea typeface="+mj-ea"/>
+                <a:cs typeface="+mj-cs"/>
+              </a:defRPr>
+            </a:lvl3pPr>
+            <a:lvl4pPr marL="1600200" indent="-228600" algn="l" defTabSz="457200" rtl="0" eaLnBrk="1" latinLnBrk="0" hangingPunct="1">
+              <a:spcBef>
+                <a:spcPts val="1000"/>
+              </a:spcBef>
+              <a:spcAft>
+                <a:spcPts val="0"/>
+              </a:spcAft>
+              <a:buClr>
+                <a:schemeClr val="bg2">
+                  <a:lumMod val="40000"/>
+                  <a:lumOff val="60000"/>
+                </a:schemeClr>
+              </a:buClr>
+              <a:buSzPct val="80000"/>
+              <a:buFont typeface="Wingdings 3" charset="2"/>
+              <a:buChar char=""/>
+              <a:defRPr sz="1400" b="0" i="0" kern="1200">
+                <a:solidFill>
+                  <a:schemeClr val="tx1"/>
+                </a:solidFill>
+                <a:latin typeface="+mj-lt"/>
+                <a:ea typeface="+mj-ea"/>
+                <a:cs typeface="+mj-cs"/>
+              </a:defRPr>
+            </a:lvl4pPr>
+            <a:lvl5pPr marL="2057400" indent="-228600" algn="l" defTabSz="457200" rtl="0" eaLnBrk="1" latinLnBrk="0" hangingPunct="1">
+              <a:spcBef>
+                <a:spcPts val="1000"/>
+              </a:spcBef>
+              <a:spcAft>
+                <a:spcPts val="0"/>
+              </a:spcAft>
+              <a:buClr>
+                <a:schemeClr val="bg2">
+                  <a:lumMod val="40000"/>
+                  <a:lumOff val="60000"/>
+                </a:schemeClr>
+              </a:buClr>
+              <a:buSzPct val="80000"/>
+              <a:buFont typeface="Wingdings 3" charset="2"/>
+              <a:buChar char=""/>
+              <a:defRPr sz="1400" b="0" i="0" kern="1200">
+                <a:solidFill>
+                  <a:schemeClr val="tx1"/>
+                </a:solidFill>
+                <a:latin typeface="+mj-lt"/>
+                <a:ea typeface="+mj-ea"/>
+                <a:cs typeface="+mj-cs"/>
+              </a:defRPr>
+            </a:lvl5pPr>
+            <a:lvl6pPr marL="2506000" indent="-228600" algn="l" defTabSz="457200" rtl="0" eaLnBrk="1" latinLnBrk="0" hangingPunct="1">
+              <a:spcBef>
+                <a:spcPts val="1000"/>
+              </a:spcBef>
+              <a:spcAft>
+                <a:spcPts val="0"/>
+              </a:spcAft>
+              <a:buClr>
+                <a:schemeClr val="bg2">
+                  <a:lumMod val="40000"/>
+                  <a:lumOff val="60000"/>
+                </a:schemeClr>
+              </a:buClr>
+              <a:buSzPct val="80000"/>
+              <a:buFont typeface="Wingdings 3" charset="2"/>
+              <a:buChar char=""/>
+              <a:defRPr sz="1400" b="0" i="0" kern="1200">
+                <a:solidFill>
+                  <a:schemeClr val="tx1"/>
+                </a:solidFill>
+                <a:latin typeface="+mj-lt"/>
+                <a:ea typeface="+mj-ea"/>
+                <a:cs typeface="+mj-cs"/>
+              </a:defRPr>
+            </a:lvl6pPr>
+            <a:lvl7pPr marL="2971800" indent="-228600" algn="l" defTabSz="457200" rtl="0" eaLnBrk="1" latinLnBrk="0" hangingPunct="1">
+              <a:spcBef>
+                <a:spcPts val="1000"/>
+              </a:spcBef>
+              <a:spcAft>
+                <a:spcPts val="0"/>
+              </a:spcAft>
+              <a:buClr>
+                <a:schemeClr val="bg2">
+                  <a:lumMod val="40000"/>
+                  <a:lumOff val="60000"/>
+                </a:schemeClr>
+              </a:buClr>
+              <a:buSzPct val="80000"/>
+              <a:buFont typeface="Wingdings 3" charset="2"/>
+              <a:buChar char=""/>
+              <a:defRPr sz="1400" b="0" i="0" kern="1200">
+                <a:solidFill>
+                  <a:schemeClr val="tx1"/>
+                </a:solidFill>
+                <a:latin typeface="+mj-lt"/>
+                <a:ea typeface="+mj-ea"/>
+                <a:cs typeface="+mj-cs"/>
+              </a:defRPr>
+            </a:lvl7pPr>
+            <a:lvl8pPr marL="3429000" indent="-228600" algn="l" defTabSz="457200" rtl="0" eaLnBrk="1" latinLnBrk="0" hangingPunct="1">
+              <a:spcBef>
+                <a:spcPts val="1000"/>
+              </a:spcBef>
+              <a:spcAft>
+                <a:spcPts val="0"/>
+              </a:spcAft>
+              <a:buClr>
+                <a:schemeClr val="bg2">
+                  <a:lumMod val="40000"/>
+                  <a:lumOff val="60000"/>
+                </a:schemeClr>
+              </a:buClr>
+              <a:buSzPct val="80000"/>
+              <a:buFont typeface="Wingdings 3" charset="2"/>
+              <a:buChar char=""/>
+              <a:defRPr sz="1400" b="0" i="0" kern="1200">
+                <a:solidFill>
+                  <a:schemeClr val="tx1"/>
+                </a:solidFill>
+                <a:latin typeface="+mj-lt"/>
+                <a:ea typeface="+mj-ea"/>
+                <a:cs typeface="+mj-cs"/>
+              </a:defRPr>
+            </a:lvl8pPr>
+            <a:lvl9pPr marL="3886200" indent="-228600" algn="l" defTabSz="457200" rtl="0" eaLnBrk="1" latinLnBrk="0" hangingPunct="1">
+              <a:spcBef>
+                <a:spcPts val="1000"/>
+              </a:spcBef>
+              <a:spcAft>
+                <a:spcPts val="0"/>
+              </a:spcAft>
+              <a:buClr>
+                <a:schemeClr val="bg2">
+                  <a:lumMod val="40000"/>
+                  <a:lumOff val="60000"/>
+                </a:schemeClr>
+              </a:buClr>
+              <a:buSzPct val="80000"/>
+              <a:buFont typeface="Wingdings 3" charset="2"/>
+              <a:buChar char=""/>
+              <a:defRPr sz="1400" b="0" i="0" kern="1200">
+                <a:solidFill>
+                  <a:schemeClr val="tx1"/>
+                </a:solidFill>
+                <a:latin typeface="+mj-lt"/>
+                <a:ea typeface="+mj-ea"/>
+                <a:cs typeface="+mj-cs"/>
+              </a:defRPr>
+            </a:lvl9pPr>
+          </a:lstStyle>
+          <a:p>
+            <a:pPr marL="0" indent="0">
+              <a:buNone/>
+            </a:pPr>
+            <a:r>
+              <a:rPr lang="en-US" sz="2400" dirty="0" smtClean="0"/>
+              <a:t>Action</a:t>
+            </a:r>
+            <a:endParaRPr lang="en-US" sz="2400" dirty="0"/>
+          </a:p>
+          <a:p>
+            <a:pPr marL="0" indent="0">
+              <a:buNone/>
+            </a:pPr>
+            <a:r>
+              <a:rPr lang="en-US" dirty="0"/>
+              <a:t>Action </a:t>
+            </a:r>
+            <a:r>
+              <a:rPr lang="zh-CN" altLang="en-US" dirty="0"/>
+              <a:t>描述当前发生的事情。改变 </a:t>
+            </a:r>
+            <a:r>
+              <a:rPr lang="en-US" dirty="0"/>
+              <a:t>State </a:t>
+            </a:r>
+            <a:r>
+              <a:rPr lang="zh-CN" altLang="en-US" dirty="0"/>
+              <a:t>的唯一办法，就是使用 </a:t>
+            </a:r>
+            <a:r>
+              <a:rPr lang="en-US" dirty="0"/>
+              <a:t>Action。</a:t>
+            </a:r>
+            <a:r>
+              <a:rPr lang="zh-CN" altLang="en-US" dirty="0"/>
+              <a:t>它会运送数据到 </a:t>
+            </a:r>
+            <a:r>
+              <a:rPr lang="en-US" dirty="0"/>
+              <a:t>Store。</a:t>
+            </a:r>
+          </a:p>
+        </p:txBody>
+      </p:sp>
+      <p:sp>
+        <p:nvSpPr>
+          <p:cNvPr id="8" name="内容占位符 2"/>
+          <p:cNvSpPr txBox="1">
+            <a:spLocks/>
+          </p:cNvSpPr>
+          <p:nvPr/>
+        </p:nvSpPr>
+        <p:spPr>
+          <a:xfrm>
+            <a:off x="1140851" y="4181495"/>
+            <a:ext cx="10579202" cy="1108254"/>
+          </a:xfrm>
+          <a:prstGeom prst="rect">
+            <a:avLst/>
+          </a:prstGeom>
+        </p:spPr>
+        <p:txBody>
+          <a:bodyPr vert="horz" lIns="91440" tIns="45720" rIns="91440" bIns="45720" rtlCol="0">
+            <a:normAutofit/>
+          </a:bodyPr>
+          <a:lstStyle>
+            <a:lvl1pPr marL="342900" indent="-342900" algn="l" defTabSz="457200" rtl="0" eaLnBrk="1" latinLnBrk="0" hangingPunct="1">
+              <a:spcBef>
+                <a:spcPts val="1000"/>
+              </a:spcBef>
+              <a:spcAft>
+                <a:spcPts val="0"/>
+              </a:spcAft>
+              <a:buClr>
+                <a:schemeClr val="bg2">
+                  <a:lumMod val="40000"/>
+                  <a:lumOff val="60000"/>
+                </a:schemeClr>
+              </a:buClr>
+              <a:buSzPct val="80000"/>
+              <a:buFont typeface="Wingdings 3" charset="2"/>
+              <a:buChar char=""/>
+              <a:defRPr sz="2000" b="0" i="0" kern="1200">
+                <a:solidFill>
+                  <a:schemeClr val="tx1"/>
+                </a:solidFill>
+                <a:latin typeface="+mj-lt"/>
+                <a:ea typeface="+mj-ea"/>
+                <a:cs typeface="+mj-cs"/>
+              </a:defRPr>
+            </a:lvl1pPr>
+            <a:lvl2pPr marL="742950" indent="-285750" algn="l" defTabSz="457200" rtl="0" eaLnBrk="1" latinLnBrk="0" hangingPunct="1">
+              <a:spcBef>
+                <a:spcPts val="1000"/>
+              </a:spcBef>
+              <a:spcAft>
+                <a:spcPts val="0"/>
+              </a:spcAft>
+              <a:buClr>
+                <a:schemeClr val="bg2">
+                  <a:lumMod val="40000"/>
+                  <a:lumOff val="60000"/>
+                </a:schemeClr>
+              </a:buClr>
+              <a:buSzPct val="80000"/>
+              <a:buFont typeface="Wingdings 3" charset="2"/>
+              <a:buChar char=""/>
+              <a:defRPr sz="1800" b="0" i="0" kern="1200">
+                <a:solidFill>
+                  <a:schemeClr val="tx1"/>
+                </a:solidFill>
+                <a:latin typeface="+mj-lt"/>
+                <a:ea typeface="+mj-ea"/>
+                <a:cs typeface="+mj-cs"/>
+              </a:defRPr>
+            </a:lvl2pPr>
+            <a:lvl3pPr marL="1143000" indent="-228600" algn="l" defTabSz="457200" rtl="0" eaLnBrk="1" latinLnBrk="0" hangingPunct="1">
+              <a:spcBef>
+                <a:spcPts val="1000"/>
+              </a:spcBef>
+              <a:spcAft>
+                <a:spcPts val="0"/>
+              </a:spcAft>
+              <a:buClr>
+                <a:schemeClr val="bg2">
+                  <a:lumMod val="40000"/>
+                  <a:lumOff val="60000"/>
+                </a:schemeClr>
+              </a:buClr>
+              <a:buSzPct val="80000"/>
+              <a:buFont typeface="Wingdings 3" charset="2"/>
+              <a:buChar char=""/>
+              <a:defRPr sz="1600" b="0" i="0" kern="1200">
+                <a:solidFill>
+                  <a:schemeClr val="tx1"/>
+                </a:solidFill>
+                <a:latin typeface="+mj-lt"/>
+                <a:ea typeface="+mj-ea"/>
+                <a:cs typeface="+mj-cs"/>
+              </a:defRPr>
+            </a:lvl3pPr>
+            <a:lvl4pPr marL="1600200" indent="-228600" algn="l" defTabSz="457200" rtl="0" eaLnBrk="1" latinLnBrk="0" hangingPunct="1">
+              <a:spcBef>
+                <a:spcPts val="1000"/>
+              </a:spcBef>
+              <a:spcAft>
+                <a:spcPts val="0"/>
+              </a:spcAft>
+              <a:buClr>
+                <a:schemeClr val="bg2">
+                  <a:lumMod val="40000"/>
+                  <a:lumOff val="60000"/>
+                </a:schemeClr>
+              </a:buClr>
+              <a:buSzPct val="80000"/>
+              <a:buFont typeface="Wingdings 3" charset="2"/>
+              <a:buChar char=""/>
+              <a:defRPr sz="1400" b="0" i="0" kern="1200">
+                <a:solidFill>
+                  <a:schemeClr val="tx1"/>
+                </a:solidFill>
+                <a:latin typeface="+mj-lt"/>
+                <a:ea typeface="+mj-ea"/>
+                <a:cs typeface="+mj-cs"/>
+              </a:defRPr>
+            </a:lvl4pPr>
+            <a:lvl5pPr marL="2057400" indent="-228600" algn="l" defTabSz="457200" rtl="0" eaLnBrk="1" latinLnBrk="0" hangingPunct="1">
+              <a:spcBef>
+                <a:spcPts val="1000"/>
+              </a:spcBef>
+              <a:spcAft>
+                <a:spcPts val="0"/>
+              </a:spcAft>
+              <a:buClr>
+                <a:schemeClr val="bg2">
+                  <a:lumMod val="40000"/>
+                  <a:lumOff val="60000"/>
+                </a:schemeClr>
+              </a:buClr>
+              <a:buSzPct val="80000"/>
+              <a:buFont typeface="Wingdings 3" charset="2"/>
+              <a:buChar char=""/>
+              <a:defRPr sz="1400" b="0" i="0" kern="1200">
+                <a:solidFill>
+                  <a:schemeClr val="tx1"/>
+                </a:solidFill>
+                <a:latin typeface="+mj-lt"/>
+                <a:ea typeface="+mj-ea"/>
+                <a:cs typeface="+mj-cs"/>
+              </a:defRPr>
+            </a:lvl5pPr>
+            <a:lvl6pPr marL="2506000" indent="-228600" algn="l" defTabSz="457200" rtl="0" eaLnBrk="1" latinLnBrk="0" hangingPunct="1">
+              <a:spcBef>
+                <a:spcPts val="1000"/>
+              </a:spcBef>
+              <a:spcAft>
+                <a:spcPts val="0"/>
+              </a:spcAft>
+              <a:buClr>
+                <a:schemeClr val="bg2">
+                  <a:lumMod val="40000"/>
+                  <a:lumOff val="60000"/>
+                </a:schemeClr>
+              </a:buClr>
+              <a:buSzPct val="80000"/>
+              <a:buFont typeface="Wingdings 3" charset="2"/>
+              <a:buChar char=""/>
+              <a:defRPr sz="1400" b="0" i="0" kern="1200">
+                <a:solidFill>
+                  <a:schemeClr val="tx1"/>
+                </a:solidFill>
+                <a:latin typeface="+mj-lt"/>
+                <a:ea typeface="+mj-ea"/>
+                <a:cs typeface="+mj-cs"/>
+              </a:defRPr>
+            </a:lvl6pPr>
+            <a:lvl7pPr marL="2971800" indent="-228600" algn="l" defTabSz="457200" rtl="0" eaLnBrk="1" latinLnBrk="0" hangingPunct="1">
+              <a:spcBef>
+                <a:spcPts val="1000"/>
+              </a:spcBef>
+              <a:spcAft>
+                <a:spcPts val="0"/>
+              </a:spcAft>
+              <a:buClr>
+                <a:schemeClr val="bg2">
+                  <a:lumMod val="40000"/>
+                  <a:lumOff val="60000"/>
+                </a:schemeClr>
+              </a:buClr>
+              <a:buSzPct val="80000"/>
+              <a:buFont typeface="Wingdings 3" charset="2"/>
+              <a:buChar char=""/>
+              <a:defRPr sz="1400" b="0" i="0" kern="1200">
+                <a:solidFill>
+                  <a:schemeClr val="tx1"/>
+                </a:solidFill>
+                <a:latin typeface="+mj-lt"/>
+                <a:ea typeface="+mj-ea"/>
+                <a:cs typeface="+mj-cs"/>
+              </a:defRPr>
+            </a:lvl7pPr>
+            <a:lvl8pPr marL="3429000" indent="-228600" algn="l" defTabSz="457200" rtl="0" eaLnBrk="1" latinLnBrk="0" hangingPunct="1">
+              <a:spcBef>
+                <a:spcPts val="1000"/>
+              </a:spcBef>
+              <a:spcAft>
+                <a:spcPts val="0"/>
+              </a:spcAft>
+              <a:buClr>
+                <a:schemeClr val="bg2">
+                  <a:lumMod val="40000"/>
+                  <a:lumOff val="60000"/>
+                </a:schemeClr>
+              </a:buClr>
+              <a:buSzPct val="80000"/>
+              <a:buFont typeface="Wingdings 3" charset="2"/>
+              <a:buChar char=""/>
+              <a:defRPr sz="1400" b="0" i="0" kern="1200">
+                <a:solidFill>
+                  <a:schemeClr val="tx1"/>
+                </a:solidFill>
+                <a:latin typeface="+mj-lt"/>
+                <a:ea typeface="+mj-ea"/>
+                <a:cs typeface="+mj-cs"/>
+              </a:defRPr>
+            </a:lvl8pPr>
+            <a:lvl9pPr marL="3886200" indent="-228600" algn="l" defTabSz="457200" rtl="0" eaLnBrk="1" latinLnBrk="0" hangingPunct="1">
+              <a:spcBef>
+                <a:spcPts val="1000"/>
+              </a:spcBef>
+              <a:spcAft>
+                <a:spcPts val="0"/>
+              </a:spcAft>
+              <a:buClr>
+                <a:schemeClr val="bg2">
+                  <a:lumMod val="40000"/>
+                  <a:lumOff val="60000"/>
+                </a:schemeClr>
+              </a:buClr>
+              <a:buSzPct val="80000"/>
+              <a:buFont typeface="Wingdings 3" charset="2"/>
+              <a:buChar char=""/>
+              <a:defRPr sz="1400" b="0" i="0" kern="1200">
+                <a:solidFill>
+                  <a:schemeClr val="tx1"/>
+                </a:solidFill>
+                <a:latin typeface="+mj-lt"/>
+                <a:ea typeface="+mj-ea"/>
+                <a:cs typeface="+mj-cs"/>
+              </a:defRPr>
+            </a:lvl9pPr>
+          </a:lstStyle>
+          <a:p>
+            <a:pPr marL="0" indent="0">
+              <a:buNone/>
+            </a:pPr>
+            <a:r>
+              <a:rPr lang="en-US" sz="2400" dirty="0" smtClean="0"/>
+              <a:t>State</a:t>
+            </a:r>
+          </a:p>
+          <a:p>
+            <a:pPr marL="0" indent="0">
+              <a:buNone/>
+            </a:pPr>
+            <a:r>
+              <a:rPr lang="zh-CN" altLang="en-US" dirty="0"/>
+              <a:t>表</a:t>
+            </a:r>
+            <a:r>
+              <a:rPr lang="zh-CN" altLang="en-US" dirty="0" smtClean="0"/>
+              <a:t>示应用的</a:t>
+            </a:r>
+            <a:r>
+              <a:rPr lang="zh-CN" altLang="en-US" dirty="0"/>
+              <a:t>状态</a:t>
+            </a:r>
+            <a:r>
+              <a:rPr lang="zh-CN" altLang="en-US" dirty="0" smtClean="0"/>
+              <a:t>实体，纯</a:t>
+            </a:r>
+            <a:r>
+              <a:rPr lang="en-US" altLang="zh-CN" dirty="0" smtClean="0"/>
+              <a:t>JS</a:t>
+            </a:r>
+            <a:r>
+              <a:rPr lang="zh-CN" altLang="en-US" dirty="0" smtClean="0"/>
+              <a:t>对象。</a:t>
+            </a:r>
+            <a:endParaRPr lang="en-US" dirty="0"/>
+          </a:p>
+        </p:txBody>
+      </p:sp>
+      <p:sp>
+        <p:nvSpPr>
+          <p:cNvPr id="9" name="内容占位符 2"/>
+          <p:cNvSpPr txBox="1">
+            <a:spLocks/>
+          </p:cNvSpPr>
+          <p:nvPr/>
+        </p:nvSpPr>
+        <p:spPr>
+          <a:xfrm>
+            <a:off x="1140851" y="5312202"/>
+            <a:ext cx="10579202" cy="1108254"/>
+          </a:xfrm>
+          <a:prstGeom prst="rect">
+            <a:avLst/>
+          </a:prstGeom>
+        </p:spPr>
+        <p:txBody>
+          <a:bodyPr vert="horz" lIns="91440" tIns="45720" rIns="91440" bIns="45720" rtlCol="0">
+            <a:normAutofit/>
+          </a:bodyPr>
+          <a:lstStyle>
+            <a:lvl1pPr marL="342900" indent="-342900" algn="l" defTabSz="457200" rtl="0" eaLnBrk="1" latinLnBrk="0" hangingPunct="1">
+              <a:spcBef>
+                <a:spcPts val="1000"/>
+              </a:spcBef>
+              <a:spcAft>
+                <a:spcPts val="0"/>
+              </a:spcAft>
+              <a:buClr>
+                <a:schemeClr val="bg2">
+                  <a:lumMod val="40000"/>
+                  <a:lumOff val="60000"/>
+                </a:schemeClr>
+              </a:buClr>
+              <a:buSzPct val="80000"/>
+              <a:buFont typeface="Wingdings 3" charset="2"/>
+              <a:buChar char=""/>
+              <a:defRPr sz="2000" b="0" i="0" kern="1200">
+                <a:solidFill>
+                  <a:schemeClr val="tx1"/>
+                </a:solidFill>
+                <a:latin typeface="+mj-lt"/>
+                <a:ea typeface="+mj-ea"/>
+                <a:cs typeface="+mj-cs"/>
+              </a:defRPr>
+            </a:lvl1pPr>
+            <a:lvl2pPr marL="742950" indent="-285750" algn="l" defTabSz="457200" rtl="0" eaLnBrk="1" latinLnBrk="0" hangingPunct="1">
+              <a:spcBef>
+                <a:spcPts val="1000"/>
+              </a:spcBef>
+              <a:spcAft>
+                <a:spcPts val="0"/>
+              </a:spcAft>
+              <a:buClr>
+                <a:schemeClr val="bg2">
+                  <a:lumMod val="40000"/>
+                  <a:lumOff val="60000"/>
+                </a:schemeClr>
+              </a:buClr>
+              <a:buSzPct val="80000"/>
+              <a:buFont typeface="Wingdings 3" charset="2"/>
+              <a:buChar char=""/>
+              <a:defRPr sz="1800" b="0" i="0" kern="1200">
+                <a:solidFill>
+                  <a:schemeClr val="tx1"/>
+                </a:solidFill>
+                <a:latin typeface="+mj-lt"/>
+                <a:ea typeface="+mj-ea"/>
+                <a:cs typeface="+mj-cs"/>
+              </a:defRPr>
+            </a:lvl2pPr>
+            <a:lvl3pPr marL="1143000" indent="-228600" algn="l" defTabSz="457200" rtl="0" eaLnBrk="1" latinLnBrk="0" hangingPunct="1">
+              <a:spcBef>
+                <a:spcPts val="1000"/>
+              </a:spcBef>
+              <a:spcAft>
+                <a:spcPts val="0"/>
+              </a:spcAft>
+              <a:buClr>
+                <a:schemeClr val="bg2">
+                  <a:lumMod val="40000"/>
+                  <a:lumOff val="60000"/>
+                </a:schemeClr>
+              </a:buClr>
+              <a:buSzPct val="80000"/>
+              <a:buFont typeface="Wingdings 3" charset="2"/>
+              <a:buChar char=""/>
+              <a:defRPr sz="1600" b="0" i="0" kern="1200">
+                <a:solidFill>
+                  <a:schemeClr val="tx1"/>
+                </a:solidFill>
+                <a:latin typeface="+mj-lt"/>
+                <a:ea typeface="+mj-ea"/>
+                <a:cs typeface="+mj-cs"/>
+              </a:defRPr>
+            </a:lvl3pPr>
+            <a:lvl4pPr marL="1600200" indent="-228600" algn="l" defTabSz="457200" rtl="0" eaLnBrk="1" latinLnBrk="0" hangingPunct="1">
+              <a:spcBef>
+                <a:spcPts val="1000"/>
+              </a:spcBef>
+              <a:spcAft>
+                <a:spcPts val="0"/>
+              </a:spcAft>
+              <a:buClr>
+                <a:schemeClr val="bg2">
+                  <a:lumMod val="40000"/>
+                  <a:lumOff val="60000"/>
+                </a:schemeClr>
+              </a:buClr>
+              <a:buSzPct val="80000"/>
+              <a:buFont typeface="Wingdings 3" charset="2"/>
+              <a:buChar char=""/>
+              <a:defRPr sz="1400" b="0" i="0" kern="1200">
+                <a:solidFill>
+                  <a:schemeClr val="tx1"/>
+                </a:solidFill>
+                <a:latin typeface="+mj-lt"/>
+                <a:ea typeface="+mj-ea"/>
+                <a:cs typeface="+mj-cs"/>
+              </a:defRPr>
+            </a:lvl4pPr>
+            <a:lvl5pPr marL="2057400" indent="-228600" algn="l" defTabSz="457200" rtl="0" eaLnBrk="1" latinLnBrk="0" hangingPunct="1">
+              <a:spcBef>
+                <a:spcPts val="1000"/>
+              </a:spcBef>
+              <a:spcAft>
+                <a:spcPts val="0"/>
+              </a:spcAft>
+              <a:buClr>
+                <a:schemeClr val="bg2">
+                  <a:lumMod val="40000"/>
+                  <a:lumOff val="60000"/>
+                </a:schemeClr>
+              </a:buClr>
+              <a:buSzPct val="80000"/>
+              <a:buFont typeface="Wingdings 3" charset="2"/>
+              <a:buChar char=""/>
+              <a:defRPr sz="1400" b="0" i="0" kern="1200">
+                <a:solidFill>
+                  <a:schemeClr val="tx1"/>
+                </a:solidFill>
+                <a:latin typeface="+mj-lt"/>
+                <a:ea typeface="+mj-ea"/>
+                <a:cs typeface="+mj-cs"/>
+              </a:defRPr>
+            </a:lvl5pPr>
+            <a:lvl6pPr marL="2506000" indent="-228600" algn="l" defTabSz="457200" rtl="0" eaLnBrk="1" latinLnBrk="0" hangingPunct="1">
+              <a:spcBef>
+                <a:spcPts val="1000"/>
+              </a:spcBef>
+              <a:spcAft>
+                <a:spcPts val="0"/>
+              </a:spcAft>
+              <a:buClr>
+                <a:schemeClr val="bg2">
+                  <a:lumMod val="40000"/>
+                  <a:lumOff val="60000"/>
+                </a:schemeClr>
+              </a:buClr>
+              <a:buSzPct val="80000"/>
+              <a:buFont typeface="Wingdings 3" charset="2"/>
+              <a:buChar char=""/>
+              <a:defRPr sz="1400" b="0" i="0" kern="1200">
+                <a:solidFill>
+                  <a:schemeClr val="tx1"/>
+                </a:solidFill>
+                <a:latin typeface="+mj-lt"/>
+                <a:ea typeface="+mj-ea"/>
+                <a:cs typeface="+mj-cs"/>
+              </a:defRPr>
+            </a:lvl6pPr>
+            <a:lvl7pPr marL="2971800" indent="-228600" algn="l" defTabSz="457200" rtl="0" eaLnBrk="1" latinLnBrk="0" hangingPunct="1">
+              <a:spcBef>
+                <a:spcPts val="1000"/>
+              </a:spcBef>
+              <a:spcAft>
+                <a:spcPts val="0"/>
+              </a:spcAft>
+              <a:buClr>
+                <a:schemeClr val="bg2">
+                  <a:lumMod val="40000"/>
+                  <a:lumOff val="60000"/>
+                </a:schemeClr>
+              </a:buClr>
+              <a:buSzPct val="80000"/>
+              <a:buFont typeface="Wingdings 3" charset="2"/>
+              <a:buChar char=""/>
+              <a:defRPr sz="1400" b="0" i="0" kern="1200">
+                <a:solidFill>
+                  <a:schemeClr val="tx1"/>
+                </a:solidFill>
+                <a:latin typeface="+mj-lt"/>
+                <a:ea typeface="+mj-ea"/>
+                <a:cs typeface="+mj-cs"/>
+              </a:defRPr>
+            </a:lvl7pPr>
+            <a:lvl8pPr marL="3429000" indent="-228600" algn="l" defTabSz="457200" rtl="0" eaLnBrk="1" latinLnBrk="0" hangingPunct="1">
+              <a:spcBef>
+                <a:spcPts val="1000"/>
+              </a:spcBef>
+              <a:spcAft>
+                <a:spcPts val="0"/>
+              </a:spcAft>
+              <a:buClr>
+                <a:schemeClr val="bg2">
+                  <a:lumMod val="40000"/>
+                  <a:lumOff val="60000"/>
+                </a:schemeClr>
+              </a:buClr>
+              <a:buSzPct val="80000"/>
+              <a:buFont typeface="Wingdings 3" charset="2"/>
+              <a:buChar char=""/>
+              <a:defRPr sz="1400" b="0" i="0" kern="1200">
+                <a:solidFill>
+                  <a:schemeClr val="tx1"/>
+                </a:solidFill>
+                <a:latin typeface="+mj-lt"/>
+                <a:ea typeface="+mj-ea"/>
+                <a:cs typeface="+mj-cs"/>
+              </a:defRPr>
+            </a:lvl8pPr>
+            <a:lvl9pPr marL="3886200" indent="-228600" algn="l" defTabSz="457200" rtl="0" eaLnBrk="1" latinLnBrk="0" hangingPunct="1">
+              <a:spcBef>
+                <a:spcPts val="1000"/>
+              </a:spcBef>
+              <a:spcAft>
+                <a:spcPts val="0"/>
+              </a:spcAft>
+              <a:buClr>
+                <a:schemeClr val="bg2">
+                  <a:lumMod val="40000"/>
+                  <a:lumOff val="60000"/>
+                </a:schemeClr>
+              </a:buClr>
+              <a:buSzPct val="80000"/>
+              <a:buFont typeface="Wingdings 3" charset="2"/>
+              <a:buChar char=""/>
+              <a:defRPr sz="1400" b="0" i="0" kern="1200">
+                <a:solidFill>
+                  <a:schemeClr val="tx1"/>
+                </a:solidFill>
+                <a:latin typeface="+mj-lt"/>
+                <a:ea typeface="+mj-ea"/>
+                <a:cs typeface="+mj-cs"/>
+              </a:defRPr>
+            </a:lvl9pPr>
+          </a:lstStyle>
+          <a:p>
+            <a:pPr marL="0" indent="0">
+              <a:buNone/>
+            </a:pPr>
+            <a:r>
+              <a:rPr lang="en-US" altLang="zh-CN" sz="2400" dirty="0" smtClean="0"/>
+              <a:t>Reducer</a:t>
+            </a:r>
+          </a:p>
+          <a:p>
+            <a:pPr marL="0" indent="0">
+              <a:buNone/>
+            </a:pPr>
+            <a:r>
+              <a:rPr lang="zh-CN" altLang="en-US" dirty="0"/>
+              <a:t>接</a:t>
+            </a:r>
+            <a:r>
+              <a:rPr lang="zh-CN" altLang="en-US" dirty="0" smtClean="0"/>
+              <a:t>收</a:t>
+            </a:r>
+            <a:r>
+              <a:rPr lang="en-US" altLang="zh-CN" dirty="0" smtClean="0"/>
+              <a:t>Action</a:t>
+            </a:r>
+            <a:r>
+              <a:rPr lang="zh-CN" altLang="en-US" dirty="0" smtClean="0"/>
+              <a:t>并返回新的</a:t>
+            </a:r>
+            <a:r>
+              <a:rPr lang="en-US" altLang="zh-CN" dirty="0" smtClean="0"/>
+              <a:t>state</a:t>
+            </a:r>
+            <a:r>
+              <a:rPr lang="zh-CN" altLang="en-US" dirty="0" smtClean="0"/>
+              <a:t>的</a:t>
+            </a:r>
+            <a:r>
+              <a:rPr lang="zh-CN" altLang="en-US" b="1" dirty="0" smtClean="0"/>
+              <a:t>纯函数</a:t>
+            </a:r>
+            <a:r>
+              <a:rPr lang="zh-CN" altLang="en-US" dirty="0" smtClean="0"/>
+              <a:t>。它不会修改</a:t>
+            </a:r>
+            <a:r>
+              <a:rPr lang="en-US" altLang="zh-CN" dirty="0" smtClean="0"/>
+              <a:t>state</a:t>
+            </a:r>
+            <a:r>
+              <a:rPr lang="zh-CN" altLang="en-US" dirty="0" smtClean="0"/>
+              <a:t>，而是返回新的</a:t>
+            </a:r>
+            <a:r>
+              <a:rPr lang="en-US" altLang="zh-CN" dirty="0" smtClean="0"/>
+              <a:t>state</a:t>
+            </a:r>
+            <a:r>
+              <a:rPr lang="zh-CN" altLang="en-US" dirty="0" smtClean="0"/>
+              <a:t>。</a:t>
+            </a:r>
+            <a:endParaRPr lang="en-US" dirty="0"/>
+          </a:p>
+        </p:txBody>
+      </p:sp>
+    </p:spTree>
+    <p:extLst>
+      <p:ext uri="{BB962C8B-B14F-4D97-AF65-F5344CB8AC3E}">
+        <p14:creationId xmlns:p14="http://schemas.microsoft.com/office/powerpoint/2010/main" val="1573575831"/>
+      </p:ext>
+    </p:extLst>
+  </p:cSld>
+  <p:clrMapOvr>
+    <a:masterClrMapping/>
+  </p:clrMapOvr>
+  <p:transition spd="slow">
+    <p:push dir="u"/>
+  </p:transition>
+  <p:timing>
+    <p:tnLst>
+      <p:par>
+        <p:cTn id="1" dur="indefinite" restart="never" nodeType="tmRoot"/>
+      </p:par>
+    </p:tnLst>
+  </p:timing>
+</p:sld>
+</file>
+
+<file path=ppt/slides/slide8.xml><?xml version="1.0" encoding="utf-8"?>
+<p:sld xmlns:a="http://schemas.openxmlformats.org/drawingml/2006/main" xmlns:r="http://schemas.openxmlformats.org/officeDocument/2006/relationships" xmlns:p="http://schemas.openxmlformats.org/presentationml/2006/main">
+  <p:cSld>
+    <p:spTree>
+      <p:nvGrpSpPr>
+        <p:cNvPr id="1" name=""/>
+        <p:cNvGrpSpPr/>
+        <p:nvPr/>
+      </p:nvGrpSpPr>
+      <p:grpSpPr>
+        <a:xfrm>
+          <a:off x="0" y="0"/>
+          <a:ext cx="0" cy="0"/>
+          <a:chOff x="0" y="0"/>
+          <a:chExt cx="0" cy="0"/>
+        </a:xfrm>
+      </p:grpSpPr>
+      <p:sp>
+        <p:nvSpPr>
+          <p:cNvPr id="2" name="标题 1"/>
+          <p:cNvSpPr>
+            <a:spLocks noGrp="1"/>
+          </p:cNvSpPr>
+          <p:nvPr>
+            <p:ph type="title"/>
+          </p:nvPr>
+        </p:nvSpPr>
+        <p:spPr>
+          <a:xfrm>
+            <a:off x="1057275" y="700088"/>
+            <a:ext cx="8993559" cy="971396"/>
+          </a:xfrm>
+        </p:spPr>
+        <p:txBody>
+          <a:bodyPr/>
+          <a:lstStyle/>
+          <a:p>
+            <a:pPr algn="ctr"/>
+            <a:r>
+              <a:rPr lang="en-US" altLang="zh-CN" dirty="0" smtClean="0">
+                <a:solidFill>
+                  <a:srgbClr val="FF0000"/>
+                </a:solidFill>
+              </a:rPr>
+              <a:t>Data Flow</a:t>
+            </a:r>
+            <a:endParaRPr lang="zh-CN" altLang="en-US" dirty="0">
+              <a:solidFill>
+                <a:srgbClr val="FF0000"/>
+              </a:solidFill>
+            </a:endParaRPr>
+          </a:p>
+        </p:txBody>
+      </p:sp>
+      <p:sp>
+        <p:nvSpPr>
+          <p:cNvPr id="10" name="Rounded Rectangle 9"/>
+          <p:cNvSpPr/>
+          <p:nvPr/>
+        </p:nvSpPr>
+        <p:spPr>
+          <a:xfrm>
+            <a:off x="4454011" y="2979180"/>
+            <a:ext cx="1740309" cy="1268362"/>
+          </a:xfrm>
+          <a:prstGeom prst="roundRect">
+            <a:avLst/>
+          </a:prstGeom>
+        </p:spPr>
+        <p:style>
+          <a:lnRef idx="2">
+            <a:schemeClr val="accent1">
+              <a:shade val="50000"/>
+            </a:schemeClr>
+          </a:lnRef>
+          <a:fillRef idx="1">
+            <a:schemeClr val="accent1"/>
+          </a:fillRef>
+          <a:effectRef idx="0">
+            <a:schemeClr val="accent1"/>
+          </a:effectRef>
+          <a:fontRef idx="minor">
+            <a:schemeClr val="lt1"/>
+          </a:fontRef>
+        </p:style>
+        <p:txBody>
+          <a:bodyPr rtlCol="0" anchor="ctr"/>
+          <a:lstStyle/>
+          <a:p>
+            <a:pPr algn="ctr"/>
+            <a:r>
+              <a:rPr lang="en-US" dirty="0" smtClean="0"/>
+              <a:t>Store</a:t>
+            </a:r>
+            <a:endParaRPr lang="en-US" dirty="0"/>
+          </a:p>
+        </p:txBody>
+      </p:sp>
+      <p:sp>
+        <p:nvSpPr>
+          <p:cNvPr id="11" name="Rounded Rectangle 10"/>
+          <p:cNvSpPr/>
+          <p:nvPr/>
+        </p:nvSpPr>
+        <p:spPr>
+          <a:xfrm>
+            <a:off x="1199532" y="2979180"/>
+            <a:ext cx="1740309" cy="1268362"/>
+          </a:xfrm>
+          <a:prstGeom prst="roundRect">
+            <a:avLst/>
+          </a:prstGeom>
+        </p:spPr>
+        <p:style>
+          <a:lnRef idx="2">
+            <a:schemeClr val="accent5">
+              <a:shade val="50000"/>
+            </a:schemeClr>
+          </a:lnRef>
+          <a:fillRef idx="1">
+            <a:schemeClr val="accent5"/>
+          </a:fillRef>
+          <a:effectRef idx="0">
+            <a:schemeClr val="accent5"/>
+          </a:effectRef>
+          <a:fontRef idx="minor">
+            <a:schemeClr val="lt1"/>
+          </a:fontRef>
+        </p:style>
+        <p:txBody>
+          <a:bodyPr rtlCol="0" anchor="ctr"/>
+          <a:lstStyle/>
+          <a:p>
+            <a:pPr algn="ctr"/>
+            <a:r>
+              <a:rPr lang="en-US" dirty="0" smtClean="0"/>
+              <a:t>Action</a:t>
+            </a:r>
+            <a:endParaRPr lang="en-US" dirty="0"/>
+          </a:p>
+        </p:txBody>
+      </p:sp>
+      <p:sp>
+        <p:nvSpPr>
+          <p:cNvPr id="12" name="Rounded Rectangle 11"/>
+          <p:cNvSpPr/>
+          <p:nvPr/>
+        </p:nvSpPr>
+        <p:spPr>
+          <a:xfrm>
+            <a:off x="7600332" y="2979180"/>
+            <a:ext cx="1740309" cy="1268362"/>
+          </a:xfrm>
+          <a:prstGeom prst="roundRect">
+            <a:avLst/>
+          </a:prstGeom>
+        </p:spPr>
+        <p:style>
+          <a:lnRef idx="2">
+            <a:schemeClr val="accent3">
+              <a:shade val="50000"/>
+            </a:schemeClr>
+          </a:lnRef>
+          <a:fillRef idx="1">
+            <a:schemeClr val="accent3"/>
+          </a:fillRef>
+          <a:effectRef idx="0">
+            <a:schemeClr val="accent3"/>
+          </a:effectRef>
+          <a:fontRef idx="minor">
+            <a:schemeClr val="lt1"/>
+          </a:fontRef>
+        </p:style>
+        <p:txBody>
+          <a:bodyPr rtlCol="0" anchor="ctr"/>
+          <a:lstStyle/>
+          <a:p>
+            <a:pPr algn="ctr"/>
+            <a:r>
+              <a:rPr lang="en-US" dirty="0" smtClean="0"/>
+              <a:t>Reducers</a:t>
+            </a:r>
+            <a:endParaRPr lang="en-US" dirty="0"/>
+          </a:p>
+        </p:txBody>
+      </p:sp>
+      <p:cxnSp>
+        <p:nvCxnSpPr>
+          <p:cNvPr id="13" name="Straight Arrow Connector 12"/>
+          <p:cNvCxnSpPr/>
+          <p:nvPr/>
+        </p:nvCxnSpPr>
+        <p:spPr>
+          <a:xfrm flipV="1">
+            <a:off x="3161068" y="3608451"/>
+            <a:ext cx="1071716" cy="4910"/>
+          </a:xfrm>
+          <a:prstGeom prst="straightConnector1">
+            <a:avLst/>
+          </a:prstGeom>
+          <a:ln w="22225">
+            <a:tailEnd type="triangle"/>
+          </a:ln>
+        </p:spPr>
+        <p:style>
+          <a:lnRef idx="1">
+            <a:schemeClr val="dk1"/>
+          </a:lnRef>
+          <a:fillRef idx="0">
+            <a:schemeClr val="dk1"/>
+          </a:fillRef>
+          <a:effectRef idx="0">
+            <a:schemeClr val="dk1"/>
+          </a:effectRef>
+          <a:fontRef idx="minor">
+            <a:schemeClr val="tx1"/>
+          </a:fontRef>
+        </p:style>
+      </p:cxnSp>
+      <p:cxnSp>
+        <p:nvCxnSpPr>
+          <p:cNvPr id="14" name="Straight Arrow Connector 13"/>
+          <p:cNvCxnSpPr/>
+          <p:nvPr/>
+        </p:nvCxnSpPr>
+        <p:spPr>
+          <a:xfrm flipV="1">
+            <a:off x="6361465" y="3490466"/>
+            <a:ext cx="1071716" cy="4910"/>
+          </a:xfrm>
+          <a:prstGeom prst="straightConnector1">
+            <a:avLst/>
+          </a:prstGeom>
+          <a:ln w="22225">
+            <a:tailEnd type="triangle"/>
+          </a:ln>
+        </p:spPr>
+        <p:style>
+          <a:lnRef idx="1">
+            <a:schemeClr val="dk1"/>
+          </a:lnRef>
+          <a:fillRef idx="0">
+            <a:schemeClr val="dk1"/>
+          </a:fillRef>
+          <a:effectRef idx="0">
+            <a:schemeClr val="dk1"/>
+          </a:effectRef>
+          <a:fontRef idx="minor">
+            <a:schemeClr val="tx1"/>
+          </a:fontRef>
+        </p:style>
+      </p:cxnSp>
+      <p:sp>
+        <p:nvSpPr>
+          <p:cNvPr id="15" name="Rectangle 14"/>
+          <p:cNvSpPr/>
+          <p:nvPr/>
+        </p:nvSpPr>
+        <p:spPr>
+          <a:xfrm>
+            <a:off x="3106992" y="3067664"/>
+            <a:ext cx="1120882" cy="408045"/>
+          </a:xfrm>
+          <a:prstGeom prst="rect">
+            <a:avLst/>
+          </a:prstGeom>
+          <a:noFill/>
+          <a:ln>
+            <a:noFill/>
+          </a:ln>
+        </p:spPr>
+        <p:style>
+          <a:lnRef idx="2">
+            <a:schemeClr val="dk1"/>
+          </a:lnRef>
+          <a:fillRef idx="1">
+            <a:schemeClr val="lt1"/>
+          </a:fillRef>
+          <a:effectRef idx="0">
+            <a:schemeClr val="dk1"/>
+          </a:effectRef>
+          <a:fontRef idx="minor">
+            <a:schemeClr val="dk1"/>
+          </a:fontRef>
+        </p:style>
+        <p:txBody>
+          <a:bodyPr rtlCol="0" anchor="ctr"/>
+          <a:lstStyle/>
+          <a:p>
+            <a:r>
+              <a:rPr lang="en-US" sz="1600" dirty="0" smtClean="0"/>
+              <a:t>Dispatch</a:t>
+            </a:r>
+            <a:endParaRPr lang="en-US" sz="1600" dirty="0"/>
+          </a:p>
+        </p:txBody>
+      </p:sp>
+      <p:sp>
+        <p:nvSpPr>
+          <p:cNvPr id="16" name="Rectangle 15"/>
+          <p:cNvSpPr/>
+          <p:nvPr/>
+        </p:nvSpPr>
+        <p:spPr>
+          <a:xfrm>
+            <a:off x="6415547" y="3067664"/>
+            <a:ext cx="1120882" cy="408045"/>
+          </a:xfrm>
+          <a:prstGeom prst="rect">
+            <a:avLst/>
+          </a:prstGeom>
+          <a:noFill/>
+          <a:ln>
+            <a:noFill/>
+          </a:ln>
+        </p:spPr>
+        <p:style>
+          <a:lnRef idx="2">
+            <a:schemeClr val="dk1"/>
+          </a:lnRef>
+          <a:fillRef idx="1">
+            <a:schemeClr val="lt1"/>
+          </a:fillRef>
+          <a:effectRef idx="0">
+            <a:schemeClr val="dk1"/>
+          </a:effectRef>
+          <a:fontRef idx="minor">
+            <a:schemeClr val="dk1"/>
+          </a:fontRef>
+        </p:style>
+        <p:txBody>
+          <a:bodyPr rtlCol="0" anchor="ctr"/>
+          <a:lstStyle/>
+          <a:p>
+            <a:r>
+              <a:rPr lang="en-US" sz="1600" dirty="0" smtClean="0"/>
+              <a:t>Invoke</a:t>
+            </a:r>
+            <a:endParaRPr lang="en-US" sz="1600" dirty="0"/>
+          </a:p>
+        </p:txBody>
+      </p:sp>
+      <p:cxnSp>
+        <p:nvCxnSpPr>
+          <p:cNvPr id="17" name="Straight Arrow Connector 16"/>
+          <p:cNvCxnSpPr/>
+          <p:nvPr/>
+        </p:nvCxnSpPr>
+        <p:spPr>
+          <a:xfrm flipH="1">
+            <a:off x="6361465" y="3765755"/>
+            <a:ext cx="1071715" cy="0"/>
+          </a:xfrm>
+          <a:prstGeom prst="straightConnector1">
+            <a:avLst/>
+          </a:prstGeom>
+          <a:ln w="22225">
+            <a:solidFill>
+              <a:srgbClr val="00B050"/>
+            </a:solidFill>
+            <a:tailEnd type="triangle"/>
+          </a:ln>
+        </p:spPr>
+        <p:style>
+          <a:lnRef idx="1">
+            <a:schemeClr val="dk1"/>
+          </a:lnRef>
+          <a:fillRef idx="0">
+            <a:schemeClr val="dk1"/>
+          </a:fillRef>
+          <a:effectRef idx="0">
+            <a:schemeClr val="dk1"/>
+          </a:effectRef>
+          <a:fontRef idx="minor">
+            <a:schemeClr val="tx1"/>
+          </a:fontRef>
+        </p:style>
+      </p:cxnSp>
+      <p:sp>
+        <p:nvSpPr>
+          <p:cNvPr id="24" name="Rectangle 23"/>
+          <p:cNvSpPr/>
+          <p:nvPr/>
+        </p:nvSpPr>
+        <p:spPr>
+          <a:xfrm>
+            <a:off x="6361465" y="3832112"/>
+            <a:ext cx="1278202" cy="408045"/>
+          </a:xfrm>
+          <a:prstGeom prst="rect">
+            <a:avLst/>
+          </a:prstGeom>
+          <a:noFill/>
+          <a:ln>
+            <a:noFill/>
+          </a:ln>
+        </p:spPr>
+        <p:style>
+          <a:lnRef idx="2">
+            <a:schemeClr val="dk1"/>
+          </a:lnRef>
+          <a:fillRef idx="1">
+            <a:schemeClr val="lt1"/>
+          </a:fillRef>
+          <a:effectRef idx="0">
+            <a:schemeClr val="dk1"/>
+          </a:effectRef>
+          <a:fontRef idx="minor">
+            <a:schemeClr val="dk1"/>
+          </a:fontRef>
+        </p:style>
+        <p:txBody>
+          <a:bodyPr rtlCol="0" anchor="ctr"/>
+          <a:lstStyle/>
+          <a:p>
+            <a:r>
+              <a:rPr lang="en-US" sz="1600" dirty="0"/>
+              <a:t>n</a:t>
+            </a:r>
+            <a:r>
+              <a:rPr lang="en-US" sz="1600" dirty="0" smtClean="0"/>
+              <a:t>ew state</a:t>
+            </a:r>
+            <a:endParaRPr lang="en-US" sz="1600" dirty="0"/>
+          </a:p>
+        </p:txBody>
+      </p:sp>
+    </p:spTree>
+    <p:extLst>
+      <p:ext uri="{BB962C8B-B14F-4D97-AF65-F5344CB8AC3E}">
+        <p14:creationId xmlns:p14="http://schemas.microsoft.com/office/powerpoint/2010/main" val="3242372485"/>
+      </p:ext>
+    </p:extLst>
+  </p:cSld>
+  <p:clrMapOvr>
+    <a:masterClrMapping/>
+  </p:clrMapOvr>
+  <p:transition spd="slow">
+    <p:push dir="u"/>
+  </p:transition>
+  <p:timing>
+    <p:tnLst>
+      <p:par>
+        <p:cTn id="1" dur="indefinite" restart="never" nodeType="tmRoot">
+          <p:childTnLst>
+            <p:seq concurrent="1" nextAc="seek">
+              <p:cTn id="2" dur="indefinite" nodeType="mainSeq">
+                <p:childTnLst>
+                  <p:par>
+                    <p:cTn id="3" fill="hold">
+                      <p:stCondLst>
+                        <p:cond delay="indefinite"/>
+                      </p:stCondLst>
+                      <p:childTnLst>
+                        <p:par>
+                          <p:cTn id="4" fill="hold">
+                            <p:stCondLst>
+                              <p:cond delay="0"/>
+                            </p:stCondLst>
+                            <p:childTnLst>
+                              <p:par>
+                                <p:cTn id="5" presetID="53" presetClass="entr" presetSubtype="16" fill="hold" grpId="0" nodeType="clickEffect">
+                                  <p:stCondLst>
+                                    <p:cond delay="0"/>
+                                  </p:stCondLst>
+                                  <p:childTnLst>
+                                    <p:set>
+                                      <p:cBhvr>
+                                        <p:cTn id="6" dur="1" fill="hold">
+                                          <p:stCondLst>
+                                            <p:cond delay="0"/>
+                                          </p:stCondLst>
+                                        </p:cTn>
+                                        <p:tgtEl>
+                                          <p:spTgt spid="15"/>
+                                        </p:tgtEl>
+                                        <p:attrNameLst>
+                                          <p:attrName>style.visibility</p:attrName>
+                                        </p:attrNameLst>
+                                      </p:cBhvr>
+                                      <p:to>
+                                        <p:strVal val="visible"/>
+                                      </p:to>
+                                    </p:set>
+                                    <p:anim calcmode="lin" valueType="num">
+                                      <p:cBhvr>
+                                        <p:cTn id="7" dur="500" fill="hold"/>
+                                        <p:tgtEl>
+                                          <p:spTgt spid="15"/>
+                                        </p:tgtEl>
+                                        <p:attrNameLst>
+                                          <p:attrName>ppt_w</p:attrName>
+                                        </p:attrNameLst>
+                                      </p:cBhvr>
+                                      <p:tavLst>
+                                        <p:tav tm="0">
+                                          <p:val>
+                                            <p:fltVal val="0"/>
+                                          </p:val>
+                                        </p:tav>
+                                        <p:tav tm="100000">
+                                          <p:val>
+                                            <p:strVal val="#ppt_w"/>
+                                          </p:val>
+                                        </p:tav>
+                                      </p:tavLst>
+                                    </p:anim>
+                                    <p:anim calcmode="lin" valueType="num">
+                                      <p:cBhvr>
+                                        <p:cTn id="8" dur="500" fill="hold"/>
+                                        <p:tgtEl>
+                                          <p:spTgt spid="15"/>
+                                        </p:tgtEl>
+                                        <p:attrNameLst>
+                                          <p:attrName>ppt_h</p:attrName>
+                                        </p:attrNameLst>
+                                      </p:cBhvr>
+                                      <p:tavLst>
+                                        <p:tav tm="0">
+                                          <p:val>
+                                            <p:fltVal val="0"/>
+                                          </p:val>
+                                        </p:tav>
+                                        <p:tav tm="100000">
+                                          <p:val>
+                                            <p:strVal val="#ppt_h"/>
+                                          </p:val>
+                                        </p:tav>
+                                      </p:tavLst>
+                                    </p:anim>
+                                    <p:animEffect transition="in" filter="fade">
+                                      <p:cBhvr>
+                                        <p:cTn id="9" dur="500"/>
+                                        <p:tgtEl>
+                                          <p:spTgt spid="15"/>
+                                        </p:tgtEl>
+                                      </p:cBhvr>
+                                    </p:animEffect>
+                                  </p:childTnLst>
+                                </p:cTn>
+                              </p:par>
+                              <p:par>
+                                <p:cTn id="10" presetID="53" presetClass="entr" presetSubtype="16" fill="hold" nodeType="withEffect">
+                                  <p:stCondLst>
+                                    <p:cond delay="0"/>
+                                  </p:stCondLst>
+                                  <p:childTnLst>
+                                    <p:set>
+                                      <p:cBhvr>
+                                        <p:cTn id="11" dur="1" fill="hold">
+                                          <p:stCondLst>
+                                            <p:cond delay="0"/>
+                                          </p:stCondLst>
+                                        </p:cTn>
+                                        <p:tgtEl>
+                                          <p:spTgt spid="13"/>
+                                        </p:tgtEl>
+                                        <p:attrNameLst>
+                                          <p:attrName>style.visibility</p:attrName>
+                                        </p:attrNameLst>
+                                      </p:cBhvr>
+                                      <p:to>
+                                        <p:strVal val="visible"/>
+                                      </p:to>
+                                    </p:set>
+                                    <p:anim calcmode="lin" valueType="num">
+                                      <p:cBhvr>
+                                        <p:cTn id="12" dur="500" fill="hold"/>
+                                        <p:tgtEl>
+                                          <p:spTgt spid="13"/>
+                                        </p:tgtEl>
+                                        <p:attrNameLst>
+                                          <p:attrName>ppt_w</p:attrName>
+                                        </p:attrNameLst>
+                                      </p:cBhvr>
+                                      <p:tavLst>
+                                        <p:tav tm="0">
+                                          <p:val>
+                                            <p:fltVal val="0"/>
+                                          </p:val>
+                                        </p:tav>
+                                        <p:tav tm="100000">
+                                          <p:val>
+                                            <p:strVal val="#ppt_w"/>
+                                          </p:val>
+                                        </p:tav>
+                                      </p:tavLst>
+                                    </p:anim>
+                                    <p:anim calcmode="lin" valueType="num">
+                                      <p:cBhvr>
+                                        <p:cTn id="13" dur="500" fill="hold"/>
+                                        <p:tgtEl>
+                                          <p:spTgt spid="13"/>
+                                        </p:tgtEl>
+                                        <p:attrNameLst>
+                                          <p:attrName>ppt_h</p:attrName>
+                                        </p:attrNameLst>
+                                      </p:cBhvr>
+                                      <p:tavLst>
+                                        <p:tav tm="0">
+                                          <p:val>
+                                            <p:fltVal val="0"/>
+                                          </p:val>
+                                        </p:tav>
+                                        <p:tav tm="100000">
+                                          <p:val>
+                                            <p:strVal val="#ppt_h"/>
+                                          </p:val>
+                                        </p:tav>
+                                      </p:tavLst>
+                                    </p:anim>
+                                    <p:animEffect transition="in" filter="fade">
+                                      <p:cBhvr>
+                                        <p:cTn id="14" dur="500"/>
+                                        <p:tgtEl>
+                                          <p:spTgt spid="13"/>
+                                        </p:tgtEl>
+                                      </p:cBhvr>
+                                    </p:animEffect>
+                                  </p:childTnLst>
+                                </p:cTn>
+                              </p:par>
+                            </p:childTnLst>
+                          </p:cTn>
+                        </p:par>
+                      </p:childTnLst>
+                    </p:cTn>
+                  </p:par>
+                  <p:par>
+                    <p:cTn id="15" fill="hold">
+                      <p:stCondLst>
+                        <p:cond delay="indefinite"/>
+                      </p:stCondLst>
+                      <p:childTnLst>
+                        <p:par>
+                          <p:cTn id="16" fill="hold">
+                            <p:stCondLst>
+                              <p:cond delay="0"/>
+                            </p:stCondLst>
+                            <p:childTnLst>
+                              <p:par>
+                                <p:cTn id="17" presetID="53" presetClass="entr" presetSubtype="16" fill="hold" nodeType="clickEffect">
+                                  <p:stCondLst>
+                                    <p:cond delay="0"/>
+                                  </p:stCondLst>
+                                  <p:childTnLst>
+                                    <p:set>
+                                      <p:cBhvr>
+                                        <p:cTn id="18" dur="1" fill="hold">
+                                          <p:stCondLst>
+                                            <p:cond delay="0"/>
+                                          </p:stCondLst>
+                                        </p:cTn>
+                                        <p:tgtEl>
+                                          <p:spTgt spid="14"/>
+                                        </p:tgtEl>
+                                        <p:attrNameLst>
+                                          <p:attrName>style.visibility</p:attrName>
+                                        </p:attrNameLst>
+                                      </p:cBhvr>
+                                      <p:to>
+                                        <p:strVal val="visible"/>
+                                      </p:to>
+                                    </p:set>
+                                    <p:anim calcmode="lin" valueType="num">
+                                      <p:cBhvr>
+                                        <p:cTn id="19" dur="500" fill="hold"/>
+                                        <p:tgtEl>
+                                          <p:spTgt spid="14"/>
+                                        </p:tgtEl>
+                                        <p:attrNameLst>
+                                          <p:attrName>ppt_w</p:attrName>
+                                        </p:attrNameLst>
+                                      </p:cBhvr>
+                                      <p:tavLst>
+                                        <p:tav tm="0">
+                                          <p:val>
+                                            <p:fltVal val="0"/>
+                                          </p:val>
+                                        </p:tav>
+                                        <p:tav tm="100000">
+                                          <p:val>
+                                            <p:strVal val="#ppt_w"/>
+                                          </p:val>
+                                        </p:tav>
+                                      </p:tavLst>
+                                    </p:anim>
+                                    <p:anim calcmode="lin" valueType="num">
+                                      <p:cBhvr>
+                                        <p:cTn id="20" dur="500" fill="hold"/>
+                                        <p:tgtEl>
+                                          <p:spTgt spid="14"/>
+                                        </p:tgtEl>
+                                        <p:attrNameLst>
+                                          <p:attrName>ppt_h</p:attrName>
+                                        </p:attrNameLst>
+                                      </p:cBhvr>
+                                      <p:tavLst>
+                                        <p:tav tm="0">
+                                          <p:val>
+                                            <p:fltVal val="0"/>
+                                          </p:val>
+                                        </p:tav>
+                                        <p:tav tm="100000">
+                                          <p:val>
+                                            <p:strVal val="#ppt_h"/>
+                                          </p:val>
+                                        </p:tav>
+                                      </p:tavLst>
+                                    </p:anim>
+                                    <p:animEffect transition="in" filter="fade">
+                                      <p:cBhvr>
+                                        <p:cTn id="21" dur="500"/>
+                                        <p:tgtEl>
+                                          <p:spTgt spid="14"/>
+                                        </p:tgtEl>
+                                      </p:cBhvr>
+                                    </p:animEffect>
+                                  </p:childTnLst>
+                                </p:cTn>
+                              </p:par>
+                              <p:par>
+                                <p:cTn id="22" presetID="53" presetClass="entr" presetSubtype="16" fill="hold" grpId="0" nodeType="withEffect">
+                                  <p:stCondLst>
+                                    <p:cond delay="0"/>
+                                  </p:stCondLst>
+                                  <p:childTnLst>
+                                    <p:set>
+                                      <p:cBhvr>
+                                        <p:cTn id="23" dur="1" fill="hold">
+                                          <p:stCondLst>
+                                            <p:cond delay="0"/>
+                                          </p:stCondLst>
+                                        </p:cTn>
+                                        <p:tgtEl>
+                                          <p:spTgt spid="16"/>
+                                        </p:tgtEl>
+                                        <p:attrNameLst>
+                                          <p:attrName>style.visibility</p:attrName>
+                                        </p:attrNameLst>
+                                      </p:cBhvr>
+                                      <p:to>
+                                        <p:strVal val="visible"/>
+                                      </p:to>
+                                    </p:set>
+                                    <p:anim calcmode="lin" valueType="num">
+                                      <p:cBhvr>
+                                        <p:cTn id="24" dur="500" fill="hold"/>
+                                        <p:tgtEl>
+                                          <p:spTgt spid="16"/>
+                                        </p:tgtEl>
+                                        <p:attrNameLst>
+                                          <p:attrName>ppt_w</p:attrName>
+                                        </p:attrNameLst>
+                                      </p:cBhvr>
+                                      <p:tavLst>
+                                        <p:tav tm="0">
+                                          <p:val>
+                                            <p:fltVal val="0"/>
+                                          </p:val>
+                                        </p:tav>
+                                        <p:tav tm="100000">
+                                          <p:val>
+                                            <p:strVal val="#ppt_w"/>
+                                          </p:val>
+                                        </p:tav>
+                                      </p:tavLst>
+                                    </p:anim>
+                                    <p:anim calcmode="lin" valueType="num">
+                                      <p:cBhvr>
+                                        <p:cTn id="25" dur="500" fill="hold"/>
+                                        <p:tgtEl>
+                                          <p:spTgt spid="16"/>
+                                        </p:tgtEl>
+                                        <p:attrNameLst>
+                                          <p:attrName>ppt_h</p:attrName>
+                                        </p:attrNameLst>
+                                      </p:cBhvr>
+                                      <p:tavLst>
+                                        <p:tav tm="0">
+                                          <p:val>
+                                            <p:fltVal val="0"/>
+                                          </p:val>
+                                        </p:tav>
+                                        <p:tav tm="100000">
+                                          <p:val>
+                                            <p:strVal val="#ppt_h"/>
+                                          </p:val>
+                                        </p:tav>
+                                      </p:tavLst>
+                                    </p:anim>
+                                    <p:animEffect transition="in" filter="fade">
+                                      <p:cBhvr>
+                                        <p:cTn id="26" dur="500"/>
+                                        <p:tgtEl>
+                                          <p:spTgt spid="16"/>
+                                        </p:tgtEl>
+                                      </p:cBhvr>
+                                    </p:animEffect>
+                                  </p:childTnLst>
+                                </p:cTn>
+                              </p:par>
+                            </p:childTnLst>
+                          </p:cTn>
+                        </p:par>
+                      </p:childTnLst>
+                    </p:cTn>
+                  </p:par>
+                  <p:par>
+                    <p:cTn id="27" fill="hold">
+                      <p:stCondLst>
+                        <p:cond delay="indefinite"/>
+                      </p:stCondLst>
+                      <p:childTnLst>
+                        <p:par>
+                          <p:cTn id="28" fill="hold">
+                            <p:stCondLst>
+                              <p:cond delay="0"/>
+                            </p:stCondLst>
+                            <p:childTnLst>
+                              <p:par>
+                                <p:cTn id="29" presetID="53" presetClass="entr" presetSubtype="16" fill="hold" grpId="0" nodeType="clickEffect">
+                                  <p:stCondLst>
+                                    <p:cond delay="0"/>
+                                  </p:stCondLst>
+                                  <p:childTnLst>
+                                    <p:set>
+                                      <p:cBhvr>
+                                        <p:cTn id="30" dur="1" fill="hold">
+                                          <p:stCondLst>
+                                            <p:cond delay="0"/>
+                                          </p:stCondLst>
+                                        </p:cTn>
+                                        <p:tgtEl>
+                                          <p:spTgt spid="24"/>
+                                        </p:tgtEl>
+                                        <p:attrNameLst>
+                                          <p:attrName>style.visibility</p:attrName>
+                                        </p:attrNameLst>
+                                      </p:cBhvr>
+                                      <p:to>
+                                        <p:strVal val="visible"/>
+                                      </p:to>
+                                    </p:set>
+                                    <p:anim calcmode="lin" valueType="num">
+                                      <p:cBhvr>
+                                        <p:cTn id="31" dur="500" fill="hold"/>
+                                        <p:tgtEl>
+                                          <p:spTgt spid="24"/>
+                                        </p:tgtEl>
+                                        <p:attrNameLst>
+                                          <p:attrName>ppt_w</p:attrName>
+                                        </p:attrNameLst>
+                                      </p:cBhvr>
+                                      <p:tavLst>
+                                        <p:tav tm="0">
+                                          <p:val>
+                                            <p:fltVal val="0"/>
+                                          </p:val>
+                                        </p:tav>
+                                        <p:tav tm="100000">
+                                          <p:val>
+                                            <p:strVal val="#ppt_w"/>
+                                          </p:val>
+                                        </p:tav>
+                                      </p:tavLst>
+                                    </p:anim>
+                                    <p:anim calcmode="lin" valueType="num">
+                                      <p:cBhvr>
+                                        <p:cTn id="32" dur="500" fill="hold"/>
+                                        <p:tgtEl>
+                                          <p:spTgt spid="24"/>
+                                        </p:tgtEl>
+                                        <p:attrNameLst>
+                                          <p:attrName>ppt_h</p:attrName>
+                                        </p:attrNameLst>
+                                      </p:cBhvr>
+                                      <p:tavLst>
+                                        <p:tav tm="0">
+                                          <p:val>
+                                            <p:fltVal val="0"/>
+                                          </p:val>
+                                        </p:tav>
+                                        <p:tav tm="100000">
+                                          <p:val>
+                                            <p:strVal val="#ppt_h"/>
+                                          </p:val>
+                                        </p:tav>
+                                      </p:tavLst>
+                                    </p:anim>
+                                    <p:animEffect transition="in" filter="fade">
+                                      <p:cBhvr>
+                                        <p:cTn id="33" dur="500"/>
+                                        <p:tgtEl>
+                                          <p:spTgt spid="24"/>
+                                        </p:tgtEl>
+                                      </p:cBhvr>
+                                    </p:animEffect>
+                                  </p:childTnLst>
+                                </p:cTn>
+                              </p:par>
+                              <p:par>
+                                <p:cTn id="34" presetID="53" presetClass="entr" presetSubtype="16" fill="hold" nodeType="withEffect">
+                                  <p:stCondLst>
+                                    <p:cond delay="0"/>
+                                  </p:stCondLst>
+                                  <p:childTnLst>
+                                    <p:set>
+                                      <p:cBhvr>
+                                        <p:cTn id="35" dur="1" fill="hold">
+                                          <p:stCondLst>
+                                            <p:cond delay="0"/>
+                                          </p:stCondLst>
+                                        </p:cTn>
+                                        <p:tgtEl>
+                                          <p:spTgt spid="17"/>
+                                        </p:tgtEl>
+                                        <p:attrNameLst>
+                                          <p:attrName>style.visibility</p:attrName>
+                                        </p:attrNameLst>
+                                      </p:cBhvr>
+                                      <p:to>
+                                        <p:strVal val="visible"/>
+                                      </p:to>
+                                    </p:set>
+                                    <p:anim calcmode="lin" valueType="num">
+                                      <p:cBhvr>
+                                        <p:cTn id="36" dur="500" fill="hold"/>
+                                        <p:tgtEl>
+                                          <p:spTgt spid="17"/>
+                                        </p:tgtEl>
+                                        <p:attrNameLst>
+                                          <p:attrName>ppt_w</p:attrName>
+                                        </p:attrNameLst>
+                                      </p:cBhvr>
+                                      <p:tavLst>
+                                        <p:tav tm="0">
+                                          <p:val>
+                                            <p:fltVal val="0"/>
+                                          </p:val>
+                                        </p:tav>
+                                        <p:tav tm="100000">
+                                          <p:val>
+                                            <p:strVal val="#ppt_w"/>
+                                          </p:val>
+                                        </p:tav>
+                                      </p:tavLst>
+                                    </p:anim>
+                                    <p:anim calcmode="lin" valueType="num">
+                                      <p:cBhvr>
+                                        <p:cTn id="37" dur="500" fill="hold"/>
+                                        <p:tgtEl>
+                                          <p:spTgt spid="17"/>
+                                        </p:tgtEl>
+                                        <p:attrNameLst>
+                                          <p:attrName>ppt_h</p:attrName>
+                                        </p:attrNameLst>
+                                      </p:cBhvr>
+                                      <p:tavLst>
+                                        <p:tav tm="0">
+                                          <p:val>
+                                            <p:fltVal val="0"/>
+                                          </p:val>
+                                        </p:tav>
+                                        <p:tav tm="100000">
+                                          <p:val>
+                                            <p:strVal val="#ppt_h"/>
+                                          </p:val>
+                                        </p:tav>
+                                      </p:tavLst>
+                                    </p:anim>
+                                    <p:animEffect transition="in" filter="fade">
+                                      <p:cBhvr>
+                                        <p:cTn id="38" dur="500"/>
+                                        <p:tgtEl>
+                                          <p:spTgt spid="17"/>
+                                        </p:tgtEl>
+                                      </p:cBhvr>
+                                    </p:animEffect>
+                                  </p:childTnLst>
+                                </p:cTn>
+                              </p:par>
+                            </p:childTnLst>
+                          </p:cTn>
+                        </p:par>
+                      </p:childTnLst>
+                    </p:cTn>
+                  </p:par>
+                </p:childTnLst>
+              </p:cTn>
+              <p:prevCondLst>
+                <p:cond evt="onPrev" delay="0">
+                  <p:tgtEl>
+                    <p:sldTgt/>
+                  </p:tgtEl>
+                </p:cond>
+              </p:prevCondLst>
+              <p:nextCondLst>
+                <p:cond evt="onNext" delay="0">
+                  <p:tgtEl>
+                    <p:sldTgt/>
+                  </p:tgtEl>
+                </p:cond>
+              </p:nextCondLst>
+            </p:seq>
+          </p:childTnLst>
+        </p:cTn>
+      </p:par>
+    </p:tnLst>
+    <p:bldLst>
+      <p:bldP spid="15" grpId="0"/>
+      <p:bldP spid="16" grpId="0"/>
+      <p:bldP spid="24" grpId="0"/>
+    </p:bldLst>
+  </p:timing>
+</p:sld>
+</file>
+
+<file path=ppt/slides/slide9.xml><?xml version="1.0" encoding="utf-8"?>
+<p:sld xmlns:a="http://schemas.openxmlformats.org/drawingml/2006/main" xmlns:r="http://schemas.openxmlformats.org/officeDocument/2006/relationships" xmlns:p="http://schemas.openxmlformats.org/presentationml/2006/main">
+  <p:cSld>
+    <p:spTree>
+      <p:nvGrpSpPr>
+        <p:cNvPr id="1" name=""/>
+        <p:cNvGrpSpPr/>
+        <p:nvPr/>
+      </p:nvGrpSpPr>
+      <p:grpSpPr>
+        <a:xfrm>
+          <a:off x="0" y="0"/>
+          <a:ext cx="0" cy="0"/>
+          <a:chOff x="0" y="0"/>
+          <a:chExt cx="0" cy="0"/>
+        </a:xfrm>
+      </p:grpSpPr>
+      <p:sp>
+        <p:nvSpPr>
+          <p:cNvPr id="2" name="标题 1"/>
+          <p:cNvSpPr>
+            <a:spLocks noGrp="1"/>
+          </p:cNvSpPr>
+          <p:nvPr>
+            <p:ph type="title"/>
+          </p:nvPr>
+        </p:nvSpPr>
+        <p:spPr>
+          <a:xfrm>
+            <a:off x="1057275" y="700088"/>
+            <a:ext cx="8993559" cy="971396"/>
+          </a:xfrm>
+        </p:spPr>
+        <p:txBody>
+          <a:bodyPr/>
+          <a:lstStyle/>
+          <a:p>
+            <a:pPr algn="ctr"/>
+            <a:r>
+              <a:rPr lang="en-US" altLang="zh-CN" dirty="0" smtClean="0">
+                <a:solidFill>
+                  <a:srgbClr val="FF0000"/>
+                </a:solidFill>
+              </a:rPr>
+              <a:t>Install </a:t>
+            </a:r>
+            <a:r>
+              <a:rPr lang="en-US" altLang="zh-CN" dirty="0" err="1" smtClean="0">
+                <a:solidFill>
+                  <a:srgbClr val="FF0000"/>
+                </a:solidFill>
+              </a:rPr>
+              <a:t>Redux</a:t>
+            </a:r>
+            <a:endParaRPr lang="zh-CN" altLang="en-US" dirty="0">
+              <a:solidFill>
+                <a:srgbClr val="FF0000"/>
+              </a:solidFill>
+            </a:endParaRPr>
+          </a:p>
+        </p:txBody>
+      </p:sp>
+      <p:sp>
+        <p:nvSpPr>
+          <p:cNvPr id="18" name="内容占位符 2"/>
+          <p:cNvSpPr txBox="1">
+            <a:spLocks/>
+          </p:cNvSpPr>
+          <p:nvPr/>
+        </p:nvSpPr>
+        <p:spPr>
+          <a:xfrm>
+            <a:off x="1140851" y="1830795"/>
+            <a:ext cx="10579202" cy="3753928"/>
+          </a:xfrm>
+          <a:prstGeom prst="rect">
+            <a:avLst/>
+          </a:prstGeom>
+        </p:spPr>
+        <p:txBody>
+          <a:bodyPr vert="horz" lIns="91440" tIns="45720" rIns="91440" bIns="45720" rtlCol="0">
+            <a:normAutofit/>
+          </a:bodyPr>
+          <a:lstStyle>
+            <a:lvl1pPr marL="342900" indent="-342900" algn="l" defTabSz="457200" rtl="0" eaLnBrk="1" latinLnBrk="0" hangingPunct="1">
+              <a:spcBef>
+                <a:spcPts val="1000"/>
+              </a:spcBef>
+              <a:spcAft>
+                <a:spcPts val="0"/>
+              </a:spcAft>
+              <a:buClr>
+                <a:schemeClr val="bg2">
+                  <a:lumMod val="40000"/>
+                  <a:lumOff val="60000"/>
+                </a:schemeClr>
+              </a:buClr>
+              <a:buSzPct val="80000"/>
+              <a:buFont typeface="Wingdings 3" charset="2"/>
+              <a:buChar char=""/>
+              <a:defRPr sz="2000" b="0" i="0" kern="1200">
+                <a:solidFill>
+                  <a:schemeClr val="tx1"/>
+                </a:solidFill>
+                <a:latin typeface="+mj-lt"/>
+                <a:ea typeface="+mj-ea"/>
+                <a:cs typeface="+mj-cs"/>
+              </a:defRPr>
+            </a:lvl1pPr>
+            <a:lvl2pPr marL="742950" indent="-285750" algn="l" defTabSz="457200" rtl="0" eaLnBrk="1" latinLnBrk="0" hangingPunct="1">
+              <a:spcBef>
+                <a:spcPts val="1000"/>
+              </a:spcBef>
+              <a:spcAft>
+                <a:spcPts val="0"/>
+              </a:spcAft>
+              <a:buClr>
+                <a:schemeClr val="bg2">
+                  <a:lumMod val="40000"/>
+                  <a:lumOff val="60000"/>
+                </a:schemeClr>
+              </a:buClr>
+              <a:buSzPct val="80000"/>
+              <a:buFont typeface="Wingdings 3" charset="2"/>
+              <a:buChar char=""/>
+              <a:defRPr sz="1800" b="0" i="0" kern="1200">
+                <a:solidFill>
+                  <a:schemeClr val="tx1"/>
+                </a:solidFill>
+                <a:latin typeface="+mj-lt"/>
+                <a:ea typeface="+mj-ea"/>
+                <a:cs typeface="+mj-cs"/>
+              </a:defRPr>
+            </a:lvl2pPr>
+            <a:lvl3pPr marL="1143000" indent="-228600" algn="l" defTabSz="457200" rtl="0" eaLnBrk="1" latinLnBrk="0" hangingPunct="1">
+              <a:spcBef>
+                <a:spcPts val="1000"/>
+              </a:spcBef>
+              <a:spcAft>
+                <a:spcPts val="0"/>
+              </a:spcAft>
+              <a:buClr>
+                <a:schemeClr val="bg2">
+                  <a:lumMod val="40000"/>
+                  <a:lumOff val="60000"/>
+                </a:schemeClr>
+              </a:buClr>
+              <a:buSzPct val="80000"/>
+              <a:buFont typeface="Wingdings 3" charset="2"/>
+              <a:buChar char=""/>
+              <a:defRPr sz="1600" b="0" i="0" kern="1200">
+                <a:solidFill>
+                  <a:schemeClr val="tx1"/>
+                </a:solidFill>
+                <a:latin typeface="+mj-lt"/>
+                <a:ea typeface="+mj-ea"/>
+                <a:cs typeface="+mj-cs"/>
+              </a:defRPr>
+            </a:lvl3pPr>
+            <a:lvl4pPr marL="1600200" indent="-228600" algn="l" defTabSz="457200" rtl="0" eaLnBrk="1" latinLnBrk="0" hangingPunct="1">
+              <a:spcBef>
+                <a:spcPts val="1000"/>
+              </a:spcBef>
+              <a:spcAft>
+                <a:spcPts val="0"/>
+              </a:spcAft>
+              <a:buClr>
+                <a:schemeClr val="bg2">
+                  <a:lumMod val="40000"/>
+                  <a:lumOff val="60000"/>
+                </a:schemeClr>
+              </a:buClr>
+              <a:buSzPct val="80000"/>
+              <a:buFont typeface="Wingdings 3" charset="2"/>
+              <a:buChar char=""/>
+              <a:defRPr sz="1400" b="0" i="0" kern="1200">
+                <a:solidFill>
+                  <a:schemeClr val="tx1"/>
+                </a:solidFill>
+                <a:latin typeface="+mj-lt"/>
+                <a:ea typeface="+mj-ea"/>
+                <a:cs typeface="+mj-cs"/>
+              </a:defRPr>
+            </a:lvl4pPr>
+            <a:lvl5pPr marL="2057400" indent="-228600" algn="l" defTabSz="457200" rtl="0" eaLnBrk="1" latinLnBrk="0" hangingPunct="1">
+              <a:spcBef>
+                <a:spcPts val="1000"/>
+              </a:spcBef>
+              <a:spcAft>
+                <a:spcPts val="0"/>
+              </a:spcAft>
+              <a:buClr>
+                <a:schemeClr val="bg2">
+                  <a:lumMod val="40000"/>
+                  <a:lumOff val="60000"/>
+                </a:schemeClr>
+              </a:buClr>
+              <a:buSzPct val="80000"/>
+              <a:buFont typeface="Wingdings 3" charset="2"/>
+              <a:buChar char=""/>
+              <a:defRPr sz="1400" b="0" i="0" kern="1200">
+                <a:solidFill>
+                  <a:schemeClr val="tx1"/>
+                </a:solidFill>
+                <a:latin typeface="+mj-lt"/>
+                <a:ea typeface="+mj-ea"/>
+                <a:cs typeface="+mj-cs"/>
+              </a:defRPr>
+            </a:lvl5pPr>
+            <a:lvl6pPr marL="2506000" indent="-228600" algn="l" defTabSz="457200" rtl="0" eaLnBrk="1" latinLnBrk="0" hangingPunct="1">
+              <a:spcBef>
+                <a:spcPts val="1000"/>
+              </a:spcBef>
+              <a:spcAft>
+                <a:spcPts val="0"/>
+              </a:spcAft>
+              <a:buClr>
+                <a:schemeClr val="bg2">
+                  <a:lumMod val="40000"/>
+                  <a:lumOff val="60000"/>
+                </a:schemeClr>
+              </a:buClr>
+              <a:buSzPct val="80000"/>
+              <a:buFont typeface="Wingdings 3" charset="2"/>
+              <a:buChar char=""/>
+              <a:defRPr sz="1400" b="0" i="0" kern="1200">
+                <a:solidFill>
+                  <a:schemeClr val="tx1"/>
+                </a:solidFill>
+                <a:latin typeface="+mj-lt"/>
+                <a:ea typeface="+mj-ea"/>
+                <a:cs typeface="+mj-cs"/>
+              </a:defRPr>
+            </a:lvl6pPr>
+            <a:lvl7pPr marL="2971800" indent="-228600" algn="l" defTabSz="457200" rtl="0" eaLnBrk="1" latinLnBrk="0" hangingPunct="1">
+              <a:spcBef>
+                <a:spcPts val="1000"/>
+              </a:spcBef>
+              <a:spcAft>
+                <a:spcPts val="0"/>
+              </a:spcAft>
+              <a:buClr>
+                <a:schemeClr val="bg2">
+                  <a:lumMod val="40000"/>
+                  <a:lumOff val="60000"/>
+                </a:schemeClr>
+              </a:buClr>
+              <a:buSzPct val="80000"/>
+              <a:buFont typeface="Wingdings 3" charset="2"/>
+              <a:buChar char=""/>
+              <a:defRPr sz="1400" b="0" i="0" kern="1200">
+                <a:solidFill>
+                  <a:schemeClr val="tx1"/>
+                </a:solidFill>
+                <a:latin typeface="+mj-lt"/>
+                <a:ea typeface="+mj-ea"/>
+                <a:cs typeface="+mj-cs"/>
+              </a:defRPr>
+            </a:lvl7pPr>
+            <a:lvl8pPr marL="3429000" indent="-228600" algn="l" defTabSz="457200" rtl="0" eaLnBrk="1" latinLnBrk="0" hangingPunct="1">
+              <a:spcBef>
+                <a:spcPts val="1000"/>
+              </a:spcBef>
+              <a:spcAft>
+                <a:spcPts val="0"/>
+              </a:spcAft>
+              <a:buClr>
+                <a:schemeClr val="bg2">
+                  <a:lumMod val="40000"/>
+                  <a:lumOff val="60000"/>
+                </a:schemeClr>
+              </a:buClr>
+              <a:buSzPct val="80000"/>
+              <a:buFont typeface="Wingdings 3" charset="2"/>
+              <a:buChar char=""/>
+              <a:defRPr sz="1400" b="0" i="0" kern="1200">
+                <a:solidFill>
+                  <a:schemeClr val="tx1"/>
+                </a:solidFill>
+                <a:latin typeface="+mj-lt"/>
+                <a:ea typeface="+mj-ea"/>
+                <a:cs typeface="+mj-cs"/>
+              </a:defRPr>
+            </a:lvl8pPr>
+            <a:lvl9pPr marL="3886200" indent="-228600" algn="l" defTabSz="457200" rtl="0" eaLnBrk="1" latinLnBrk="0" hangingPunct="1">
+              <a:spcBef>
+                <a:spcPts val="1000"/>
+              </a:spcBef>
+              <a:spcAft>
+                <a:spcPts val="0"/>
+              </a:spcAft>
+              <a:buClr>
+                <a:schemeClr val="bg2">
+                  <a:lumMod val="40000"/>
+                  <a:lumOff val="60000"/>
+                </a:schemeClr>
+              </a:buClr>
+              <a:buSzPct val="80000"/>
+              <a:buFont typeface="Wingdings 3" charset="2"/>
+              <a:buChar char=""/>
+              <a:defRPr sz="1400" b="0" i="0" kern="1200">
+                <a:solidFill>
+                  <a:schemeClr val="tx1"/>
+                </a:solidFill>
+                <a:latin typeface="+mj-lt"/>
+                <a:ea typeface="+mj-ea"/>
+                <a:cs typeface="+mj-cs"/>
+              </a:defRPr>
+            </a:lvl9pPr>
+          </a:lstStyle>
+          <a:p>
+            <a:pPr marL="457200" indent="-457200">
+              <a:buAutoNum type="arabicPeriod"/>
+            </a:pPr>
+            <a:r>
+              <a:rPr lang="en-US" dirty="0" err="1" smtClean="0"/>
+              <a:t>ngrx</a:t>
+            </a:r>
+            <a:r>
+              <a:rPr lang="en-US" dirty="0" smtClean="0"/>
+              <a:t>/store</a:t>
+            </a:r>
+          </a:p>
+          <a:p>
+            <a:pPr marL="457200" indent="-457200">
+              <a:buAutoNum type="arabicPeriod"/>
+            </a:pPr>
+            <a:endParaRPr lang="en-US" dirty="0"/>
+          </a:p>
+          <a:p>
+            <a:pPr marL="457200" indent="-457200">
+              <a:buAutoNum type="arabicPeriod"/>
+            </a:pPr>
+            <a:r>
+              <a:rPr lang="en-US" dirty="0" smtClean="0"/>
+              <a:t>angular-</a:t>
+            </a:r>
+            <a:r>
+              <a:rPr lang="en-US" dirty="0" err="1" smtClean="0"/>
+              <a:t>redux</a:t>
+            </a:r>
+            <a:r>
+              <a:rPr lang="en-US" dirty="0" smtClean="0"/>
+              <a:t>/store</a:t>
+            </a:r>
+            <a:endParaRPr lang="en-US" dirty="0"/>
+          </a:p>
+        </p:txBody>
+      </p:sp>
+    </p:spTree>
+    <p:extLst>
+      <p:ext uri="{BB962C8B-B14F-4D97-AF65-F5344CB8AC3E}">
+        <p14:creationId xmlns:p14="http://schemas.microsoft.com/office/powerpoint/2010/main" val="996191962"/>
+      </p:ext>
+    </p:extLst>
+  </p:cSld>
+  <p:clrMapOvr>
+    <a:masterClrMapping/>
+  </p:clrMapOvr>
+  <p:transition spd="slow">
+    <p:push dir="u"/>
+  </p:transition>
   <p:timing>
     <p:tnLst>
       <p:par>

--- a/Introduction to Redux for Angular2.pptx
+++ b/Introduction to Redux for Angular2.pptx
@@ -117,7 +117,7 @@
   </p:defaultTextStyle>
   <p:extLst>
     <p:ext uri="{EFAFB233-063F-42B5-8137-9DF3F51BA10A}">
-      <p15:sldGuideLst xmlns:p15="http://schemas.microsoft.com/office/powerpoint/2012/main">
+      <p15:sldGuideLst xmlns:p15="http://schemas.microsoft.com/office/powerpoint/2012/main" xmlns="">
         <p15:guide id="1" orient="horz" pos="2160">
           <p15:clr>
             <a:srgbClr val="A4A3A4"/>
@@ -139,7 +139,7 @@
   <p:cmAuthor id="1" name="HideMde" initials="H" lastIdx="1" clrIdx="0">
     <p:extLst>
       <p:ext uri="{19B8F6BF-5375-455C-9EA6-DF929625EA0E}">
-        <p15:presenceInfo xmlns:p15="http://schemas.microsoft.com/office/powerpoint/2012/main" userId="HideMde" providerId="None"/>
+        <p15:presenceInfo xmlns:p15="http://schemas.microsoft.com/office/powerpoint/2012/main" xmlns="" userId="HideMde" providerId="None"/>
       </p:ext>
     </p:extLst>
   </p:cmAuthor>
@@ -228,6 +228,7 @@
           <a:p>
             <a:fld id="{35EB53D0-47FF-47D9-AE36-6B2952A5EE8A}" type="datetimeFigureOut">
               <a:rPr lang="zh-CN" altLang="en-US" smtClean="0"/>
+              <a:pPr/>
               <a:t>2017/9/12</a:t>
             </a:fld>
             <a:endParaRPr lang="zh-CN" altLang="en-US"/>
@@ -387,6 +388,7 @@
           <a:p>
             <a:fld id="{5C3E78F2-8F34-4ED3-BF67-D7921400C305}" type="slidenum">
               <a:rPr lang="zh-CN" altLang="en-US" smtClean="0"/>
+              <a:pPr/>
               <a:t>‹#›</a:t>
             </a:fld>
             <a:endParaRPr lang="zh-CN" altLang="en-US"/>
@@ -396,7 +398,7 @@
     </p:spTree>
     <p:extLst>
       <p:ext uri="{BB962C8B-B14F-4D97-AF65-F5344CB8AC3E}">
-        <p14:creationId xmlns:p14="http://schemas.microsoft.com/office/powerpoint/2010/main" val="2677966259"/>
+        <p14:creationId xmlns:p14="http://schemas.microsoft.com/office/powerpoint/2010/main" xmlns="" val="2677966259"/>
       </p:ext>
     </p:extLst>
   </p:cSld>
@@ -561,6 +563,7 @@
           <a:p>
             <a:fld id="{5C3E78F2-8F34-4ED3-BF67-D7921400C305}" type="slidenum">
               <a:rPr lang="zh-CN" altLang="en-US" smtClean="0"/>
+              <a:pPr/>
               <a:t>1</a:t>
             </a:fld>
             <a:endParaRPr lang="zh-CN" altLang="en-US"/>
@@ -570,7 +573,7 @@
     </p:spTree>
     <p:extLst>
       <p:ext uri="{BB962C8B-B14F-4D97-AF65-F5344CB8AC3E}">
-        <p14:creationId xmlns:p14="http://schemas.microsoft.com/office/powerpoint/2010/main" val="2914170522"/>
+        <p14:creationId xmlns:p14="http://schemas.microsoft.com/office/powerpoint/2010/main" xmlns="" val="2914170522"/>
       </p:ext>
     </p:extLst>
   </p:cSld>
@@ -804,6 +807,7 @@
           <a:p>
             <a:fld id="{5C3E78F2-8F34-4ED3-BF67-D7921400C305}" type="slidenum">
               <a:rPr lang="zh-CN" altLang="en-US" smtClean="0"/>
+              <a:pPr/>
               <a:t>2</a:t>
             </a:fld>
             <a:endParaRPr lang="zh-CN" altLang="en-US"/>
@@ -813,7 +817,7 @@
     </p:spTree>
     <p:extLst>
       <p:ext uri="{BB962C8B-B14F-4D97-AF65-F5344CB8AC3E}">
-        <p14:creationId xmlns:p14="http://schemas.microsoft.com/office/powerpoint/2010/main" val="571204182"/>
+        <p14:creationId xmlns:p14="http://schemas.microsoft.com/office/powerpoint/2010/main" xmlns="" val="571204182"/>
       </p:ext>
     </p:extLst>
   </p:cSld>
@@ -900,6 +904,7 @@
           <a:p>
             <a:fld id="{5C3E78F2-8F34-4ED3-BF67-D7921400C305}" type="slidenum">
               <a:rPr lang="zh-CN" altLang="en-US" smtClean="0"/>
+              <a:pPr/>
               <a:t>3</a:t>
             </a:fld>
             <a:endParaRPr lang="zh-CN" altLang="en-US"/>
@@ -909,7 +914,7 @@
     </p:spTree>
     <p:extLst>
       <p:ext uri="{BB962C8B-B14F-4D97-AF65-F5344CB8AC3E}">
-        <p14:creationId xmlns:p14="http://schemas.microsoft.com/office/powerpoint/2010/main" val="2399161780"/>
+        <p14:creationId xmlns:p14="http://schemas.microsoft.com/office/powerpoint/2010/main" xmlns="" val="2399161780"/>
       </p:ext>
     </p:extLst>
   </p:cSld>
@@ -1057,6 +1062,7 @@
           <a:p>
             <a:fld id="{5C3E78F2-8F34-4ED3-BF67-D7921400C305}" type="slidenum">
               <a:rPr lang="zh-CN" altLang="en-US" smtClean="0"/>
+              <a:pPr/>
               <a:t>4</a:t>
             </a:fld>
             <a:endParaRPr lang="zh-CN" altLang="en-US"/>
@@ -1066,7 +1072,7 @@
     </p:spTree>
     <p:extLst>
       <p:ext uri="{BB962C8B-B14F-4D97-AF65-F5344CB8AC3E}">
-        <p14:creationId xmlns:p14="http://schemas.microsoft.com/office/powerpoint/2010/main" val="3343794363"/>
+        <p14:creationId xmlns:p14="http://schemas.microsoft.com/office/powerpoint/2010/main" xmlns="" val="3343794363"/>
       </p:ext>
     </p:extLst>
   </p:cSld>
@@ -1174,6 +1180,7 @@
           <a:p>
             <a:fld id="{5C3E78F2-8F34-4ED3-BF67-D7921400C305}" type="slidenum">
               <a:rPr lang="zh-CN" altLang="en-US" smtClean="0"/>
+              <a:pPr/>
               <a:t>5</a:t>
             </a:fld>
             <a:endParaRPr lang="zh-CN" altLang="en-US"/>
@@ -1183,7 +1190,7 @@
     </p:spTree>
     <p:extLst>
       <p:ext uri="{BB962C8B-B14F-4D97-AF65-F5344CB8AC3E}">
-        <p14:creationId xmlns:p14="http://schemas.microsoft.com/office/powerpoint/2010/main" val="3422937582"/>
+        <p14:creationId xmlns:p14="http://schemas.microsoft.com/office/powerpoint/2010/main" xmlns="" val="3422937582"/>
       </p:ext>
     </p:extLst>
   </p:cSld>
@@ -1335,6 +1342,7 @@
           <a:p>
             <a:fld id="{5C3E78F2-8F34-4ED3-BF67-D7921400C305}" type="slidenum">
               <a:rPr lang="zh-CN" altLang="en-US" smtClean="0"/>
+              <a:pPr/>
               <a:t>6</a:t>
             </a:fld>
             <a:endParaRPr lang="zh-CN" altLang="en-US"/>
@@ -1344,7 +1352,7 @@
     </p:spTree>
     <p:extLst>
       <p:ext uri="{BB962C8B-B14F-4D97-AF65-F5344CB8AC3E}">
-        <p14:creationId xmlns:p14="http://schemas.microsoft.com/office/powerpoint/2010/main" val="3490329303"/>
+        <p14:creationId xmlns:p14="http://schemas.microsoft.com/office/powerpoint/2010/main" xmlns="" val="3490329303"/>
       </p:ext>
     </p:extLst>
   </p:cSld>
@@ -1640,6 +1648,7 @@
           <a:p>
             <a:fld id="{5C3E78F2-8F34-4ED3-BF67-D7921400C305}" type="slidenum">
               <a:rPr lang="zh-CN" altLang="en-US" smtClean="0"/>
+              <a:pPr/>
               <a:t>7</a:t>
             </a:fld>
             <a:endParaRPr lang="zh-CN" altLang="en-US"/>
@@ -1649,7 +1658,7 @@
     </p:spTree>
     <p:extLst>
       <p:ext uri="{BB962C8B-B14F-4D97-AF65-F5344CB8AC3E}">
-        <p14:creationId xmlns:p14="http://schemas.microsoft.com/office/powerpoint/2010/main" val="3699853105"/>
+        <p14:creationId xmlns:p14="http://schemas.microsoft.com/office/powerpoint/2010/main" xmlns="" val="3699853105"/>
       </p:ext>
     </p:extLst>
   </p:cSld>
@@ -1900,6 +1909,7 @@
           <a:p>
             <a:fld id="{5C3E78F2-8F34-4ED3-BF67-D7921400C305}" type="slidenum">
               <a:rPr lang="zh-CN" altLang="en-US" smtClean="0"/>
+              <a:pPr/>
               <a:t>8</a:t>
             </a:fld>
             <a:endParaRPr lang="zh-CN" altLang="en-US"/>
@@ -1909,7 +1919,7 @@
     </p:spTree>
     <p:extLst>
       <p:ext uri="{BB962C8B-B14F-4D97-AF65-F5344CB8AC3E}">
-        <p14:creationId xmlns:p14="http://schemas.microsoft.com/office/powerpoint/2010/main" val="1955320143"/>
+        <p14:creationId xmlns:p14="http://schemas.microsoft.com/office/powerpoint/2010/main" xmlns="" val="1955320143"/>
       </p:ext>
     </p:extLst>
   </p:cSld>
@@ -2257,6 +2267,7 @@
           <a:p>
             <a:fld id="{5C3E78F2-8F34-4ED3-BF67-D7921400C305}" type="slidenum">
               <a:rPr lang="zh-CN" altLang="en-US" smtClean="0"/>
+              <a:pPr/>
               <a:t>9</a:t>
             </a:fld>
             <a:endParaRPr lang="zh-CN" altLang="en-US"/>
@@ -2266,7 +2277,7 @@
     </p:spTree>
     <p:extLst>
       <p:ext uri="{BB962C8B-B14F-4D97-AF65-F5344CB8AC3E}">
-        <p14:creationId xmlns:p14="http://schemas.microsoft.com/office/powerpoint/2010/main" val="2392600838"/>
+        <p14:creationId xmlns:p14="http://schemas.microsoft.com/office/powerpoint/2010/main" xmlns="" val="2392600838"/>
       </p:ext>
     </p:extLst>
   </p:cSld>
@@ -7342,7 +7353,7 @@
           <a:blip r:embed="rId19">
             <a:extLst>
               <a:ext uri="{28A0092B-C50C-407E-A947-70E740481C1C}">
-                <a14:useLocalDpi xmlns:a14="http://schemas.microsoft.com/office/drawing/2010/main" val="0"/>
+                <a14:useLocalDpi xmlns:a14="http://schemas.microsoft.com/office/drawing/2010/main" xmlns="" val="0"/>
               </a:ext>
             </a:extLst>
           </a:blip>
@@ -7371,7 +7382,7 @@
           <a:blip r:embed="rId20">
             <a:extLst>
               <a:ext uri="{28A0092B-C50C-407E-A947-70E740481C1C}">
-                <a14:useLocalDpi xmlns:a14="http://schemas.microsoft.com/office/drawing/2010/main" val="0"/>
+                <a14:useLocalDpi xmlns:a14="http://schemas.microsoft.com/office/drawing/2010/main" xmlns="" val="0"/>
               </a:ext>
             </a:extLst>
           </a:blip>
@@ -7463,7 +7474,7 @@
           <a:blip r:embed="rId21">
             <a:extLst>
               <a:ext uri="{28A0092B-C50C-407E-A947-70E740481C1C}">
-                <a14:useLocalDpi xmlns:a14="http://schemas.microsoft.com/office/drawing/2010/main" val="0"/>
+                <a14:useLocalDpi xmlns:a14="http://schemas.microsoft.com/office/drawing/2010/main" xmlns="" val="0"/>
               </a:ext>
             </a:extLst>
           </a:blip>
@@ -7492,7 +7503,7 @@
           <a:blip r:embed="rId22">
             <a:extLst>
               <a:ext uri="{28A0092B-C50C-407E-A947-70E740481C1C}">
-                <a14:useLocalDpi xmlns:a14="http://schemas.microsoft.com/office/drawing/2010/main" val="0"/>
+                <a14:useLocalDpi xmlns:a14="http://schemas.microsoft.com/office/drawing/2010/main" xmlns="" val="0"/>
               </a:ext>
             </a:extLst>
           </a:blip>
@@ -8241,7 +8252,7 @@
     </p:spTree>
     <p:extLst>
       <p:ext uri="{BB962C8B-B14F-4D97-AF65-F5344CB8AC3E}">
-        <p14:creationId xmlns:p14="http://schemas.microsoft.com/office/powerpoint/2010/main" val="2108226584"/>
+        <p14:creationId xmlns:p14="http://schemas.microsoft.com/office/powerpoint/2010/main" xmlns="" val="2108226584"/>
       </p:ext>
     </p:extLst>
   </p:cSld>
@@ -8627,7 +8638,7 @@
     </p:spTree>
     <p:extLst>
       <p:ext uri="{BB962C8B-B14F-4D97-AF65-F5344CB8AC3E}">
-        <p14:creationId xmlns:p14="http://schemas.microsoft.com/office/powerpoint/2010/main" val="380516553"/>
+        <p14:creationId xmlns:p14="http://schemas.microsoft.com/office/powerpoint/2010/main" xmlns="" val="380516553"/>
       </p:ext>
     </p:extLst>
   </p:cSld>
@@ -8919,7 +8930,7 @@
     </p:spTree>
     <p:extLst>
       <p:ext uri="{BB962C8B-B14F-4D97-AF65-F5344CB8AC3E}">
-        <p14:creationId xmlns:p14="http://schemas.microsoft.com/office/powerpoint/2010/main" val="161341642"/>
+        <p14:creationId xmlns:p14="http://schemas.microsoft.com/office/powerpoint/2010/main" xmlns="" val="161341642"/>
       </p:ext>
     </p:extLst>
   </p:cSld>
@@ -9671,7 +9682,7 @@
     </p:spTree>
     <p:extLst>
       <p:ext uri="{BB962C8B-B14F-4D97-AF65-F5344CB8AC3E}">
-        <p14:creationId xmlns:p14="http://schemas.microsoft.com/office/powerpoint/2010/main" val="522755690"/>
+        <p14:creationId xmlns:p14="http://schemas.microsoft.com/office/powerpoint/2010/main" xmlns="" val="522755690"/>
       </p:ext>
     </p:extLst>
   </p:cSld>
@@ -9681,9 +9692,301 @@
   <p:timing>
     <p:tnLst>
       <p:par>
-        <p:cTn id="1" dur="indefinite" restart="never" nodeType="tmRoot"/>
+        <p:cTn id="1" dur="indefinite" restart="never" nodeType="tmRoot">
+          <p:childTnLst>
+            <p:seq concurrent="1" nextAc="seek">
+              <p:cTn id="2" dur="indefinite" nodeType="mainSeq">
+                <p:childTnLst>
+                  <p:par>
+                    <p:cTn id="3" fill="hold">
+                      <p:stCondLst>
+                        <p:cond delay="indefinite"/>
+                      </p:stCondLst>
+                      <p:childTnLst>
+                        <p:par>
+                          <p:cTn id="4" fill="hold">
+                            <p:stCondLst>
+                              <p:cond delay="0"/>
+                            </p:stCondLst>
+                            <p:childTnLst>
+                              <p:par>
+                                <p:cTn id="5" presetID="16" presetClass="entr" presetSubtype="21" fill="hold" nodeType="clickEffect">
+                                  <p:stCondLst>
+                                    <p:cond delay="0"/>
+                                  </p:stCondLst>
+                                  <p:childTnLst>
+                                    <p:set>
+                                      <p:cBhvr>
+                                        <p:cTn id="6" dur="1" fill="hold">
+                                          <p:stCondLst>
+                                            <p:cond delay="0"/>
+                                          </p:stCondLst>
+                                        </p:cTn>
+                                        <p:tgtEl>
+                                          <p:spTgt spid="18"/>
+                                        </p:tgtEl>
+                                        <p:attrNameLst>
+                                          <p:attrName>style.visibility</p:attrName>
+                                        </p:attrNameLst>
+                                      </p:cBhvr>
+                                      <p:to>
+                                        <p:strVal val="visible"/>
+                                      </p:to>
+                                    </p:set>
+                                    <p:animEffect transition="in" filter="barn(inVertical)">
+                                      <p:cBhvr>
+                                        <p:cTn id="7" dur="500"/>
+                                        <p:tgtEl>
+                                          <p:spTgt spid="18"/>
+                                        </p:tgtEl>
+                                      </p:cBhvr>
+                                    </p:animEffect>
+                                  </p:childTnLst>
+                                </p:cTn>
+                              </p:par>
+                              <p:par>
+                                <p:cTn id="8" presetID="16" presetClass="entr" presetSubtype="21" fill="hold" grpId="0" nodeType="withEffect">
+                                  <p:stCondLst>
+                                    <p:cond delay="0"/>
+                                  </p:stCondLst>
+                                  <p:childTnLst>
+                                    <p:set>
+                                      <p:cBhvr>
+                                        <p:cTn id="9" dur="1" fill="hold">
+                                          <p:stCondLst>
+                                            <p:cond delay="0"/>
+                                          </p:stCondLst>
+                                        </p:cTn>
+                                        <p:tgtEl>
+                                          <p:spTgt spid="19"/>
+                                        </p:tgtEl>
+                                        <p:attrNameLst>
+                                          <p:attrName>style.visibility</p:attrName>
+                                        </p:attrNameLst>
+                                      </p:cBhvr>
+                                      <p:to>
+                                        <p:strVal val="visible"/>
+                                      </p:to>
+                                    </p:set>
+                                    <p:animEffect transition="in" filter="barn(inVertical)">
+                                      <p:cBhvr>
+                                        <p:cTn id="10" dur="500"/>
+                                        <p:tgtEl>
+                                          <p:spTgt spid="19"/>
+                                        </p:tgtEl>
+                                      </p:cBhvr>
+                                    </p:animEffect>
+                                  </p:childTnLst>
+                                </p:cTn>
+                              </p:par>
+                            </p:childTnLst>
+                          </p:cTn>
+                        </p:par>
+                      </p:childTnLst>
+                    </p:cTn>
+                  </p:par>
+                  <p:par>
+                    <p:cTn id="11" fill="hold">
+                      <p:stCondLst>
+                        <p:cond delay="indefinite"/>
+                      </p:stCondLst>
+                      <p:childTnLst>
+                        <p:par>
+                          <p:cTn id="12" fill="hold">
+                            <p:stCondLst>
+                              <p:cond delay="0"/>
+                            </p:stCondLst>
+                            <p:childTnLst>
+                              <p:par>
+                                <p:cTn id="13" presetID="16" presetClass="entr" presetSubtype="21" fill="hold" nodeType="clickEffect">
+                                  <p:stCondLst>
+                                    <p:cond delay="0"/>
+                                  </p:stCondLst>
+                                  <p:childTnLst>
+                                    <p:set>
+                                      <p:cBhvr>
+                                        <p:cTn id="14" dur="1" fill="hold">
+                                          <p:stCondLst>
+                                            <p:cond delay="0"/>
+                                          </p:stCondLst>
+                                        </p:cTn>
+                                        <p:tgtEl>
+                                          <p:spTgt spid="25"/>
+                                        </p:tgtEl>
+                                        <p:attrNameLst>
+                                          <p:attrName>style.visibility</p:attrName>
+                                        </p:attrNameLst>
+                                      </p:cBhvr>
+                                      <p:to>
+                                        <p:strVal val="visible"/>
+                                      </p:to>
+                                    </p:set>
+                                    <p:animEffect transition="in" filter="barn(inVertical)">
+                                      <p:cBhvr>
+                                        <p:cTn id="15" dur="500"/>
+                                        <p:tgtEl>
+                                          <p:spTgt spid="25"/>
+                                        </p:tgtEl>
+                                      </p:cBhvr>
+                                    </p:animEffect>
+                                  </p:childTnLst>
+                                </p:cTn>
+                              </p:par>
+                              <p:par>
+                                <p:cTn id="16" presetID="16" presetClass="entr" presetSubtype="21" fill="hold" grpId="0" nodeType="withEffect">
+                                  <p:stCondLst>
+                                    <p:cond delay="0"/>
+                                  </p:stCondLst>
+                                  <p:childTnLst>
+                                    <p:set>
+                                      <p:cBhvr>
+                                        <p:cTn id="17" dur="1" fill="hold">
+                                          <p:stCondLst>
+                                            <p:cond delay="0"/>
+                                          </p:stCondLst>
+                                        </p:cTn>
+                                        <p:tgtEl>
+                                          <p:spTgt spid="30"/>
+                                        </p:tgtEl>
+                                        <p:attrNameLst>
+                                          <p:attrName>style.visibility</p:attrName>
+                                        </p:attrNameLst>
+                                      </p:cBhvr>
+                                      <p:to>
+                                        <p:strVal val="visible"/>
+                                      </p:to>
+                                    </p:set>
+                                    <p:animEffect transition="in" filter="barn(inVertical)">
+                                      <p:cBhvr>
+                                        <p:cTn id="18" dur="500"/>
+                                        <p:tgtEl>
+                                          <p:spTgt spid="30"/>
+                                        </p:tgtEl>
+                                      </p:cBhvr>
+                                    </p:animEffect>
+                                  </p:childTnLst>
+                                </p:cTn>
+                              </p:par>
+                            </p:childTnLst>
+                          </p:cTn>
+                        </p:par>
+                      </p:childTnLst>
+                    </p:cTn>
+                  </p:par>
+                  <p:par>
+                    <p:cTn id="19" fill="hold">
+                      <p:stCondLst>
+                        <p:cond delay="indefinite"/>
+                      </p:stCondLst>
+                      <p:childTnLst>
+                        <p:par>
+                          <p:cTn id="20" fill="hold">
+                            <p:stCondLst>
+                              <p:cond delay="0"/>
+                            </p:stCondLst>
+                            <p:childTnLst>
+                              <p:par>
+                                <p:cTn id="21" presetID="16" presetClass="entr" presetSubtype="21" fill="hold" nodeType="clickEffect">
+                                  <p:stCondLst>
+                                    <p:cond delay="0"/>
+                                  </p:stCondLst>
+                                  <p:childTnLst>
+                                    <p:set>
+                                      <p:cBhvr>
+                                        <p:cTn id="22" dur="1" fill="hold">
+                                          <p:stCondLst>
+                                            <p:cond delay="0"/>
+                                          </p:stCondLst>
+                                        </p:cTn>
+                                        <p:tgtEl>
+                                          <p:spTgt spid="20"/>
+                                        </p:tgtEl>
+                                        <p:attrNameLst>
+                                          <p:attrName>style.visibility</p:attrName>
+                                        </p:attrNameLst>
+                                      </p:cBhvr>
+                                      <p:to>
+                                        <p:strVal val="visible"/>
+                                      </p:to>
+                                    </p:set>
+                                    <p:animEffect transition="in" filter="barn(inVertical)">
+                                      <p:cBhvr>
+                                        <p:cTn id="23" dur="500"/>
+                                        <p:tgtEl>
+                                          <p:spTgt spid="20"/>
+                                        </p:tgtEl>
+                                      </p:cBhvr>
+                                    </p:animEffect>
+                                  </p:childTnLst>
+                                </p:cTn>
+                              </p:par>
+                              <p:par>
+                                <p:cTn id="24" presetID="16" presetClass="entr" presetSubtype="21" fill="hold" grpId="0" nodeType="withEffect">
+                                  <p:stCondLst>
+                                    <p:cond delay="0"/>
+                                  </p:stCondLst>
+                                  <p:childTnLst>
+                                    <p:set>
+                                      <p:cBhvr>
+                                        <p:cTn id="25" dur="1" fill="hold">
+                                          <p:stCondLst>
+                                            <p:cond delay="0"/>
+                                          </p:stCondLst>
+                                        </p:cTn>
+                                        <p:tgtEl>
+                                          <p:spTgt spid="24"/>
+                                        </p:tgtEl>
+                                        <p:attrNameLst>
+                                          <p:attrName>style.visibility</p:attrName>
+                                        </p:attrNameLst>
+                                      </p:cBhvr>
+                                      <p:to>
+                                        <p:strVal val="visible"/>
+                                      </p:to>
+                                    </p:set>
+                                    <p:animEffect transition="in" filter="barn(inVertical)">
+                                      <p:cBhvr>
+                                        <p:cTn id="26" dur="500"/>
+                                        <p:tgtEl>
+                                          <p:spTgt spid="24"/>
+                                        </p:tgtEl>
+                                      </p:cBhvr>
+                                    </p:animEffect>
+                                  </p:childTnLst>
+                                </p:cTn>
+                              </p:par>
+                            </p:childTnLst>
+                          </p:cTn>
+                        </p:par>
+                      </p:childTnLst>
+                    </p:cTn>
+                  </p:par>
+                </p:childTnLst>
+              </p:cTn>
+              <p:prevCondLst>
+                <p:cond evt="onPrev" delay="0">
+                  <p:tgtEl>
+                    <p:sldTgt/>
+                  </p:tgtEl>
+                </p:cond>
+              </p:prevCondLst>
+              <p:nextCondLst>
+                <p:cond evt="onNext" delay="0">
+                  <p:tgtEl>
+                    <p:sldTgt/>
+                  </p:tgtEl>
+                </p:cond>
+              </p:nextCondLst>
+            </p:seq>
+          </p:childTnLst>
+        </p:cTn>
       </p:par>
     </p:tnLst>
+    <p:bldLst>
+      <p:bldP spid="19" grpId="0"/>
+      <p:bldP spid="24" grpId="0"/>
+      <p:bldP spid="30" grpId="0"/>
+    </p:bldLst>
   </p:timing>
 </p:sld>
 </file>
@@ -10047,7 +10350,7 @@
     </p:spTree>
     <p:extLst>
       <p:ext uri="{BB962C8B-B14F-4D97-AF65-F5344CB8AC3E}">
-        <p14:creationId xmlns:p14="http://schemas.microsoft.com/office/powerpoint/2010/main" val="3799833630"/>
+        <p14:creationId xmlns:p14="http://schemas.microsoft.com/office/powerpoint/2010/main" xmlns="" val="3799833630"/>
       </p:ext>
     </p:extLst>
   </p:cSld>
@@ -10714,7 +11017,7 @@
     </p:spTree>
     <p:extLst>
       <p:ext uri="{BB962C8B-B14F-4D97-AF65-F5344CB8AC3E}">
-        <p14:creationId xmlns:p14="http://schemas.microsoft.com/office/powerpoint/2010/main" val="342832266"/>
+        <p14:creationId xmlns:p14="http://schemas.microsoft.com/office/powerpoint/2010/main" xmlns="" val="342832266"/>
       </p:ext>
     </p:extLst>
   </p:cSld>
@@ -10724,9 +11027,88 @@
   <p:timing>
     <p:tnLst>
       <p:par>
-        <p:cTn id="1" dur="indefinite" restart="never" nodeType="tmRoot"/>
+        <p:cTn id="1" dur="indefinite" restart="never" nodeType="tmRoot">
+          <p:childTnLst>
+            <p:seq concurrent="1" nextAc="seek">
+              <p:cTn id="2" dur="indefinite" nodeType="mainSeq">
+                <p:childTnLst>
+                  <p:par>
+                    <p:cTn id="3" fill="hold">
+                      <p:stCondLst>
+                        <p:cond delay="indefinite"/>
+                      </p:stCondLst>
+                      <p:childTnLst>
+                        <p:par>
+                          <p:cTn id="4" fill="hold">
+                            <p:stCondLst>
+                              <p:cond delay="0"/>
+                            </p:stCondLst>
+                            <p:childTnLst>
+                              <p:par>
+                                <p:cTn id="5" presetID="10" presetClass="entr" presetSubtype="0" fill="hold" grpId="0" nodeType="clickEffect">
+                                  <p:stCondLst>
+                                    <p:cond delay="0"/>
+                                  </p:stCondLst>
+                                  <p:childTnLst>
+                                    <p:set>
+                                      <p:cBhvr>
+                                        <p:cTn id="6" dur="1" fill="hold">
+                                          <p:stCondLst>
+                                            <p:cond delay="0"/>
+                                          </p:stCondLst>
+                                        </p:cTn>
+                                        <p:tgtEl>
+                                          <p:spTgt spid="5"/>
+                                        </p:tgtEl>
+                                        <p:attrNameLst>
+                                          <p:attrName>style.visibility</p:attrName>
+                                        </p:attrNameLst>
+                                      </p:cBhvr>
+                                      <p:to>
+                                        <p:strVal val="visible"/>
+                                      </p:to>
+                                    </p:set>
+                                    <p:animEffect transition="in" filter="fade">
+                                      <p:cBhvr>
+                                        <p:cTn id="7" dur="500"/>
+                                        <p:tgtEl>
+                                          <p:spTgt spid="5"/>
+                                        </p:tgtEl>
+                                      </p:cBhvr>
+                                    </p:animEffect>
+                                  </p:childTnLst>
+                                </p:cTn>
+                              </p:par>
+                            </p:childTnLst>
+                          </p:cTn>
+                        </p:par>
+                      </p:childTnLst>
+                    </p:cTn>
+                  </p:par>
+                </p:childTnLst>
+              </p:cTn>
+              <p:prevCondLst>
+                <p:cond evt="onPrev" delay="0">
+                  <p:tgtEl>
+                    <p:sldTgt/>
+                  </p:tgtEl>
+                </p:cond>
+              </p:prevCondLst>
+              <p:nextCondLst>
+                <p:cond evt="onNext" delay="0">
+                  <p:tgtEl>
+                    <p:sldTgt/>
+                  </p:tgtEl>
+                </p:cond>
+              </p:nextCondLst>
+            </p:seq>
+          </p:childTnLst>
+        </p:cTn>
       </p:par>
     </p:tnLst>
+    <p:bldLst>
+      <p:bldP spid="5" grpId="0"/>
+    </p:bldLst>
   </p:timing>
 </p:sld>
 </file>
@@ -11971,7 +12353,7 @@
     </p:spTree>
     <p:extLst>
       <p:ext uri="{BB962C8B-B14F-4D97-AF65-F5344CB8AC3E}">
-        <p14:creationId xmlns:p14="http://schemas.microsoft.com/office/powerpoint/2010/main" val="1573575831"/>
+        <p14:creationId xmlns:p14="http://schemas.microsoft.com/office/powerpoint/2010/main" xmlns="" val="1573575831"/>
       </p:ext>
     </p:extLst>
   </p:cSld>
@@ -11984,9 +12366,310 @@
   <p:timing>
     <p:tnLst>
       <p:par>
-        <p:cTn id="1" dur="indefinite" restart="never" nodeType="tmRoot"/>
+        <p:cTn id="1" dur="indefinite" restart="never" nodeType="tmRoot">
+          <p:childTnLst>
+            <p:seq concurrent="1" nextAc="seek">
+              <p:cTn id="2" dur="indefinite" nodeType="mainSeq">
+                <p:childTnLst>
+                  <p:par>
+                    <p:cTn id="3" fill="hold">
+                      <p:stCondLst>
+                        <p:cond delay="indefinite"/>
+                      </p:stCondLst>
+                      <p:childTnLst>
+                        <p:par>
+                          <p:cTn id="4" fill="hold">
+                            <p:stCondLst>
+                              <p:cond delay="0"/>
+                            </p:stCondLst>
+                            <p:childTnLst>
+                              <p:par>
+                                <p:cTn id="5" presetID="2" presetClass="entr" presetSubtype="4" fill="hold" grpId="0" nodeType="clickEffect">
+                                  <p:stCondLst>
+                                    <p:cond delay="0"/>
+                                  </p:stCondLst>
+                                  <p:childTnLst>
+                                    <p:set>
+                                      <p:cBhvr>
+                                        <p:cTn id="6" dur="1" fill="hold">
+                                          <p:stCondLst>
+                                            <p:cond delay="0"/>
+                                          </p:stCondLst>
+                                        </p:cTn>
+                                        <p:tgtEl>
+                                          <p:spTgt spid="7"/>
+                                        </p:tgtEl>
+                                        <p:attrNameLst>
+                                          <p:attrName>style.visibility</p:attrName>
+                                        </p:attrNameLst>
+                                      </p:cBhvr>
+                                      <p:to>
+                                        <p:strVal val="visible"/>
+                                      </p:to>
+                                    </p:set>
+                                    <p:anim calcmode="lin" valueType="num">
+                                      <p:cBhvr additive="base">
+                                        <p:cTn id="7" dur="500" fill="hold"/>
+                                        <p:tgtEl>
+                                          <p:spTgt spid="7"/>
+                                        </p:tgtEl>
+                                        <p:attrNameLst>
+                                          <p:attrName>ppt_x</p:attrName>
+                                        </p:attrNameLst>
+                                      </p:cBhvr>
+                                      <p:tavLst>
+                                        <p:tav tm="0">
+                                          <p:val>
+                                            <p:strVal val="#ppt_x"/>
+                                          </p:val>
+                                        </p:tav>
+                                        <p:tav tm="100000">
+                                          <p:val>
+                                            <p:strVal val="#ppt_x"/>
+                                          </p:val>
+                                        </p:tav>
+                                      </p:tavLst>
+                                    </p:anim>
+                                    <p:anim calcmode="lin" valueType="num">
+                                      <p:cBhvr additive="base">
+                                        <p:cTn id="8" dur="500" fill="hold"/>
+                                        <p:tgtEl>
+                                          <p:spTgt spid="7"/>
+                                        </p:tgtEl>
+                                        <p:attrNameLst>
+                                          <p:attrName>ppt_y</p:attrName>
+                                        </p:attrNameLst>
+                                      </p:cBhvr>
+                                      <p:tavLst>
+                                        <p:tav tm="0">
+                                          <p:val>
+                                            <p:strVal val="1+#ppt_h/2"/>
+                                          </p:val>
+                                        </p:tav>
+                                        <p:tav tm="100000">
+                                          <p:val>
+                                            <p:strVal val="#ppt_y"/>
+                                          </p:val>
+                                        </p:tav>
+                                      </p:tavLst>
+                                    </p:anim>
+                                  </p:childTnLst>
+                                </p:cTn>
+                              </p:par>
+                            </p:childTnLst>
+                          </p:cTn>
+                        </p:par>
+                      </p:childTnLst>
+                    </p:cTn>
+                  </p:par>
+                  <p:par>
+                    <p:cTn id="9" fill="hold">
+                      <p:stCondLst>
+                        <p:cond delay="indefinite"/>
+                      </p:stCondLst>
+                      <p:childTnLst>
+                        <p:par>
+                          <p:cTn id="10" fill="hold">
+                            <p:stCondLst>
+                              <p:cond delay="0"/>
+                            </p:stCondLst>
+                            <p:childTnLst>
+                              <p:par>
+                                <p:cTn id="11" presetID="2" presetClass="entr" presetSubtype="4" fill="hold" grpId="0" nodeType="clickEffect">
+                                  <p:stCondLst>
+                                    <p:cond delay="0"/>
+                                  </p:stCondLst>
+                                  <p:childTnLst>
+                                    <p:set>
+                                      <p:cBhvr>
+                                        <p:cTn id="12" dur="1" fill="hold">
+                                          <p:stCondLst>
+                                            <p:cond delay="0"/>
+                                          </p:stCondLst>
+                                        </p:cTn>
+                                        <p:tgtEl>
+                                          <p:spTgt spid="8"/>
+                                        </p:tgtEl>
+                                        <p:attrNameLst>
+                                          <p:attrName>style.visibility</p:attrName>
+                                        </p:attrNameLst>
+                                      </p:cBhvr>
+                                      <p:to>
+                                        <p:strVal val="visible"/>
+                                      </p:to>
+                                    </p:set>
+                                    <p:anim calcmode="lin" valueType="num">
+                                      <p:cBhvr additive="base">
+                                        <p:cTn id="13" dur="500" fill="hold"/>
+                                        <p:tgtEl>
+                                          <p:spTgt spid="8"/>
+                                        </p:tgtEl>
+                                        <p:attrNameLst>
+                                          <p:attrName>ppt_x</p:attrName>
+                                        </p:attrNameLst>
+                                      </p:cBhvr>
+                                      <p:tavLst>
+                                        <p:tav tm="0">
+                                          <p:val>
+                                            <p:strVal val="#ppt_x"/>
+                                          </p:val>
+                                        </p:tav>
+                                        <p:tav tm="100000">
+                                          <p:val>
+                                            <p:strVal val="#ppt_x"/>
+                                          </p:val>
+                                        </p:tav>
+                                      </p:tavLst>
+                                    </p:anim>
+                                    <p:anim calcmode="lin" valueType="num">
+                                      <p:cBhvr additive="base">
+                                        <p:cTn id="14" dur="500" fill="hold"/>
+                                        <p:tgtEl>
+                                          <p:spTgt spid="8"/>
+                                        </p:tgtEl>
+                                        <p:attrNameLst>
+                                          <p:attrName>ppt_y</p:attrName>
+                                        </p:attrNameLst>
+                                      </p:cBhvr>
+                                      <p:tavLst>
+                                        <p:tav tm="0">
+                                          <p:val>
+                                            <p:strVal val="1+#ppt_h/2"/>
+                                          </p:val>
+                                        </p:tav>
+                                        <p:tav tm="100000">
+                                          <p:val>
+                                            <p:strVal val="#ppt_y"/>
+                                          </p:val>
+                                        </p:tav>
+                                      </p:tavLst>
+                                    </p:anim>
+                                  </p:childTnLst>
+                                </p:cTn>
+                              </p:par>
+                            </p:childTnLst>
+                          </p:cTn>
+                        </p:par>
+                      </p:childTnLst>
+                    </p:cTn>
+                  </p:par>
+                  <p:par>
+                    <p:cTn id="15" fill="hold">
+                      <p:stCondLst>
+                        <p:cond delay="indefinite"/>
+                      </p:stCondLst>
+                      <p:childTnLst>
+                        <p:par>
+                          <p:cTn id="16" fill="hold">
+                            <p:stCondLst>
+                              <p:cond delay="0"/>
+                            </p:stCondLst>
+                            <p:childTnLst>
+                              <p:par>
+                                <p:cTn id="17" presetID="2" presetClass="entr" presetSubtype="4" fill="hold" grpId="0" nodeType="clickEffect">
+                                  <p:stCondLst>
+                                    <p:cond delay="0"/>
+                                  </p:stCondLst>
+                                  <p:childTnLst>
+                                    <p:set>
+                                      <p:cBhvr>
+                                        <p:cTn id="18" dur="1" fill="hold">
+                                          <p:stCondLst>
+                                            <p:cond delay="0"/>
+                                          </p:stCondLst>
+                                        </p:cTn>
+                                        <p:tgtEl>
+                                          <p:spTgt spid="9"/>
+                                        </p:tgtEl>
+                                        <p:attrNameLst>
+                                          <p:attrName>style.visibility</p:attrName>
+                                        </p:attrNameLst>
+                                      </p:cBhvr>
+                                      <p:to>
+                                        <p:strVal val="visible"/>
+                                      </p:to>
+                                    </p:set>
+                                    <p:anim calcmode="lin" valueType="num">
+                                      <p:cBhvr additive="base">
+                                        <p:cTn id="19" dur="500" fill="hold"/>
+                                        <p:tgtEl>
+                                          <p:spTgt spid="9"/>
+                                        </p:tgtEl>
+                                        <p:attrNameLst>
+                                          <p:attrName>ppt_x</p:attrName>
+                                        </p:attrNameLst>
+                                      </p:cBhvr>
+                                      <p:tavLst>
+                                        <p:tav tm="0">
+                                          <p:val>
+                                            <p:strVal val="#ppt_x"/>
+                                          </p:val>
+                                        </p:tav>
+                                        <p:tav tm="100000">
+                                          <p:val>
+                                            <p:strVal val="#ppt_x"/>
+                                          </p:val>
+                                        </p:tav>
+                                      </p:tavLst>
+                                    </p:anim>
+                                    <p:anim calcmode="lin" valueType="num">
+                                      <p:cBhvr additive="base">
+                                        <p:cTn id="20" dur="500" fill="hold"/>
+                                        <p:tgtEl>
+                                          <p:spTgt spid="9"/>
+                                        </p:tgtEl>
+                                        <p:attrNameLst>
+                                          <p:attrName>ppt_y</p:attrName>
+                                        </p:attrNameLst>
+                                      </p:cBhvr>
+                                      <p:tavLst>
+                                        <p:tav tm="0">
+                                          <p:val>
+                                            <p:strVal val="1+#ppt_h/2"/>
+                                          </p:val>
+                                        </p:tav>
+                                        <p:tav tm="100000">
+                                          <p:val>
+                                            <p:strVal val="#ppt_y"/>
+                                          </p:val>
+                                        </p:tav>
+                                      </p:tavLst>
+                                    </p:anim>
+                                  </p:childTnLst>
+                                </p:cTn>
+                              </p:par>
+                            </p:childTnLst>
+                          </p:cTn>
+                        </p:par>
+                      </p:childTnLst>
+                    </p:cTn>
+                  </p:par>
+                </p:childTnLst>
+              </p:cTn>
+              <p:prevCondLst>
+                <p:cond evt="onPrev" delay="0">
+                  <p:tgtEl>
+                    <p:sldTgt/>
+                  </p:tgtEl>
+                </p:cond>
+              </p:prevCondLst>
+              <p:nextCondLst>
+                <p:cond evt="onNext" delay="0">
+                  <p:tgtEl>
+                    <p:sldTgt/>
+                  </p:tgtEl>
+                </p:cond>
+              </p:nextCondLst>
+            </p:seq>
+          </p:childTnLst>
+        </p:cTn>
       </p:par>
     </p:tnLst>
+    <p:bldLst>
+      <p:bldP spid="7" grpId="0"/>
+      <p:bldP spid="8" grpId="0"/>
+      <p:bldP spid="9" grpId="0"/>
+    </p:bldLst>
   </p:timing>
 </p:sld>
 </file>
@@ -12421,7 +13104,7 @@
     </p:spTree>
     <p:extLst>
       <p:ext uri="{BB962C8B-B14F-4D97-AF65-F5344CB8AC3E}">
-        <p14:creationId xmlns:p14="http://schemas.microsoft.com/office/powerpoint/2010/main" val="3242372485"/>
+        <p14:creationId xmlns:p14="http://schemas.microsoft.com/office/powerpoint/2010/main" xmlns="" val="3242372485"/>
       </p:ext>
     </p:extLst>
   </p:cSld>
@@ -13361,7 +14044,7 @@
     </p:spTree>
     <p:extLst>
       <p:ext uri="{BB962C8B-B14F-4D97-AF65-F5344CB8AC3E}">
-        <p14:creationId xmlns:p14="http://schemas.microsoft.com/office/powerpoint/2010/main" val="996191962"/>
+        <p14:creationId xmlns:p14="http://schemas.microsoft.com/office/powerpoint/2010/main" xmlns="" val="996191962"/>
       </p:ext>
     </p:extLst>
   </p:cSld>
@@ -13641,7 +14324,7 @@
   <a:extraClrSchemeLst/>
   <a:extLst>
     <a:ext uri="{05A4C25C-085E-4340-85A3-A5531E510DB2}">
-      <thm15:themeFamily xmlns:thm15="http://schemas.microsoft.com/office/thememl/2012/main" name="Ion" id="{B8441ADB-2E43-4AF7-B97A-BD870242C6A8}" vid="{292E63A9-BB86-4E3D-B92A-7223C6510D2E}"/>
+      <thm15:themeFamily xmlns:thm15="http://schemas.microsoft.com/office/thememl/2012/main" xmlns="" name="Ion" id="{B8441ADB-2E43-4AF7-B97A-BD870242C6A8}" vid="{292E63A9-BB86-4E3D-B92A-7223C6510D2E}"/>
     </a:ext>
   </a:extLst>
 </a:theme>
@@ -13690,7 +14373,7 @@
     </a:clrScheme>
     <a:fontScheme name="Office">
       <a:majorFont>
-        <a:latin typeface="Calibri Light" panose="020F0302020204030204"/>
+        <a:latin typeface="Calibri Light"/>
         <a:ea typeface=""/>
         <a:cs typeface=""/>
         <a:font script="Jpan" typeface="ＭＳ Ｐゴシック"/>
@@ -13725,7 +14408,7 @@
         <a:font script="Geor" typeface="Sylfaen"/>
       </a:majorFont>
       <a:minorFont>
-        <a:latin typeface="Calibri" panose="020F0502020204030204"/>
+        <a:latin typeface="Calibri"/>
         <a:ea typeface=""/>
         <a:cs typeface=""/>
         <a:font script="Jpan" typeface="ＭＳ Ｐゴシック"/>
@@ -13902,7 +14585,7 @@
   <a:extraClrSchemeLst/>
   <a:extLst>
     <a:ext uri="{05A4C25C-085E-4340-85A3-A5531E510DB2}">
-      <thm15:themeFamily xmlns:thm15="http://schemas.microsoft.com/office/thememl/2012/main" name="Office Theme" id="{62F939B6-93AF-4DB8-9C6B-D6C7DFDC589F}" vid="{4A3C46E8-61CC-4603-A589-7422A47A8E4A}"/>
+      <thm15:themeFamily xmlns:thm15="http://schemas.microsoft.com/office/thememl/2012/main" xmlns="" name="Office Theme" id="{62F939B6-93AF-4DB8-9C6B-D6C7DFDC589F}" vid="{4A3C46E8-61CC-4603-A589-7422A47A8E4A}"/>
     </a:ext>
   </a:extLst>
 </a:theme>

--- a/Introduction to Redux for Angular2.pptx
+++ b/Introduction to Redux for Angular2.pptx
@@ -5,7 +5,7 @@
     <p:sldMasterId id="2147483648" r:id="rId1"/>
   </p:sldMasterIdLst>
   <p:notesMasterIdLst>
-    <p:notesMasterId r:id="rId11"/>
+    <p:notesMasterId r:id="rId12"/>
   </p:notesMasterIdLst>
   <p:sldIdLst>
     <p:sldId id="256" r:id="rId2"/>
@@ -17,6 +17,7 @@
     <p:sldId id="263" r:id="rId8"/>
     <p:sldId id="265" r:id="rId9"/>
     <p:sldId id="266" r:id="rId10"/>
+    <p:sldId id="267" r:id="rId11"/>
   </p:sldIdLst>
   <p:sldSz cx="12192000" cy="6858000"/>
   <p:notesSz cx="6858000" cy="9144000"/>
@@ -117,7 +118,7 @@
   </p:defaultTextStyle>
   <p:extLst>
     <p:ext uri="{EFAFB233-063F-42B5-8137-9DF3F51BA10A}">
-      <p15:sldGuideLst xmlns:p15="http://schemas.microsoft.com/office/powerpoint/2012/main" xmlns="">
+      <p15:sldGuideLst xmlns:p15="http://schemas.microsoft.com/office/powerpoint/2012/main">
         <p15:guide id="1" orient="horz" pos="2160">
           <p15:clr>
             <a:srgbClr val="A4A3A4"/>
@@ -139,7 +140,7 @@
   <p:cmAuthor id="1" name="HideMde" initials="H" lastIdx="1" clrIdx="0">
     <p:extLst>
       <p:ext uri="{19B8F6BF-5375-455C-9EA6-DF929625EA0E}">
-        <p15:presenceInfo xmlns:p15="http://schemas.microsoft.com/office/powerpoint/2012/main" xmlns="" userId="HideMde" providerId="None"/>
+        <p15:presenceInfo xmlns:p15="http://schemas.microsoft.com/office/powerpoint/2012/main" userId="HideMde" providerId="None"/>
       </p:ext>
     </p:extLst>
   </p:cmAuthor>
@@ -229,7 +230,7 @@
             <a:fld id="{35EB53D0-47FF-47D9-AE36-6B2952A5EE8A}" type="datetimeFigureOut">
               <a:rPr lang="zh-CN" altLang="en-US" smtClean="0"/>
               <a:pPr/>
-              <a:t>2017/9/12</a:t>
+              <a:t>2017/9/13</a:t>
             </a:fld>
             <a:endParaRPr lang="zh-CN" altLang="en-US"/>
           </a:p>
@@ -398,7 +399,7 @@
     </p:spTree>
     <p:extLst>
       <p:ext uri="{BB962C8B-B14F-4D97-AF65-F5344CB8AC3E}">
-        <p14:creationId xmlns:p14="http://schemas.microsoft.com/office/powerpoint/2010/main" xmlns="" val="2677966259"/>
+        <p14:creationId xmlns:p14="http://schemas.microsoft.com/office/powerpoint/2010/main" val="2677966259"/>
       </p:ext>
     </p:extLst>
   </p:cSld>
@@ -573,7 +574,112 @@
     </p:spTree>
     <p:extLst>
       <p:ext uri="{BB962C8B-B14F-4D97-AF65-F5344CB8AC3E}">
-        <p14:creationId xmlns:p14="http://schemas.microsoft.com/office/powerpoint/2010/main" xmlns="" val="2914170522"/>
+        <p14:creationId xmlns:p14="http://schemas.microsoft.com/office/powerpoint/2010/main" val="2914170522"/>
+      </p:ext>
+    </p:extLst>
+  </p:cSld>
+  <p:clrMapOvr>
+    <a:masterClrMapping/>
+  </p:clrMapOvr>
+</p:notes>
+</file>
+
+<file path=ppt/notesSlides/notesSlide10.xml><?xml version="1.0" encoding="utf-8"?>
+<p:notes xmlns:a="http://schemas.openxmlformats.org/drawingml/2006/main" xmlns:r="http://schemas.openxmlformats.org/officeDocument/2006/relationships" xmlns:p="http://schemas.openxmlformats.org/presentationml/2006/main">
+  <p:cSld>
+    <p:spTree>
+      <p:nvGrpSpPr>
+        <p:cNvPr id="1" name=""/>
+        <p:cNvGrpSpPr/>
+        <p:nvPr/>
+      </p:nvGrpSpPr>
+      <p:grpSpPr>
+        <a:xfrm>
+          <a:off x="0" y="0"/>
+          <a:ext cx="0" cy="0"/>
+          <a:chOff x="0" y="0"/>
+          <a:chExt cx="0" cy="0"/>
+        </a:xfrm>
+      </p:grpSpPr>
+      <p:sp>
+        <p:nvSpPr>
+          <p:cNvPr id="2" name="幻灯片图像占位符 1"/>
+          <p:cNvSpPr>
+            <a:spLocks noGrp="1" noRot="1" noChangeAspect="1"/>
+          </p:cNvSpPr>
+          <p:nvPr>
+            <p:ph type="sldImg"/>
+          </p:nvPr>
+        </p:nvSpPr>
+        <p:spPr/>
+      </p:sp>
+      <p:sp>
+        <p:nvSpPr>
+          <p:cNvPr id="3" name="备注占位符 2"/>
+          <p:cNvSpPr>
+            <a:spLocks noGrp="1"/>
+          </p:cNvSpPr>
+          <p:nvPr>
+            <p:ph type="body" idx="1"/>
+          </p:nvPr>
+        </p:nvSpPr>
+        <p:spPr/>
+        <p:txBody>
+          <a:bodyPr/>
+          <a:lstStyle/>
+          <a:p>
+            <a:r>
+              <a:rPr lang="zh-CN" altLang="en-US" sz="1200" b="0" i="0" kern="1200" dirty="0" smtClean="0">
+                <a:solidFill>
+                  <a:schemeClr val="tx1"/>
+                </a:solidFill>
+                <a:effectLst/>
+                <a:latin typeface="+mn-lt"/>
+                <a:ea typeface="+mn-ea"/>
+                <a:cs typeface="+mn-cs"/>
+              </a:rPr>
+              <a:t>其他一样扩展</a:t>
+            </a:r>
+            <a:endParaRPr lang="en-US" sz="1200" b="0" i="0" kern="1200" dirty="0">
+              <a:solidFill>
+                <a:schemeClr val="tx1"/>
+              </a:solidFill>
+              <a:effectLst/>
+              <a:latin typeface="+mn-lt"/>
+              <a:ea typeface="+mn-ea"/>
+              <a:cs typeface="+mn-cs"/>
+            </a:endParaRPr>
+          </a:p>
+        </p:txBody>
+      </p:sp>
+      <p:sp>
+        <p:nvSpPr>
+          <p:cNvPr id="4" name="灯片编号占位符 3"/>
+          <p:cNvSpPr>
+            <a:spLocks noGrp="1"/>
+          </p:cNvSpPr>
+          <p:nvPr>
+            <p:ph type="sldNum" sz="quarter" idx="10"/>
+          </p:nvPr>
+        </p:nvSpPr>
+        <p:spPr/>
+        <p:txBody>
+          <a:bodyPr/>
+          <a:lstStyle/>
+          <a:p>
+            <a:fld id="{5C3E78F2-8F34-4ED3-BF67-D7921400C305}" type="slidenum">
+              <a:rPr lang="zh-CN" altLang="en-US" smtClean="0"/>
+              <a:pPr/>
+              <a:t>10</a:t>
+            </a:fld>
+            <a:endParaRPr lang="zh-CN" altLang="en-US"/>
+          </a:p>
+        </p:txBody>
+      </p:sp>
+    </p:spTree>
+    <p:extLst>
+      <p:ext uri="{BB962C8B-B14F-4D97-AF65-F5344CB8AC3E}">
+        <p14:creationId xmlns:p14="http://schemas.microsoft.com/office/powerpoint/2010/main" val="3109794827"/>
       </p:ext>
     </p:extLst>
   </p:cSld>
@@ -666,9 +772,29 @@
             </a:r>
             <a:r>
               <a:rPr lang="zh-CN" altLang="en-US" sz="1200" dirty="0" smtClean="0"/>
-              <a:t>状态容器，提供可预测化的状态管理。</a:t>
-            </a:r>
-            <a:endParaRPr lang="en-US" altLang="zh-CN" sz="1200" dirty="0" smtClean="0"/>
+              <a:t>状态容器，提供可预测化的状态管理</a:t>
+            </a:r>
+            <a:r>
+              <a:rPr lang="zh-CN" altLang="en-US" sz="1200" dirty="0" smtClean="0"/>
+              <a:t>。 </a:t>
+            </a:r>
+            <a:r>
+              <a:rPr lang="en-US" altLang="zh-CN" sz="1200" dirty="0" err="1" smtClean="0"/>
+              <a:t>Redux</a:t>
+            </a:r>
+            <a:r>
+              <a:rPr lang="en-US" altLang="zh-CN" sz="1200" dirty="0" smtClean="0"/>
+              <a:t> is a </a:t>
+            </a:r>
+            <a:r>
+              <a:rPr lang="en-US" altLang="zh-CN" sz="1200" b="1" dirty="0" smtClean="0"/>
+              <a:t>predictable</a:t>
+            </a:r>
+            <a:r>
+              <a:rPr lang="en-US" altLang="zh-CN" sz="1200" dirty="0" smtClean="0"/>
+              <a:t> state container for JavaScript apps. </a:t>
+            </a:r>
+            <a:endParaRPr lang="zh-CN" altLang="en-US" sz="1200" dirty="0" smtClean="0"/>
           </a:p>
           <a:p>
             <a:pPr marL="0" marR="0" indent="0" algn="l" defTabSz="914400" rtl="0" eaLnBrk="1" fontAlgn="auto" latinLnBrk="0" hangingPunct="1">
@@ -708,6 +834,26 @@
               <a:tabLst/>
               <a:defRPr/>
             </a:pPr>
+            <a:endParaRPr lang="en-US" altLang="zh-CN" sz="1200" dirty="0" smtClean="0"/>
+          </a:p>
+          <a:p>
+            <a:pPr marL="0" marR="0" indent="0" algn="l" defTabSz="914400" rtl="0" eaLnBrk="1" fontAlgn="auto" latinLnBrk="0" hangingPunct="1">
+              <a:lnSpc>
+                <a:spcPct val="100000"/>
+              </a:lnSpc>
+              <a:spcBef>
+                <a:spcPts val="0"/>
+              </a:spcBef>
+              <a:spcAft>
+                <a:spcPts val="0"/>
+              </a:spcAft>
+              <a:buClrTx/>
+              <a:buSzTx/>
+              <a:buFontTx/>
+              <a:buNone/>
+              <a:tabLst/>
+              <a:defRPr/>
+            </a:pPr>
             <a:r>
               <a:rPr lang="zh-CN" altLang="en-US" sz="1200" dirty="0" smtClean="0"/>
               <a:t>状态是什么？ </a:t>
@@ -745,6 +891,48 @@
               <a:t>)</a:t>
             </a:r>
             <a:endParaRPr lang="zh-CN" altLang="en-US" sz="1200" dirty="0" smtClean="0"/>
+          </a:p>
+          <a:p>
+            <a:endParaRPr lang="en-US" altLang="zh-CN" dirty="0" smtClean="0"/>
+          </a:p>
+          <a:p>
+            <a:r>
+              <a:rPr lang="zh-CN" altLang="en-US" sz="1200" b="0" i="0" kern="1200" dirty="0" smtClean="0">
+                <a:solidFill>
+                  <a:schemeClr val="tx1"/>
+                </a:solidFill>
+                <a:effectLst/>
+                <a:latin typeface="+mn-lt"/>
+                <a:ea typeface="+mn-ea"/>
+                <a:cs typeface="+mn-cs"/>
+              </a:rPr>
+              <a:t>那么什么是状态呢？简单来说对于应用开发来讲，</a:t>
+            </a:r>
+            <a:r>
+              <a:rPr lang="en-US" altLang="zh-CN" sz="1200" b="0" i="0" kern="1200" dirty="0" smtClean="0">
+                <a:solidFill>
+                  <a:schemeClr val="tx1"/>
+                </a:solidFill>
+                <a:effectLst/>
+                <a:latin typeface="+mn-lt"/>
+                <a:ea typeface="+mn-ea"/>
+                <a:cs typeface="+mn-cs"/>
+              </a:rPr>
+              <a:t>UI</a:t>
+            </a:r>
+            <a:r>
+              <a:rPr lang="zh-CN" altLang="en-US" sz="1200" b="0" i="0" kern="1200" dirty="0" smtClean="0">
+                <a:solidFill>
+                  <a:schemeClr val="tx1"/>
+                </a:solidFill>
+                <a:effectLst/>
+                <a:latin typeface="+mn-lt"/>
+                <a:ea typeface="+mn-ea"/>
+                <a:cs typeface="+mn-cs"/>
+              </a:rPr>
+              <a:t>上显示的数据、控件状态、登陆状态等等全部可以看作状态。</a:t>
+            </a:r>
+            <a:endParaRPr lang="en-US" altLang="zh-CN" dirty="0" smtClean="0"/>
           </a:p>
           <a:p>
             <a:endParaRPr lang="en-US" altLang="zh-CN" dirty="0" smtClean="0"/>
@@ -817,7 +1005,7 @@
     </p:spTree>
     <p:extLst>
       <p:ext uri="{BB962C8B-B14F-4D97-AF65-F5344CB8AC3E}">
-        <p14:creationId xmlns:p14="http://schemas.microsoft.com/office/powerpoint/2010/main" xmlns="" val="571204182"/>
+        <p14:creationId xmlns:p14="http://schemas.microsoft.com/office/powerpoint/2010/main" val="571204182"/>
       </p:ext>
     </p:extLst>
   </p:cSld>
@@ -914,7 +1102,7 @@
     </p:spTree>
     <p:extLst>
       <p:ext uri="{BB962C8B-B14F-4D97-AF65-F5344CB8AC3E}">
-        <p14:creationId xmlns:p14="http://schemas.microsoft.com/office/powerpoint/2010/main" xmlns="" val="2399161780"/>
+        <p14:creationId xmlns:p14="http://schemas.microsoft.com/office/powerpoint/2010/main" val="2399161780"/>
       </p:ext>
     </p:extLst>
   </p:cSld>
@@ -974,8 +1162,18 @@
             </a:r>
             <a:r>
               <a:rPr lang="zh-CN" altLang="en-US" dirty="0" smtClean="0"/>
-              <a:t>个独立的组件，</a:t>
-            </a:r>
+              <a:t>个独立的组件</a:t>
+            </a:r>
+            <a:r>
+              <a:rPr lang="zh-CN" altLang="en-US" dirty="0" smtClean="0"/>
+              <a:t>，组装在父容器中。</a:t>
+            </a:r>
+            <a:endParaRPr lang="en-US" altLang="zh-CN" dirty="0" smtClean="0"/>
+          </a:p>
+          <a:p>
+            <a:endParaRPr lang="en-US" altLang="zh-CN" dirty="0" smtClean="0"/>
+          </a:p>
+          <a:p>
             <a:endParaRPr lang="en-US" altLang="zh-CN" dirty="0" smtClean="0"/>
           </a:p>
           <a:p>
@@ -1033,7 +1231,11 @@
             </a:r>
             <a:r>
               <a:rPr lang="zh-CN" altLang="en-US" baseline="0" dirty="0" smtClean="0"/>
-              <a:t>在实现自定义事件。 组件之前相互影响，</a:t>
+              <a:t>在实现自定义事件。 组件之前相互影响</a:t>
+            </a:r>
+            <a:r>
+              <a:rPr lang="zh-CN" altLang="en-US" baseline="0" dirty="0" smtClean="0"/>
+              <a:t>，单个组件职责不够单一，状态相互影响，如果状态没有同步，页面就会出现错乱</a:t>
             </a:r>
             <a:endParaRPr lang="en-US" altLang="zh-CN" baseline="0" dirty="0" smtClean="0"/>
           </a:p>
@@ -1072,7 +1274,7 @@
     </p:spTree>
     <p:extLst>
       <p:ext uri="{BB962C8B-B14F-4D97-AF65-F5344CB8AC3E}">
-        <p14:creationId xmlns:p14="http://schemas.microsoft.com/office/powerpoint/2010/main" xmlns="" val="3343794363"/>
+        <p14:creationId xmlns:p14="http://schemas.microsoft.com/office/powerpoint/2010/main" val="3343794363"/>
       </p:ext>
     </p:extLst>
   </p:cSld>
@@ -1190,7 +1392,7 @@
     </p:spTree>
     <p:extLst>
       <p:ext uri="{BB962C8B-B14F-4D97-AF65-F5344CB8AC3E}">
-        <p14:creationId xmlns:p14="http://schemas.microsoft.com/office/powerpoint/2010/main" xmlns="" val="3422937582"/>
+        <p14:creationId xmlns:p14="http://schemas.microsoft.com/office/powerpoint/2010/main" val="3422937582"/>
       </p:ext>
     </p:extLst>
   </p:cSld>
@@ -1352,7 +1554,7 @@
     </p:spTree>
     <p:extLst>
       <p:ext uri="{BB962C8B-B14F-4D97-AF65-F5344CB8AC3E}">
-        <p14:creationId xmlns:p14="http://schemas.microsoft.com/office/powerpoint/2010/main" xmlns="" val="3490329303"/>
+        <p14:creationId xmlns:p14="http://schemas.microsoft.com/office/powerpoint/2010/main" val="3490329303"/>
       </p:ext>
     </p:extLst>
   </p:cSld>
@@ -1658,7 +1860,7 @@
     </p:spTree>
     <p:extLst>
       <p:ext uri="{BB962C8B-B14F-4D97-AF65-F5344CB8AC3E}">
-        <p14:creationId xmlns:p14="http://schemas.microsoft.com/office/powerpoint/2010/main" xmlns="" val="3699853105"/>
+        <p14:creationId xmlns:p14="http://schemas.microsoft.com/office/powerpoint/2010/main" val="3699853105"/>
       </p:ext>
     </p:extLst>
   </p:cSld>
@@ -1919,7 +2121,7 @@
     </p:spTree>
     <p:extLst>
       <p:ext uri="{BB962C8B-B14F-4D97-AF65-F5344CB8AC3E}">
-        <p14:creationId xmlns:p14="http://schemas.microsoft.com/office/powerpoint/2010/main" xmlns="" val="1955320143"/>
+        <p14:creationId xmlns:p14="http://schemas.microsoft.com/office/powerpoint/2010/main" val="1955320143"/>
       </p:ext>
     </p:extLst>
   </p:cSld>
@@ -2277,7 +2479,7 @@
     </p:spTree>
     <p:extLst>
       <p:ext uri="{BB962C8B-B14F-4D97-AF65-F5344CB8AC3E}">
-        <p14:creationId xmlns:p14="http://schemas.microsoft.com/office/powerpoint/2010/main" xmlns="" val="2392600838"/>
+        <p14:creationId xmlns:p14="http://schemas.microsoft.com/office/powerpoint/2010/main" val="2392600838"/>
       </p:ext>
     </p:extLst>
   </p:cSld>
@@ -2474,7 +2676,7 @@
             <a:fld id="{4AAD347D-5ACD-4C99-B74B-A9C85AD731AF}" type="datetimeFigureOut">
               <a:rPr lang="en-US" dirty="0"/>
               <a:pPr/>
-              <a:t>9/12/2017</a:t>
+              <a:t>9/13/2017</a:t>
             </a:fld>
             <a:endParaRPr lang="en-US" dirty="0"/>
           </a:p>
@@ -2746,7 +2948,7 @@
             <a:fld id="{4509A250-FF31-4206-8172-F9D3106AACB1}" type="datetimeFigureOut">
               <a:rPr lang="en-US" dirty="0"/>
               <a:pPr/>
-              <a:t>9/12/2017</a:t>
+              <a:t>9/13/2017</a:t>
             </a:fld>
             <a:endParaRPr lang="en-US" dirty="0"/>
           </a:p>
@@ -2937,7 +3139,7 @@
             <a:fld id="{4509A250-FF31-4206-8172-F9D3106AACB1}" type="datetimeFigureOut">
               <a:rPr lang="en-US" dirty="0"/>
               <a:pPr/>
-              <a:t>9/12/2017</a:t>
+              <a:t>9/13/2017</a:t>
             </a:fld>
             <a:endParaRPr lang="en-US" dirty="0"/>
           </a:p>
@@ -3207,7 +3409,7 @@
             <a:fld id="{4509A250-FF31-4206-8172-F9D3106AACB1}" type="datetimeFigureOut">
               <a:rPr lang="en-US" dirty="0"/>
               <a:pPr/>
-              <a:t>9/12/2017</a:t>
+              <a:t>9/13/2017</a:t>
             </a:fld>
             <a:endParaRPr lang="en-US" dirty="0"/>
           </a:p>
@@ -3545,7 +3747,7 @@
             <a:fld id="{4509A250-FF31-4206-8172-F9D3106AACB1}" type="datetimeFigureOut">
               <a:rPr lang="en-US" dirty="0"/>
               <a:pPr/>
-              <a:t>9/12/2017</a:t>
+              <a:t>9/13/2017</a:t>
             </a:fld>
             <a:endParaRPr lang="en-US" dirty="0"/>
           </a:p>
@@ -4165,7 +4367,7 @@
             <a:fld id="{4509A250-FF31-4206-8172-F9D3106AACB1}" type="datetimeFigureOut">
               <a:rPr lang="en-US" dirty="0"/>
               <a:pPr/>
-              <a:t>9/12/2017</a:t>
+              <a:t>9/13/2017</a:t>
             </a:fld>
             <a:endParaRPr lang="en-US" dirty="0"/>
           </a:p>
@@ -5022,7 +5224,7 @@
             <a:fld id="{4509A250-FF31-4206-8172-F9D3106AACB1}" type="datetimeFigureOut">
               <a:rPr lang="en-US" dirty="0"/>
               <a:pPr/>
-              <a:t>9/12/2017</a:t>
+              <a:t>9/13/2017</a:t>
             </a:fld>
             <a:endParaRPr lang="en-US" dirty="0"/>
           </a:p>
@@ -5189,7 +5391,7 @@
             <a:fld id="{4509A250-FF31-4206-8172-F9D3106AACB1}" type="datetimeFigureOut">
               <a:rPr lang="en-US" dirty="0"/>
               <a:pPr/>
-              <a:t>9/12/2017</a:t>
+              <a:t>9/13/2017</a:t>
             </a:fld>
             <a:endParaRPr lang="en-US" dirty="0"/>
           </a:p>
@@ -5366,7 +5568,7 @@
             <a:fld id="{4509A250-FF31-4206-8172-F9D3106AACB1}" type="datetimeFigureOut">
               <a:rPr lang="en-US" dirty="0"/>
               <a:pPr/>
-              <a:t>9/12/2017</a:t>
+              <a:t>9/13/2017</a:t>
             </a:fld>
             <a:endParaRPr lang="en-US" dirty="0"/>
           </a:p>
@@ -5533,7 +5735,7 @@
             <a:fld id="{4509A250-FF31-4206-8172-F9D3106AACB1}" type="datetimeFigureOut">
               <a:rPr lang="en-US" dirty="0"/>
               <a:pPr/>
-              <a:t>9/12/2017</a:t>
+              <a:t>9/13/2017</a:t>
             </a:fld>
             <a:endParaRPr lang="en-US" dirty="0"/>
           </a:p>
@@ -5777,7 +5979,7 @@
             <a:fld id="{9796027F-7875-4030-9381-8BD8C4F21935}" type="datetimeFigureOut">
               <a:rPr lang="en-US" dirty="0"/>
               <a:pPr/>
-              <a:t>9/12/2017</a:t>
+              <a:t>9/13/2017</a:t>
             </a:fld>
             <a:endParaRPr lang="en-US" dirty="0"/>
           </a:p>
@@ -6066,7 +6268,7 @@
             <a:fld id="{9796027F-7875-4030-9381-8BD8C4F21935}" type="datetimeFigureOut">
               <a:rPr lang="en-US" dirty="0"/>
               <a:pPr/>
-              <a:t>9/12/2017</a:t>
+              <a:t>9/13/2017</a:t>
             </a:fld>
             <a:endParaRPr lang="en-US" dirty="0"/>
           </a:p>
@@ -6507,7 +6709,7 @@
             <a:fld id="{9796027F-7875-4030-9381-8BD8C4F21935}" type="datetimeFigureOut">
               <a:rPr lang="en-US" dirty="0"/>
               <a:pPr/>
-              <a:t>9/12/2017</a:t>
+              <a:t>9/13/2017</a:t>
             </a:fld>
             <a:endParaRPr lang="en-US" dirty="0"/>
           </a:p>
@@ -6622,7 +6824,7 @@
             <a:fld id="{4509A250-FF31-4206-8172-F9D3106AACB1}" type="datetimeFigureOut">
               <a:rPr lang="en-US" dirty="0"/>
               <a:pPr/>
-              <a:t>9/12/2017</a:t>
+              <a:t>9/13/2017</a:t>
             </a:fld>
             <a:endParaRPr lang="en-US" dirty="0"/>
           </a:p>
@@ -6714,7 +6916,7 @@
             <a:fld id="{4509A250-FF31-4206-8172-F9D3106AACB1}" type="datetimeFigureOut">
               <a:rPr lang="en-US" dirty="0"/>
               <a:pPr/>
-              <a:t>9/12/2017</a:t>
+              <a:t>9/13/2017</a:t>
             </a:fld>
             <a:endParaRPr lang="en-US" dirty="0"/>
           </a:p>
@@ -6990,7 +7192,7 @@
             <a:fld id="{4509A250-FF31-4206-8172-F9D3106AACB1}" type="datetimeFigureOut">
               <a:rPr lang="en-US" dirty="0"/>
               <a:pPr/>
-              <a:t>9/12/2017</a:t>
+              <a:t>9/13/2017</a:t>
             </a:fld>
             <a:endParaRPr lang="en-US" dirty="0"/>
           </a:p>
@@ -7262,7 +7464,7 @@
             <a:fld id="{4509A250-FF31-4206-8172-F9D3106AACB1}" type="datetimeFigureOut">
               <a:rPr lang="en-US" dirty="0"/>
               <a:pPr/>
-              <a:t>9/12/2017</a:t>
+              <a:t>9/13/2017</a:t>
             </a:fld>
             <a:endParaRPr lang="en-US" dirty="0"/>
           </a:p>
@@ -7353,7 +7555,7 @@
           <a:blip r:embed="rId19">
             <a:extLst>
               <a:ext uri="{28A0092B-C50C-407E-A947-70E740481C1C}">
-                <a14:useLocalDpi xmlns:a14="http://schemas.microsoft.com/office/drawing/2010/main" xmlns="" val="0"/>
+                <a14:useLocalDpi xmlns:a14="http://schemas.microsoft.com/office/drawing/2010/main" val="0"/>
               </a:ext>
             </a:extLst>
           </a:blip>
@@ -7382,7 +7584,7 @@
           <a:blip r:embed="rId20">
             <a:extLst>
               <a:ext uri="{28A0092B-C50C-407E-A947-70E740481C1C}">
-                <a14:useLocalDpi xmlns:a14="http://schemas.microsoft.com/office/drawing/2010/main" xmlns="" val="0"/>
+                <a14:useLocalDpi xmlns:a14="http://schemas.microsoft.com/office/drawing/2010/main" val="0"/>
               </a:ext>
             </a:extLst>
           </a:blip>
@@ -7474,7 +7676,7 @@
           <a:blip r:embed="rId21">
             <a:extLst>
               <a:ext uri="{28A0092B-C50C-407E-A947-70E740481C1C}">
-                <a14:useLocalDpi xmlns:a14="http://schemas.microsoft.com/office/drawing/2010/main" xmlns="" val="0"/>
+                <a14:useLocalDpi xmlns:a14="http://schemas.microsoft.com/office/drawing/2010/main" val="0"/>
               </a:ext>
             </a:extLst>
           </a:blip>
@@ -7503,7 +7705,7 @@
           <a:blip r:embed="rId22">
             <a:extLst>
               <a:ext uri="{28A0092B-C50C-407E-A947-70E740481C1C}">
-                <a14:useLocalDpi xmlns:a14="http://schemas.microsoft.com/office/drawing/2010/main" xmlns="" val="0"/>
+                <a14:useLocalDpi xmlns:a14="http://schemas.microsoft.com/office/drawing/2010/main" val="0"/>
               </a:ext>
             </a:extLst>
           </a:blip>
@@ -7688,7 +7890,7 @@
             <a:fld id="{4AAD347D-5ACD-4C99-B74B-A9C85AD731AF}" type="datetimeFigureOut">
               <a:rPr lang="en-US" dirty="0"/>
               <a:pPr/>
-              <a:t>9/12/2017</a:t>
+              <a:t>9/13/2017</a:t>
             </a:fld>
             <a:endParaRPr lang="en-US" dirty="0"/>
           </a:p>
@@ -8252,13 +8454,390 @@
     </p:spTree>
     <p:extLst>
       <p:ext uri="{BB962C8B-B14F-4D97-AF65-F5344CB8AC3E}">
-        <p14:creationId xmlns:p14="http://schemas.microsoft.com/office/powerpoint/2010/main" xmlns="" val="2108226584"/>
+        <p14:creationId xmlns:p14="http://schemas.microsoft.com/office/powerpoint/2010/main" val="2108226584"/>
       </p:ext>
     </p:extLst>
   </p:cSld>
   <p:clrMapOvr>
     <a:masterClrMapping/>
   </p:clrMapOvr>
+  <p:timing>
+    <p:tnLst>
+      <p:par>
+        <p:cTn id="1" dur="indefinite" restart="never" nodeType="tmRoot"/>
+      </p:par>
+    </p:tnLst>
+  </p:timing>
+</p:sld>
+</file>
+
+<file path=ppt/slides/slide10.xml><?xml version="1.0" encoding="utf-8"?>
+<p:sld xmlns:a="http://schemas.openxmlformats.org/drawingml/2006/main" xmlns:r="http://schemas.openxmlformats.org/officeDocument/2006/relationships" xmlns:p="http://schemas.openxmlformats.org/presentationml/2006/main">
+  <p:cSld>
+    <p:spTree>
+      <p:nvGrpSpPr>
+        <p:cNvPr id="1" name=""/>
+        <p:cNvGrpSpPr/>
+        <p:nvPr/>
+      </p:nvGrpSpPr>
+      <p:grpSpPr>
+        <a:xfrm>
+          <a:off x="0" y="0"/>
+          <a:ext cx="0" cy="0"/>
+          <a:chOff x="0" y="0"/>
+          <a:chExt cx="0" cy="0"/>
+        </a:xfrm>
+      </p:grpSpPr>
+      <p:sp>
+        <p:nvSpPr>
+          <p:cNvPr id="2" name="标题 1"/>
+          <p:cNvSpPr>
+            <a:spLocks noGrp="1"/>
+          </p:cNvSpPr>
+          <p:nvPr>
+            <p:ph type="title"/>
+          </p:nvPr>
+        </p:nvSpPr>
+        <p:spPr>
+          <a:xfrm>
+            <a:off x="1057275" y="700088"/>
+            <a:ext cx="8993559" cy="971396"/>
+          </a:xfrm>
+        </p:spPr>
+        <p:txBody>
+          <a:bodyPr/>
+          <a:lstStyle/>
+          <a:p>
+            <a:pPr algn="ctr"/>
+            <a:r>
+              <a:rPr lang="en-US" altLang="zh-CN" dirty="0" smtClean="0">
+                <a:solidFill>
+                  <a:srgbClr val="FF0000"/>
+                </a:solidFill>
+              </a:rPr>
+              <a:t>Others</a:t>
+            </a:r>
+            <a:endParaRPr lang="zh-CN" altLang="en-US" dirty="0">
+              <a:solidFill>
+                <a:srgbClr val="FF0000"/>
+              </a:solidFill>
+            </a:endParaRPr>
+          </a:p>
+        </p:txBody>
+      </p:sp>
+      <p:sp>
+        <p:nvSpPr>
+          <p:cNvPr id="18" name="内容占位符 2"/>
+          <p:cNvSpPr txBox="1">
+            <a:spLocks/>
+          </p:cNvSpPr>
+          <p:nvPr/>
+        </p:nvSpPr>
+        <p:spPr>
+          <a:xfrm>
+            <a:off x="1140851" y="1830795"/>
+            <a:ext cx="10579202" cy="3753928"/>
+          </a:xfrm>
+          <a:prstGeom prst="rect">
+            <a:avLst/>
+          </a:prstGeom>
+        </p:spPr>
+        <p:txBody>
+          <a:bodyPr vert="horz" lIns="91440" tIns="45720" rIns="91440" bIns="45720" rtlCol="0">
+            <a:normAutofit/>
+          </a:bodyPr>
+          <a:lstStyle>
+            <a:lvl1pPr marL="342900" indent="-342900" algn="l" defTabSz="457200" rtl="0" eaLnBrk="1" latinLnBrk="0" hangingPunct="1">
+              <a:spcBef>
+                <a:spcPts val="1000"/>
+              </a:spcBef>
+              <a:spcAft>
+                <a:spcPts val="0"/>
+              </a:spcAft>
+              <a:buClr>
+                <a:schemeClr val="bg2">
+                  <a:lumMod val="40000"/>
+                  <a:lumOff val="60000"/>
+                </a:schemeClr>
+              </a:buClr>
+              <a:buSzPct val="80000"/>
+              <a:buFont typeface="Wingdings 3" charset="2"/>
+              <a:buChar char=""/>
+              <a:defRPr sz="2000" b="0" i="0" kern="1200">
+                <a:solidFill>
+                  <a:schemeClr val="tx1"/>
+                </a:solidFill>
+                <a:latin typeface="+mj-lt"/>
+                <a:ea typeface="+mj-ea"/>
+                <a:cs typeface="+mj-cs"/>
+              </a:defRPr>
+            </a:lvl1pPr>
+            <a:lvl2pPr marL="742950" indent="-285750" algn="l" defTabSz="457200" rtl="0" eaLnBrk="1" latinLnBrk="0" hangingPunct="1">
+              <a:spcBef>
+                <a:spcPts val="1000"/>
+              </a:spcBef>
+              <a:spcAft>
+                <a:spcPts val="0"/>
+              </a:spcAft>
+              <a:buClr>
+                <a:schemeClr val="bg2">
+                  <a:lumMod val="40000"/>
+                  <a:lumOff val="60000"/>
+                </a:schemeClr>
+              </a:buClr>
+              <a:buSzPct val="80000"/>
+              <a:buFont typeface="Wingdings 3" charset="2"/>
+              <a:buChar char=""/>
+              <a:defRPr sz="1800" b="0" i="0" kern="1200">
+                <a:solidFill>
+                  <a:schemeClr val="tx1"/>
+                </a:solidFill>
+                <a:latin typeface="+mj-lt"/>
+                <a:ea typeface="+mj-ea"/>
+                <a:cs typeface="+mj-cs"/>
+              </a:defRPr>
+            </a:lvl2pPr>
+            <a:lvl3pPr marL="1143000" indent="-228600" algn="l" defTabSz="457200" rtl="0" eaLnBrk="1" latinLnBrk="0" hangingPunct="1">
+              <a:spcBef>
+                <a:spcPts val="1000"/>
+              </a:spcBef>
+              <a:spcAft>
+                <a:spcPts val="0"/>
+              </a:spcAft>
+              <a:buClr>
+                <a:schemeClr val="bg2">
+                  <a:lumMod val="40000"/>
+                  <a:lumOff val="60000"/>
+                </a:schemeClr>
+              </a:buClr>
+              <a:buSzPct val="80000"/>
+              <a:buFont typeface="Wingdings 3" charset="2"/>
+              <a:buChar char=""/>
+              <a:defRPr sz="1600" b="0" i="0" kern="1200">
+                <a:solidFill>
+                  <a:schemeClr val="tx1"/>
+                </a:solidFill>
+                <a:latin typeface="+mj-lt"/>
+                <a:ea typeface="+mj-ea"/>
+                <a:cs typeface="+mj-cs"/>
+              </a:defRPr>
+            </a:lvl3pPr>
+            <a:lvl4pPr marL="1600200" indent="-228600" algn="l" defTabSz="457200" rtl="0" eaLnBrk="1" latinLnBrk="0" hangingPunct="1">
+              <a:spcBef>
+                <a:spcPts val="1000"/>
+              </a:spcBef>
+              <a:spcAft>
+                <a:spcPts val="0"/>
+              </a:spcAft>
+              <a:buClr>
+                <a:schemeClr val="bg2">
+                  <a:lumMod val="40000"/>
+                  <a:lumOff val="60000"/>
+                </a:schemeClr>
+              </a:buClr>
+              <a:buSzPct val="80000"/>
+              <a:buFont typeface="Wingdings 3" charset="2"/>
+              <a:buChar char=""/>
+              <a:defRPr sz="1400" b="0" i="0" kern="1200">
+                <a:solidFill>
+                  <a:schemeClr val="tx1"/>
+                </a:solidFill>
+                <a:latin typeface="+mj-lt"/>
+                <a:ea typeface="+mj-ea"/>
+                <a:cs typeface="+mj-cs"/>
+              </a:defRPr>
+            </a:lvl4pPr>
+            <a:lvl5pPr marL="2057400" indent="-228600" algn="l" defTabSz="457200" rtl="0" eaLnBrk="1" latinLnBrk="0" hangingPunct="1">
+              <a:spcBef>
+                <a:spcPts val="1000"/>
+              </a:spcBef>
+              <a:spcAft>
+                <a:spcPts val="0"/>
+              </a:spcAft>
+              <a:buClr>
+                <a:schemeClr val="bg2">
+                  <a:lumMod val="40000"/>
+                  <a:lumOff val="60000"/>
+                </a:schemeClr>
+              </a:buClr>
+              <a:buSzPct val="80000"/>
+              <a:buFont typeface="Wingdings 3" charset="2"/>
+              <a:buChar char=""/>
+              <a:defRPr sz="1400" b="0" i="0" kern="1200">
+                <a:solidFill>
+                  <a:schemeClr val="tx1"/>
+                </a:solidFill>
+                <a:latin typeface="+mj-lt"/>
+                <a:ea typeface="+mj-ea"/>
+                <a:cs typeface="+mj-cs"/>
+              </a:defRPr>
+            </a:lvl5pPr>
+            <a:lvl6pPr marL="2506000" indent="-228600" algn="l" defTabSz="457200" rtl="0" eaLnBrk="1" latinLnBrk="0" hangingPunct="1">
+              <a:spcBef>
+                <a:spcPts val="1000"/>
+              </a:spcBef>
+              <a:spcAft>
+                <a:spcPts val="0"/>
+              </a:spcAft>
+              <a:buClr>
+                <a:schemeClr val="bg2">
+                  <a:lumMod val="40000"/>
+                  <a:lumOff val="60000"/>
+                </a:schemeClr>
+              </a:buClr>
+              <a:buSzPct val="80000"/>
+              <a:buFont typeface="Wingdings 3" charset="2"/>
+              <a:buChar char=""/>
+              <a:defRPr sz="1400" b="0" i="0" kern="1200">
+                <a:solidFill>
+                  <a:schemeClr val="tx1"/>
+                </a:solidFill>
+                <a:latin typeface="+mj-lt"/>
+                <a:ea typeface="+mj-ea"/>
+                <a:cs typeface="+mj-cs"/>
+              </a:defRPr>
+            </a:lvl6pPr>
+            <a:lvl7pPr marL="2971800" indent="-228600" algn="l" defTabSz="457200" rtl="0" eaLnBrk="1" latinLnBrk="0" hangingPunct="1">
+              <a:spcBef>
+                <a:spcPts val="1000"/>
+              </a:spcBef>
+              <a:spcAft>
+                <a:spcPts val="0"/>
+              </a:spcAft>
+              <a:buClr>
+                <a:schemeClr val="bg2">
+                  <a:lumMod val="40000"/>
+                  <a:lumOff val="60000"/>
+                </a:schemeClr>
+              </a:buClr>
+              <a:buSzPct val="80000"/>
+              <a:buFont typeface="Wingdings 3" charset="2"/>
+              <a:buChar char=""/>
+              <a:defRPr sz="1400" b="0" i="0" kern="1200">
+                <a:solidFill>
+                  <a:schemeClr val="tx1"/>
+                </a:solidFill>
+                <a:latin typeface="+mj-lt"/>
+                <a:ea typeface="+mj-ea"/>
+                <a:cs typeface="+mj-cs"/>
+              </a:defRPr>
+            </a:lvl7pPr>
+            <a:lvl8pPr marL="3429000" indent="-228600" algn="l" defTabSz="457200" rtl="0" eaLnBrk="1" latinLnBrk="0" hangingPunct="1">
+              <a:spcBef>
+                <a:spcPts val="1000"/>
+              </a:spcBef>
+              <a:spcAft>
+                <a:spcPts val="0"/>
+              </a:spcAft>
+              <a:buClr>
+                <a:schemeClr val="bg2">
+                  <a:lumMod val="40000"/>
+                  <a:lumOff val="60000"/>
+                </a:schemeClr>
+              </a:buClr>
+              <a:buSzPct val="80000"/>
+              <a:buFont typeface="Wingdings 3" charset="2"/>
+              <a:buChar char=""/>
+              <a:defRPr sz="1400" b="0" i="0" kern="1200">
+                <a:solidFill>
+                  <a:schemeClr val="tx1"/>
+                </a:solidFill>
+                <a:latin typeface="+mj-lt"/>
+                <a:ea typeface="+mj-ea"/>
+                <a:cs typeface="+mj-cs"/>
+              </a:defRPr>
+            </a:lvl8pPr>
+            <a:lvl9pPr marL="3886200" indent="-228600" algn="l" defTabSz="457200" rtl="0" eaLnBrk="1" latinLnBrk="0" hangingPunct="1">
+              <a:spcBef>
+                <a:spcPts val="1000"/>
+              </a:spcBef>
+              <a:spcAft>
+                <a:spcPts val="0"/>
+              </a:spcAft>
+              <a:buClr>
+                <a:schemeClr val="bg2">
+                  <a:lumMod val="40000"/>
+                  <a:lumOff val="60000"/>
+                </a:schemeClr>
+              </a:buClr>
+              <a:buSzPct val="80000"/>
+              <a:buFont typeface="Wingdings 3" charset="2"/>
+              <a:buChar char=""/>
+              <a:defRPr sz="1400" b="0" i="0" kern="1200">
+                <a:solidFill>
+                  <a:schemeClr val="tx1"/>
+                </a:solidFill>
+                <a:latin typeface="+mj-lt"/>
+                <a:ea typeface="+mj-ea"/>
+                <a:cs typeface="+mj-cs"/>
+              </a:defRPr>
+            </a:lvl9pPr>
+          </a:lstStyle>
+          <a:p>
+            <a:pPr marL="457200" indent="-457200">
+              <a:buAutoNum type="arabicPeriod"/>
+            </a:pPr>
+            <a:r>
+              <a:rPr lang="en-US" dirty="0" err="1"/>
+              <a:t>r</a:t>
+            </a:r>
+            <a:r>
+              <a:rPr lang="en-US" dirty="0" err="1" smtClean="0"/>
+              <a:t>edux</a:t>
+            </a:r>
+            <a:r>
+              <a:rPr lang="en-US" dirty="0" smtClean="0"/>
+              <a:t>-logger</a:t>
+            </a:r>
+            <a:endParaRPr lang="en-US" dirty="0"/>
+          </a:p>
+          <a:p>
+            <a:pPr marL="457200" indent="-457200">
+              <a:buAutoNum type="arabicPeriod"/>
+            </a:pPr>
+            <a:r>
+              <a:rPr lang="en-US" dirty="0" err="1" smtClean="0"/>
+              <a:t>r</a:t>
+            </a:r>
+            <a:r>
+              <a:rPr lang="en-US" dirty="0" err="1" smtClean="0"/>
+              <a:t>edux-devtool</a:t>
+            </a:r>
+            <a:endParaRPr lang="en-US" dirty="0" smtClean="0"/>
+          </a:p>
+          <a:p>
+            <a:pPr marL="457200" indent="-457200">
+              <a:buAutoNum type="arabicPeriod"/>
+            </a:pPr>
+            <a:r>
+              <a:rPr lang="en-US" dirty="0" err="1"/>
+              <a:t>r</a:t>
+            </a:r>
+            <a:r>
+              <a:rPr lang="en-US" dirty="0" err="1" smtClean="0"/>
+              <a:t>edux</a:t>
+            </a:r>
+            <a:r>
+              <a:rPr lang="en-US" dirty="0" smtClean="0"/>
+              <a:t>-observable</a:t>
+            </a:r>
+            <a:endParaRPr lang="en-US" dirty="0"/>
+          </a:p>
+        </p:txBody>
+      </p:sp>
+    </p:spTree>
+    <p:extLst>
+      <p:ext uri="{BB962C8B-B14F-4D97-AF65-F5344CB8AC3E}">
+        <p14:creationId xmlns:p14="http://schemas.microsoft.com/office/powerpoint/2010/main" val="1656791623"/>
+      </p:ext>
+    </p:extLst>
+  </p:cSld>
+  <p:clrMapOvr>
+    <a:masterClrMapping/>
+  </p:clrMapOvr>
+  <p:transition spd="slow">
+    <p:push dir="u"/>
+  </p:transition>
   <p:timing>
     <p:tnLst>
       <p:par>
@@ -8334,7 +8913,7 @@
         </p:nvSpPr>
         <p:spPr>
           <a:xfrm>
-            <a:off x="1185611" y="3568169"/>
+            <a:off x="1057275" y="1873528"/>
             <a:ext cx="9769476" cy="1318932"/>
           </a:xfrm>
         </p:spPr>
@@ -8348,8 +8927,20 @@
               <a:buNone/>
             </a:pPr>
             <a:r>
-              <a:rPr lang="en-US" altLang="zh-CN" sz="2400" dirty="0" smtClean="0"/>
-              <a:t>A library that helps us manage the state of our application.</a:t>
+              <a:rPr lang="en-US" altLang="zh-CN" sz="2400" dirty="0" err="1"/>
+              <a:t>Redux</a:t>
+            </a:r>
+            <a:r>
+              <a:rPr lang="zh-CN" altLang="en-US" sz="2400" dirty="0"/>
+              <a:t>是为了解决应用状态（</a:t>
+            </a:r>
+            <a:r>
+              <a:rPr lang="en-US" altLang="zh-CN" sz="2400" dirty="0"/>
+              <a:t>State</a:t>
+            </a:r>
+            <a:r>
+              <a:rPr lang="zh-CN" altLang="en-US" sz="2400" dirty="0"/>
+              <a:t>）管理而提出的一种解决方案。</a:t>
             </a:r>
             <a:endParaRPr lang="zh-CN" altLang="en-US" sz="2400" dirty="0"/>
           </a:p>
@@ -8607,30 +9198,6 @@
             <a:pPr marL="0" indent="0">
               <a:buNone/>
             </a:pPr>
-            <a:r>
-              <a:rPr lang="en-US" altLang="zh-CN" sz="2400" dirty="0" err="1" smtClean="0"/>
-              <a:t>Redux</a:t>
-            </a:r>
-            <a:r>
-              <a:rPr lang="en-US" altLang="zh-CN" sz="2400" dirty="0" smtClean="0"/>
-              <a:t> </a:t>
-            </a:r>
-            <a:r>
-              <a:rPr lang="en-US" altLang="zh-CN" sz="2400" dirty="0"/>
-              <a:t>is a </a:t>
-            </a:r>
-            <a:r>
-              <a:rPr lang="en-US" altLang="zh-CN" sz="2400" b="1" dirty="0" smtClean="0"/>
-              <a:t>predictable</a:t>
-            </a:r>
-            <a:r>
-              <a:rPr lang="en-US" altLang="zh-CN" sz="2400" dirty="0" smtClean="0"/>
-              <a:t> </a:t>
-            </a:r>
-            <a:r>
-              <a:rPr lang="en-US" altLang="zh-CN" sz="2400" dirty="0"/>
-              <a:t>state container for JavaScript apps. </a:t>
-            </a:r>
             <a:endParaRPr lang="zh-CN" altLang="en-US" sz="2400" dirty="0"/>
           </a:p>
         </p:txBody>
@@ -8638,7 +9205,7 @@
     </p:spTree>
     <p:extLst>
       <p:ext uri="{BB962C8B-B14F-4D97-AF65-F5344CB8AC3E}">
-        <p14:creationId xmlns:p14="http://schemas.microsoft.com/office/powerpoint/2010/main" xmlns="" val="380516553"/>
+        <p14:creationId xmlns:p14="http://schemas.microsoft.com/office/powerpoint/2010/main" val="380516553"/>
       </p:ext>
     </p:extLst>
   </p:cSld>
@@ -8930,7 +9497,7 @@
     </p:spTree>
     <p:extLst>
       <p:ext uri="{BB962C8B-B14F-4D97-AF65-F5344CB8AC3E}">
-        <p14:creationId xmlns:p14="http://schemas.microsoft.com/office/powerpoint/2010/main" xmlns="" val="161341642"/>
+        <p14:creationId xmlns:p14="http://schemas.microsoft.com/office/powerpoint/2010/main" val="161341642"/>
       </p:ext>
     </p:extLst>
   </p:cSld>
@@ -9679,10 +10246,174 @@
           </a:p>
         </p:txBody>
       </p:sp>
+      <p:cxnSp>
+        <p:nvCxnSpPr>
+          <p:cNvPr id="53" name="Straight Arrow Connector 52"/>
+          <p:cNvCxnSpPr/>
+          <p:nvPr/>
+        </p:nvCxnSpPr>
+        <p:spPr>
+          <a:xfrm flipH="1" flipV="1">
+            <a:off x="3175812" y="3033257"/>
+            <a:ext cx="1420763" cy="6"/>
+          </a:xfrm>
+          <a:prstGeom prst="straightConnector1">
+            <a:avLst/>
+          </a:prstGeom>
+          <a:ln w="15875">
+            <a:tailEnd type="triangle"/>
+          </a:ln>
+        </p:spPr>
+        <p:style>
+          <a:lnRef idx="1">
+            <a:schemeClr val="dk1"/>
+          </a:lnRef>
+          <a:fillRef idx="0">
+            <a:schemeClr val="dk1"/>
+          </a:fillRef>
+          <a:effectRef idx="0">
+            <a:schemeClr val="dk1"/>
+          </a:effectRef>
+          <a:fontRef idx="minor">
+            <a:schemeClr val="tx1"/>
+          </a:fontRef>
+        </p:style>
+      </p:cxnSp>
+      <p:sp>
+        <p:nvSpPr>
+          <p:cNvPr id="54" name="Rectangle 53"/>
+          <p:cNvSpPr/>
+          <p:nvPr/>
+        </p:nvSpPr>
+        <p:spPr>
+          <a:xfrm>
+            <a:off x="3232961" y="2995020"/>
+            <a:ext cx="1516628" cy="540775"/>
+          </a:xfrm>
+          <a:prstGeom prst="rect">
+            <a:avLst/>
+          </a:prstGeom>
+          <a:noFill/>
+          <a:ln>
+            <a:noFill/>
+          </a:ln>
+        </p:spPr>
+        <p:style>
+          <a:lnRef idx="2">
+            <a:schemeClr val="dk1"/>
+          </a:lnRef>
+          <a:fillRef idx="1">
+            <a:schemeClr val="lt1"/>
+          </a:fillRef>
+          <a:effectRef idx="0">
+            <a:schemeClr val="dk1"/>
+          </a:effectRef>
+          <a:fontRef idx="minor">
+            <a:schemeClr val="dk1"/>
+          </a:fontRef>
+        </p:style>
+        <p:txBody>
+          <a:bodyPr rtlCol="0" anchor="ctr"/>
+          <a:lstStyle/>
+          <a:p>
+            <a:r>
+              <a:rPr lang="en-US" altLang="zh-CN" sz="1600" dirty="0" err="1" smtClean="0"/>
+              <a:t>Todo</a:t>
+            </a:r>
+            <a:r>
+              <a:rPr lang="en-US" altLang="zh-CN" sz="1600" dirty="0" smtClean="0"/>
+              <a:t> data</a:t>
+            </a:r>
+            <a:endParaRPr lang="en-US" sz="1600" dirty="0"/>
+          </a:p>
+        </p:txBody>
+      </p:sp>
+      <p:cxnSp>
+        <p:nvCxnSpPr>
+          <p:cNvPr id="55" name="Straight Arrow Connector 54"/>
+          <p:cNvCxnSpPr/>
+          <p:nvPr/>
+        </p:nvCxnSpPr>
+        <p:spPr>
+          <a:xfrm>
+            <a:off x="6485596" y="2995020"/>
+            <a:ext cx="1259750" cy="0"/>
+          </a:xfrm>
+          <a:prstGeom prst="straightConnector1">
+            <a:avLst/>
+          </a:prstGeom>
+          <a:ln w="15875">
+            <a:tailEnd type="triangle"/>
+          </a:ln>
+        </p:spPr>
+        <p:style>
+          <a:lnRef idx="1">
+            <a:schemeClr val="dk1"/>
+          </a:lnRef>
+          <a:fillRef idx="0">
+            <a:schemeClr val="dk1"/>
+          </a:fillRef>
+          <a:effectRef idx="0">
+            <a:schemeClr val="dk1"/>
+          </a:effectRef>
+          <a:fontRef idx="minor">
+            <a:schemeClr val="tx1"/>
+          </a:fontRef>
+        </p:style>
+      </p:cxnSp>
+      <p:sp>
+        <p:nvSpPr>
+          <p:cNvPr id="56" name="Rectangle 55"/>
+          <p:cNvSpPr/>
+          <p:nvPr/>
+        </p:nvSpPr>
+        <p:spPr>
+          <a:xfrm>
+            <a:off x="6533545" y="2957057"/>
+            <a:ext cx="1516628" cy="540775"/>
+          </a:xfrm>
+          <a:prstGeom prst="rect">
+            <a:avLst/>
+          </a:prstGeom>
+          <a:noFill/>
+          <a:ln>
+            <a:noFill/>
+          </a:ln>
+        </p:spPr>
+        <p:style>
+          <a:lnRef idx="2">
+            <a:schemeClr val="dk1"/>
+          </a:lnRef>
+          <a:fillRef idx="1">
+            <a:schemeClr val="lt1"/>
+          </a:fillRef>
+          <a:effectRef idx="0">
+            <a:schemeClr val="dk1"/>
+          </a:effectRef>
+          <a:fontRef idx="minor">
+            <a:schemeClr val="dk1"/>
+          </a:fontRef>
+        </p:style>
+        <p:txBody>
+          <a:bodyPr rtlCol="0" anchor="ctr"/>
+          <a:lstStyle/>
+          <a:p>
+            <a:r>
+              <a:rPr lang="en-US" altLang="zh-CN" sz="1600" dirty="0" err="1" smtClean="0"/>
+              <a:t>Todo</a:t>
+            </a:r>
+            <a:r>
+              <a:rPr lang="en-US" altLang="zh-CN" sz="1600" dirty="0" smtClean="0"/>
+              <a:t> data</a:t>
+            </a:r>
+            <a:endParaRPr lang="en-US" sz="1600" dirty="0"/>
+          </a:p>
+        </p:txBody>
+      </p:sp>
     </p:spTree>
     <p:extLst>
       <p:ext uri="{BB962C8B-B14F-4D97-AF65-F5344CB8AC3E}">
-        <p14:creationId xmlns:p14="http://schemas.microsoft.com/office/powerpoint/2010/main" xmlns="" val="522755690"/>
+        <p14:creationId xmlns:p14="http://schemas.microsoft.com/office/powerpoint/2010/main" val="522755690"/>
       </p:ext>
     </p:extLst>
   </p:cSld>
@@ -9723,7 +10454,7 @@
                                           </p:stCondLst>
                                         </p:cTn>
                                         <p:tgtEl>
-                                          <p:spTgt spid="18"/>
+                                          <p:spTgt spid="53"/>
                                         </p:tgtEl>
                                         <p:attrNameLst>
                                           <p:attrName>style.visibility</p:attrName>
@@ -9737,7 +10468,7 @@
                                       <p:cBhvr>
                                         <p:cTn id="7" dur="500"/>
                                         <p:tgtEl>
-                                          <p:spTgt spid="18"/>
+                                          <p:spTgt spid="53"/>
                                         </p:tgtEl>
                                       </p:cBhvr>
                                     </p:animEffect>
@@ -9758,7 +10489,7 @@
                                           </p:stCondLst>
                                         </p:cTn>
                                         <p:tgtEl>
-                                          <p:spTgt spid="19"/>
+                                          <p:spTgt spid="54"/>
                                         </p:tgtEl>
                                         <p:attrNameLst>
                                           <p:attrName>style.visibility</p:attrName>
@@ -9772,7 +10503,7 @@
                                       <p:cBhvr>
                                         <p:cTn id="10" dur="500"/>
                                         <p:tgtEl>
-                                          <p:spTgt spid="19"/>
+                                          <p:spTgt spid="54"/>
                                         </p:tgtEl>
                                       </p:cBhvr>
                                     </p:animEffect>
@@ -9811,7 +10542,7 @@
                                           </p:stCondLst>
                                         </p:cTn>
                                         <p:tgtEl>
-                                          <p:spTgt spid="25"/>
+                                          <p:spTgt spid="55"/>
                                         </p:tgtEl>
                                         <p:attrNameLst>
                                           <p:attrName>style.visibility</p:attrName>
@@ -9825,7 +10556,7 @@
                                       <p:cBhvr>
                                         <p:cTn id="15" dur="500"/>
                                         <p:tgtEl>
-                                          <p:spTgt spid="25"/>
+                                          <p:spTgt spid="55"/>
                                         </p:tgtEl>
                                       </p:cBhvr>
                                     </p:animEffect>
@@ -9846,7 +10577,7 @@
                                           </p:stCondLst>
                                         </p:cTn>
                                         <p:tgtEl>
-                                          <p:spTgt spid="30"/>
+                                          <p:spTgt spid="56"/>
                                         </p:tgtEl>
                                         <p:attrNameLst>
                                           <p:attrName>style.visibility</p:attrName>
@@ -9860,7 +10591,7 @@
                                       <p:cBhvr>
                                         <p:cTn id="18" dur="500"/>
                                         <p:tgtEl>
-                                          <p:spTgt spid="30"/>
+                                          <p:spTgt spid="56"/>
                                         </p:tgtEl>
                                       </p:cBhvr>
                                     </p:animEffect>
@@ -9899,7 +10630,7 @@
                                           </p:stCondLst>
                                         </p:cTn>
                                         <p:tgtEl>
-                                          <p:spTgt spid="20"/>
+                                          <p:spTgt spid="18"/>
                                         </p:tgtEl>
                                         <p:attrNameLst>
                                           <p:attrName>style.visibility</p:attrName>
@@ -9913,7 +10644,7 @@
                                       <p:cBhvr>
                                         <p:cTn id="23" dur="500"/>
                                         <p:tgtEl>
-                                          <p:spTgt spid="20"/>
+                                          <p:spTgt spid="18"/>
                                         </p:tgtEl>
                                       </p:cBhvr>
                                     </p:animEffect>
@@ -9934,6 +10665,182 @@
                                           </p:stCondLst>
                                         </p:cTn>
                                         <p:tgtEl>
+                                          <p:spTgt spid="19"/>
+                                        </p:tgtEl>
+                                        <p:attrNameLst>
+                                          <p:attrName>style.visibility</p:attrName>
+                                        </p:attrNameLst>
+                                      </p:cBhvr>
+                                      <p:to>
+                                        <p:strVal val="visible"/>
+                                      </p:to>
+                                    </p:set>
+                                    <p:animEffect transition="in" filter="barn(inVertical)">
+                                      <p:cBhvr>
+                                        <p:cTn id="26" dur="500"/>
+                                        <p:tgtEl>
+                                          <p:spTgt spid="19"/>
+                                        </p:tgtEl>
+                                      </p:cBhvr>
+                                    </p:animEffect>
+                                  </p:childTnLst>
+                                </p:cTn>
+                              </p:par>
+                            </p:childTnLst>
+                          </p:cTn>
+                        </p:par>
+                      </p:childTnLst>
+                    </p:cTn>
+                  </p:par>
+                  <p:par>
+                    <p:cTn id="27" fill="hold">
+                      <p:stCondLst>
+                        <p:cond delay="indefinite"/>
+                      </p:stCondLst>
+                      <p:childTnLst>
+                        <p:par>
+                          <p:cTn id="28" fill="hold">
+                            <p:stCondLst>
+                              <p:cond delay="0"/>
+                            </p:stCondLst>
+                            <p:childTnLst>
+                              <p:par>
+                                <p:cTn id="29" presetID="16" presetClass="entr" presetSubtype="21" fill="hold" nodeType="clickEffect">
+                                  <p:stCondLst>
+                                    <p:cond delay="0"/>
+                                  </p:stCondLst>
+                                  <p:childTnLst>
+                                    <p:set>
+                                      <p:cBhvr>
+                                        <p:cTn id="30" dur="1" fill="hold">
+                                          <p:stCondLst>
+                                            <p:cond delay="0"/>
+                                          </p:stCondLst>
+                                        </p:cTn>
+                                        <p:tgtEl>
+                                          <p:spTgt spid="25"/>
+                                        </p:tgtEl>
+                                        <p:attrNameLst>
+                                          <p:attrName>style.visibility</p:attrName>
+                                        </p:attrNameLst>
+                                      </p:cBhvr>
+                                      <p:to>
+                                        <p:strVal val="visible"/>
+                                      </p:to>
+                                    </p:set>
+                                    <p:animEffect transition="in" filter="barn(inVertical)">
+                                      <p:cBhvr>
+                                        <p:cTn id="31" dur="500"/>
+                                        <p:tgtEl>
+                                          <p:spTgt spid="25"/>
+                                        </p:tgtEl>
+                                      </p:cBhvr>
+                                    </p:animEffect>
+                                  </p:childTnLst>
+                                </p:cTn>
+                              </p:par>
+                              <p:par>
+                                <p:cTn id="32" presetID="16" presetClass="entr" presetSubtype="21" fill="hold" grpId="0" nodeType="withEffect">
+                                  <p:stCondLst>
+                                    <p:cond delay="0"/>
+                                  </p:stCondLst>
+                                  <p:childTnLst>
+                                    <p:set>
+                                      <p:cBhvr>
+                                        <p:cTn id="33" dur="1" fill="hold">
+                                          <p:stCondLst>
+                                            <p:cond delay="0"/>
+                                          </p:stCondLst>
+                                        </p:cTn>
+                                        <p:tgtEl>
+                                          <p:spTgt spid="30"/>
+                                        </p:tgtEl>
+                                        <p:attrNameLst>
+                                          <p:attrName>style.visibility</p:attrName>
+                                        </p:attrNameLst>
+                                      </p:cBhvr>
+                                      <p:to>
+                                        <p:strVal val="visible"/>
+                                      </p:to>
+                                    </p:set>
+                                    <p:animEffect transition="in" filter="barn(inVertical)">
+                                      <p:cBhvr>
+                                        <p:cTn id="34" dur="500"/>
+                                        <p:tgtEl>
+                                          <p:spTgt spid="30"/>
+                                        </p:tgtEl>
+                                      </p:cBhvr>
+                                    </p:animEffect>
+                                  </p:childTnLst>
+                                </p:cTn>
+                              </p:par>
+                            </p:childTnLst>
+                          </p:cTn>
+                        </p:par>
+                      </p:childTnLst>
+                    </p:cTn>
+                  </p:par>
+                  <p:par>
+                    <p:cTn id="35" fill="hold">
+                      <p:stCondLst>
+                        <p:cond delay="indefinite"/>
+                      </p:stCondLst>
+                      <p:childTnLst>
+                        <p:par>
+                          <p:cTn id="36" fill="hold">
+                            <p:stCondLst>
+                              <p:cond delay="0"/>
+                            </p:stCondLst>
+                            <p:childTnLst>
+                              <p:par>
+                                <p:cTn id="37" presetID="16" presetClass="entr" presetSubtype="21" fill="hold" nodeType="clickEffect">
+                                  <p:stCondLst>
+                                    <p:cond delay="0"/>
+                                  </p:stCondLst>
+                                  <p:childTnLst>
+                                    <p:set>
+                                      <p:cBhvr>
+                                        <p:cTn id="38" dur="1" fill="hold">
+                                          <p:stCondLst>
+                                            <p:cond delay="0"/>
+                                          </p:stCondLst>
+                                        </p:cTn>
+                                        <p:tgtEl>
+                                          <p:spTgt spid="20"/>
+                                        </p:tgtEl>
+                                        <p:attrNameLst>
+                                          <p:attrName>style.visibility</p:attrName>
+                                        </p:attrNameLst>
+                                      </p:cBhvr>
+                                      <p:to>
+                                        <p:strVal val="visible"/>
+                                      </p:to>
+                                    </p:set>
+                                    <p:animEffect transition="in" filter="barn(inVertical)">
+                                      <p:cBhvr>
+                                        <p:cTn id="39" dur="500"/>
+                                        <p:tgtEl>
+                                          <p:spTgt spid="20"/>
+                                        </p:tgtEl>
+                                      </p:cBhvr>
+                                    </p:animEffect>
+                                  </p:childTnLst>
+                                </p:cTn>
+                              </p:par>
+                              <p:par>
+                                <p:cTn id="40" presetID="16" presetClass="entr" presetSubtype="21" fill="hold" grpId="0" nodeType="withEffect">
+                                  <p:stCondLst>
+                                    <p:cond delay="0"/>
+                                  </p:stCondLst>
+                                  <p:childTnLst>
+                                    <p:set>
+                                      <p:cBhvr>
+                                        <p:cTn id="41" dur="1" fill="hold">
+                                          <p:stCondLst>
+                                            <p:cond delay="0"/>
+                                          </p:stCondLst>
+                                        </p:cTn>
+                                        <p:tgtEl>
                                           <p:spTgt spid="24"/>
                                         </p:tgtEl>
                                         <p:attrNameLst>
@@ -9946,7 +10853,7 @@
                                     </p:set>
                                     <p:animEffect transition="in" filter="barn(inVertical)">
                                       <p:cBhvr>
-                                        <p:cTn id="26" dur="500"/>
+                                        <p:cTn id="42" dur="500"/>
                                         <p:tgtEl>
                                           <p:spTgt spid="24"/>
                                         </p:tgtEl>
@@ -9986,6 +10893,8 @@
       <p:bldP spid="19" grpId="0"/>
       <p:bldP spid="24" grpId="0"/>
       <p:bldP spid="30" grpId="0"/>
+      <p:bldP spid="54" grpId="0"/>
+      <p:bldP spid="56" grpId="0"/>
     </p:bldLst>
   </p:timing>
 </p:sld>
@@ -10350,7 +11259,7 @@
     </p:spTree>
     <p:extLst>
       <p:ext uri="{BB962C8B-B14F-4D97-AF65-F5344CB8AC3E}">
-        <p14:creationId xmlns:p14="http://schemas.microsoft.com/office/powerpoint/2010/main" xmlns="" val="3799833630"/>
+        <p14:creationId xmlns:p14="http://schemas.microsoft.com/office/powerpoint/2010/main" val="3799833630"/>
       </p:ext>
     </p:extLst>
   </p:cSld>
@@ -11017,7 +11926,7 @@
     </p:spTree>
     <p:extLst>
       <p:ext uri="{BB962C8B-B14F-4D97-AF65-F5344CB8AC3E}">
-        <p14:creationId xmlns:p14="http://schemas.microsoft.com/office/powerpoint/2010/main" xmlns="" val="342832266"/>
+        <p14:creationId xmlns:p14="http://schemas.microsoft.com/office/powerpoint/2010/main" val="342832266"/>
       </p:ext>
     </p:extLst>
   </p:cSld>
@@ -12353,7 +13262,7 @@
     </p:spTree>
     <p:extLst>
       <p:ext uri="{BB962C8B-B14F-4D97-AF65-F5344CB8AC3E}">
-        <p14:creationId xmlns:p14="http://schemas.microsoft.com/office/powerpoint/2010/main" xmlns="" val="1573575831"/>
+        <p14:creationId xmlns:p14="http://schemas.microsoft.com/office/powerpoint/2010/main" val="1573575831"/>
       </p:ext>
     </p:extLst>
   </p:cSld>
@@ -13104,7 +14013,7 @@
     </p:spTree>
     <p:extLst>
       <p:ext uri="{BB962C8B-B14F-4D97-AF65-F5344CB8AC3E}">
-        <p14:creationId xmlns:p14="http://schemas.microsoft.com/office/powerpoint/2010/main" xmlns="" val="3242372485"/>
+        <p14:creationId xmlns:p14="http://schemas.microsoft.com/office/powerpoint/2010/main" val="3242372485"/>
       </p:ext>
     </p:extLst>
   </p:cSld>
@@ -14044,7 +14953,7 @@
     </p:spTree>
     <p:extLst>
       <p:ext uri="{BB962C8B-B14F-4D97-AF65-F5344CB8AC3E}">
-        <p14:creationId xmlns:p14="http://schemas.microsoft.com/office/powerpoint/2010/main" xmlns="" val="996191962"/>
+        <p14:creationId xmlns:p14="http://schemas.microsoft.com/office/powerpoint/2010/main" val="996191962"/>
       </p:ext>
     </p:extLst>
   </p:cSld>
@@ -14324,7 +15233,7 @@
   <a:extraClrSchemeLst/>
   <a:extLst>
     <a:ext uri="{05A4C25C-085E-4340-85A3-A5531E510DB2}">
-      <thm15:themeFamily xmlns:thm15="http://schemas.microsoft.com/office/thememl/2012/main" xmlns="" name="Ion" id="{B8441ADB-2E43-4AF7-B97A-BD870242C6A8}" vid="{292E63A9-BB86-4E3D-B92A-7223C6510D2E}"/>
+      <thm15:themeFamily xmlns:thm15="http://schemas.microsoft.com/office/thememl/2012/main" name="Ion" id="{B8441ADB-2E43-4AF7-B97A-BD870242C6A8}" vid="{292E63A9-BB86-4E3D-B92A-7223C6510D2E}"/>
     </a:ext>
   </a:extLst>
 </a:theme>
@@ -14585,7 +15494,7 @@
   <a:extraClrSchemeLst/>
   <a:extLst>
     <a:ext uri="{05A4C25C-085E-4340-85A3-A5531E510DB2}">
-      <thm15:themeFamily xmlns:thm15="http://schemas.microsoft.com/office/thememl/2012/main" xmlns="" name="Office Theme" id="{62F939B6-93AF-4DB8-9C6B-D6C7DFDC589F}" vid="{4A3C46E8-61CC-4603-A589-7422A47A8E4A}"/>
+      <thm15:themeFamily xmlns:thm15="http://schemas.microsoft.com/office/thememl/2012/main" name="Office Theme" id="{62F939B6-93AF-4DB8-9C6B-D6C7DFDC589F}" vid="{4A3C46E8-61CC-4603-A589-7422A47A8E4A}"/>
     </a:ext>
   </a:extLst>
 </a:theme>
